--- a/Sesión_0/Introducción.pptx
+++ b/Sesión_0/Introducción.pptx
@@ -167,7 +167,7 @@
 <file path=ppt/revisionInfo.xml><?xml version="1.0" encoding="utf-8"?>
 <p1510:revInfo xmlns:a="http://schemas.openxmlformats.org/drawingml/2006/main" xmlns:r="http://schemas.openxmlformats.org/officeDocument/2006/relationships" xmlns:p1510="http://schemas.microsoft.com/office/powerpoint/2015/10/main">
   <p1510:revLst>
-    <p1510:client id="{3985C9E5-81AA-4DDC-888E-805F19B02ED5}" v="58" dt="2024-08-06T19:00:32.721"/>
+    <p1510:client id="{F051727E-E815-4CBA-87EC-595602D579B3}" v="21" dt="2025-01-04T00:02:11.213"/>
   </p1510:revLst>
 </p1510:revInfo>
 </file>
@@ -187,22 +187,6 @@
           <pc:docMk/>
           <pc:sldMk cId="0" sldId="261"/>
         </pc:sldMkLst>
-        <pc:spChg chg="add mod">
-          <ac:chgData name="JHEYSON FABIAN VILLAVISAN BUITRAGO" userId="e5ced5c2-d787-455d-b115-4f08a699b8c8" providerId="ADAL" clId="{B7B46A87-332C-4E6B-A17F-43C7BE9901B3}" dt="2024-02-04T21:01:44.205" v="337" actId="20577"/>
-          <ac:spMkLst>
-            <pc:docMk/>
-            <pc:sldMk cId="0" sldId="261"/>
-            <ac:spMk id="3" creationId="{59B9380A-11B1-FEE0-C677-C5094B4EF0B4}"/>
-          </ac:spMkLst>
-        </pc:spChg>
-        <pc:graphicFrameChg chg="mod modGraphic">
-          <ac:chgData name="JHEYSON FABIAN VILLAVISAN BUITRAGO" userId="e5ced5c2-d787-455d-b115-4f08a699b8c8" providerId="ADAL" clId="{B7B46A87-332C-4E6B-A17F-43C7BE9901B3}" dt="2024-02-04T20:57:10.363" v="319" actId="404"/>
-          <ac:graphicFrameMkLst>
-            <pc:docMk/>
-            <pc:sldMk cId="0" sldId="261"/>
-            <ac:graphicFrameMk id="7" creationId="{3B28400A-9287-40BA-9001-2E821D706B4D}"/>
-          </ac:graphicFrameMkLst>
-        </pc:graphicFrameChg>
       </pc:sldChg>
       <pc:sldChg chg="del">
         <pc:chgData name="JHEYSON FABIAN VILLAVISAN BUITRAGO" userId="e5ced5c2-d787-455d-b115-4f08a699b8c8" providerId="ADAL" clId="{B7B46A87-332C-4E6B-A17F-43C7BE9901B3}" dt="2024-02-04T20:55:17.123" v="234" actId="47"/>
@@ -217,30 +201,6 @@
           <pc:docMk/>
           <pc:sldMk cId="3765501484" sldId="279"/>
         </pc:sldMkLst>
-        <pc:spChg chg="add del mod">
-          <ac:chgData name="JHEYSON FABIAN VILLAVISAN BUITRAGO" userId="e5ced5c2-d787-455d-b115-4f08a699b8c8" providerId="ADAL" clId="{B7B46A87-332C-4E6B-A17F-43C7BE9901B3}" dt="2024-02-04T21:18:09.139" v="355" actId="478"/>
-          <ac:spMkLst>
-            <pc:docMk/>
-            <pc:sldMk cId="3765501484" sldId="279"/>
-            <ac:spMk id="5" creationId="{8DB0316F-FD81-AEF5-EFD2-7BE484097FA5}"/>
-          </ac:spMkLst>
-        </pc:spChg>
-        <pc:picChg chg="del">
-          <ac:chgData name="JHEYSON FABIAN VILLAVISAN BUITRAGO" userId="e5ced5c2-d787-455d-b115-4f08a699b8c8" providerId="ADAL" clId="{B7B46A87-332C-4E6B-A17F-43C7BE9901B3}" dt="2024-02-04T21:17:40.978" v="348" actId="478"/>
-          <ac:picMkLst>
-            <pc:docMk/>
-            <pc:sldMk cId="3765501484" sldId="279"/>
-            <ac:picMk id="4" creationId="{1E3B56E5-CEB8-D71A-85DC-4DE0E0CF2759}"/>
-          </ac:picMkLst>
-        </pc:picChg>
-        <pc:picChg chg="add mod">
-          <ac:chgData name="JHEYSON FABIAN VILLAVISAN BUITRAGO" userId="e5ced5c2-d787-455d-b115-4f08a699b8c8" providerId="ADAL" clId="{B7B46A87-332C-4E6B-A17F-43C7BE9901B3}" dt="2024-02-04T21:18:12.134" v="356" actId="1076"/>
-          <ac:picMkLst>
-            <pc:docMk/>
-            <pc:sldMk cId="3765501484" sldId="279"/>
-            <ac:picMk id="7" creationId="{A1AF89D5-4CA5-16BD-3480-5912C982C830}"/>
-          </ac:picMkLst>
-        </pc:picChg>
       </pc:sldChg>
       <pc:sldChg chg="addSp delSp modSp add mod">
         <pc:chgData name="JHEYSON FABIAN VILLAVISAN BUITRAGO" userId="e5ced5c2-d787-455d-b115-4f08a699b8c8" providerId="ADAL" clId="{B7B46A87-332C-4E6B-A17F-43C7BE9901B3}" dt="2024-02-04T21:13:02.241" v="347"/>
@@ -248,54 +208,76 @@
           <pc:docMk/>
           <pc:sldMk cId="2965408220" sldId="280"/>
         </pc:sldMkLst>
+      </pc:sldChg>
+    </pc:docChg>
+  </pc:docChgLst>
+  <pc:docChgLst>
+    <pc:chgData name="JHEYSON FABIAN VILLAVISAN BUITRAGO" userId="e5ced5c2-d787-455d-b115-4f08a699b8c8" providerId="ADAL" clId="{F051727E-E815-4CBA-87EC-595602D579B3}"/>
+    <pc:docChg chg="custSel modSld">
+      <pc:chgData name="JHEYSON FABIAN VILLAVISAN BUITRAGO" userId="e5ced5c2-d787-455d-b115-4f08a699b8c8" providerId="ADAL" clId="{F051727E-E815-4CBA-87EC-595602D579B3}" dt="2025-01-04T00:02:53.888" v="459" actId="114"/>
+      <pc:docMkLst>
+        <pc:docMk/>
+      </pc:docMkLst>
+      <pc:sldChg chg="modSp mod">
+        <pc:chgData name="JHEYSON FABIAN VILLAVISAN BUITRAGO" userId="e5ced5c2-d787-455d-b115-4f08a699b8c8" providerId="ADAL" clId="{F051727E-E815-4CBA-87EC-595602D579B3}" dt="2025-01-04T00:02:53.888" v="459" actId="114"/>
+        <pc:sldMkLst>
+          <pc:docMk/>
+          <pc:sldMk cId="0" sldId="261"/>
+        </pc:sldMkLst>
         <pc:spChg chg="mod">
-          <ac:chgData name="JHEYSON FABIAN VILLAVISAN BUITRAGO" userId="e5ced5c2-d787-455d-b115-4f08a699b8c8" providerId="ADAL" clId="{B7B46A87-332C-4E6B-A17F-43C7BE9901B3}" dt="2024-02-04T20:55:11.164" v="233" actId="20577"/>
+          <ac:chgData name="JHEYSON FABIAN VILLAVISAN BUITRAGO" userId="e5ced5c2-d787-455d-b115-4f08a699b8c8" providerId="ADAL" clId="{F051727E-E815-4CBA-87EC-595602D579B3}" dt="2025-01-04T00:02:53.888" v="459" actId="114"/>
           <ac:spMkLst>
             <pc:docMk/>
-            <pc:sldMk cId="2965408220" sldId="280"/>
-            <ac:spMk id="3" creationId="{FC88F630-6ADB-4FC8-9841-93248EA64007}"/>
+            <pc:sldMk cId="0" sldId="261"/>
+            <ac:spMk id="6" creationId="{97AA8CFD-3BCF-4D31-88D2-A24ABB62907A}"/>
           </ac:spMkLst>
         </pc:spChg>
-        <pc:spChg chg="del">
-          <ac:chgData name="JHEYSON FABIAN VILLAVISAN BUITRAGO" userId="e5ced5c2-d787-455d-b115-4f08a699b8c8" providerId="ADAL" clId="{B7B46A87-332C-4E6B-A17F-43C7BE9901B3}" dt="2024-02-04T20:48:22.355" v="12" actId="478"/>
+      </pc:sldChg>
+      <pc:sldChg chg="modSp mod">
+        <pc:chgData name="JHEYSON FABIAN VILLAVISAN BUITRAGO" userId="e5ced5c2-d787-455d-b115-4f08a699b8c8" providerId="ADAL" clId="{F051727E-E815-4CBA-87EC-595602D579B3}" dt="2025-01-03T23:58:35.352" v="263" actId="20577"/>
+        <pc:sldMkLst>
+          <pc:docMk/>
+          <pc:sldMk cId="0" sldId="268"/>
+        </pc:sldMkLst>
+        <pc:spChg chg="mod">
+          <ac:chgData name="JHEYSON FABIAN VILLAVISAN BUITRAGO" userId="e5ced5c2-d787-455d-b115-4f08a699b8c8" providerId="ADAL" clId="{F051727E-E815-4CBA-87EC-595602D579B3}" dt="2025-01-03T23:58:35.352" v="263" actId="20577"/>
           <ac:spMkLst>
             <pc:docMk/>
-            <pc:sldMk cId="2965408220" sldId="280"/>
-            <ac:spMk id="6" creationId="{6A35285C-4584-C88E-3DB1-2B353E8F42CF}"/>
+            <pc:sldMk cId="0" sldId="268"/>
+            <ac:spMk id="23554" creationId="{EA98F516-CD1D-4B94-8AAC-2D9EAEE9939C}"/>
           </ac:spMkLst>
         </pc:spChg>
-        <pc:spChg chg="del">
-          <ac:chgData name="JHEYSON FABIAN VILLAVISAN BUITRAGO" userId="e5ced5c2-d787-455d-b115-4f08a699b8c8" providerId="ADAL" clId="{B7B46A87-332C-4E6B-A17F-43C7BE9901B3}" dt="2024-02-04T20:48:09.573" v="9" actId="478"/>
-          <ac:spMkLst>
-            <pc:docMk/>
-            <pc:sldMk cId="2965408220" sldId="280"/>
-            <ac:spMk id="7" creationId="{EBDE2FDF-A2BB-4F17-99CB-0B213EF4BAA4}"/>
-          </ac:spMkLst>
-        </pc:spChg>
-        <pc:spChg chg="add mod">
-          <ac:chgData name="JHEYSON FABIAN VILLAVISAN BUITRAGO" userId="e5ced5c2-d787-455d-b115-4f08a699b8c8" providerId="ADAL" clId="{B7B46A87-332C-4E6B-A17F-43C7BE9901B3}" dt="2024-02-04T20:48:12.069" v="11" actId="20577"/>
+      </pc:sldChg>
+      <pc:sldChg chg="modSp mod">
+        <pc:chgData name="JHEYSON FABIAN VILLAVISAN BUITRAGO" userId="e5ced5c2-d787-455d-b115-4f08a699b8c8" providerId="ADAL" clId="{F051727E-E815-4CBA-87EC-595602D579B3}" dt="2025-01-04T00:02:11.213" v="455" actId="14100"/>
+        <pc:sldMkLst>
+          <pc:docMk/>
+          <pc:sldMk cId="2965408220" sldId="280"/>
+        </pc:sldMkLst>
+        <pc:spChg chg="mod">
+          <ac:chgData name="JHEYSON FABIAN VILLAVISAN BUITRAGO" userId="e5ced5c2-d787-455d-b115-4f08a699b8c8" providerId="ADAL" clId="{F051727E-E815-4CBA-87EC-595602D579B3}" dt="2025-01-04T00:02:04.383" v="454" actId="1076"/>
           <ac:spMkLst>
             <pc:docMk/>
             <pc:sldMk cId="2965408220" sldId="280"/>
             <ac:spMk id="8" creationId="{5932E3F1-24A7-A01F-0773-6237BD556E80}"/>
           </ac:spMkLst>
         </pc:spChg>
-        <pc:spChg chg="add mod">
-          <ac:chgData name="JHEYSON FABIAN VILLAVISAN BUITRAGO" userId="e5ced5c2-d787-455d-b115-4f08a699b8c8" providerId="ADAL" clId="{B7B46A87-332C-4E6B-A17F-43C7BE9901B3}" dt="2024-02-04T20:48:22.547" v="13"/>
-          <ac:spMkLst>
-            <pc:docMk/>
-            <pc:sldMk cId="2965408220" sldId="280"/>
-            <ac:spMk id="9" creationId="{79EF761A-FEAD-D9F3-BD56-49599C4CE1E2}"/>
-          </ac:spMkLst>
-        </pc:spChg>
         <pc:graphicFrameChg chg="mod modGraphic">
-          <ac:chgData name="JHEYSON FABIAN VILLAVISAN BUITRAGO" userId="e5ced5c2-d787-455d-b115-4f08a699b8c8" providerId="ADAL" clId="{B7B46A87-332C-4E6B-A17F-43C7BE9901B3}" dt="2024-02-04T21:13:02.241" v="347"/>
+          <ac:chgData name="JHEYSON FABIAN VILLAVISAN BUITRAGO" userId="e5ced5c2-d787-455d-b115-4f08a699b8c8" providerId="ADAL" clId="{F051727E-E815-4CBA-87EC-595602D579B3}" dt="2025-01-04T00:01:33.605" v="451" actId="13926"/>
           <ac:graphicFrameMkLst>
             <pc:docMk/>
             <pc:sldMk cId="2965408220" sldId="280"/>
-            <ac:graphicFrameMk id="2" creationId="{BFAD80C6-663E-42AD-A6EE-0E699E7C415E}"/>
+            <ac:graphicFrameMk id="6" creationId="{D45444DB-DE93-829B-F32A-C3FB962F868B}"/>
           </ac:graphicFrameMkLst>
         </pc:graphicFrameChg>
+        <pc:picChg chg="mod">
+          <ac:chgData name="JHEYSON FABIAN VILLAVISAN BUITRAGO" userId="e5ced5c2-d787-455d-b115-4f08a699b8c8" providerId="ADAL" clId="{F051727E-E815-4CBA-87EC-595602D579B3}" dt="2025-01-04T00:02:11.213" v="455" actId="14100"/>
+          <ac:picMkLst>
+            <pc:docMk/>
+            <pc:sldMk cId="2965408220" sldId="280"/>
+            <ac:picMk id="4" creationId="{F6C827CA-8E86-44AB-5043-B6D399FFB89D}"/>
+          </ac:picMkLst>
+        </pc:picChg>
       </pc:sldChg>
     </pc:docChg>
   </pc:docChgLst>
@@ -312,86 +294,6 @@
           <pc:docMk/>
           <pc:sldMk cId="0" sldId="256"/>
         </pc:sldMkLst>
-        <pc:spChg chg="del mod">
-          <ac:chgData name="Jheyson Fabian Villavisan Buitrago" userId="b9abc243-2adc-4788-8ef1-b07bec73deff" providerId="ADAL" clId="{33DDCE01-D5A0-4892-8419-FF73BDBED2B5}" dt="2023-02-12T20:13:24.056" v="26" actId="478"/>
-          <ac:spMkLst>
-            <pc:docMk/>
-            <pc:sldMk cId="0" sldId="256"/>
-            <ac:spMk id="3" creationId="{764F810C-0CF9-490A-B763-785A91F347BA}"/>
-          </ac:spMkLst>
-        </pc:spChg>
-        <pc:spChg chg="mod">
-          <ac:chgData name="Jheyson Fabian Villavisan Buitrago" userId="b9abc243-2adc-4788-8ef1-b07bec73deff" providerId="ADAL" clId="{33DDCE01-D5A0-4892-8419-FF73BDBED2B5}" dt="2023-02-12T20:14:33.886" v="37" actId="1076"/>
-          <ac:spMkLst>
-            <pc:docMk/>
-            <pc:sldMk cId="0" sldId="256"/>
-            <ac:spMk id="7" creationId="{A236FBE4-061E-78EC-AF9D-34882DE16D7D}"/>
-          </ac:spMkLst>
-        </pc:spChg>
-        <pc:spChg chg="add del mod">
-          <ac:chgData name="Jheyson Fabian Villavisan Buitrago" userId="b9abc243-2adc-4788-8ef1-b07bec73deff" providerId="ADAL" clId="{33DDCE01-D5A0-4892-8419-FF73BDBED2B5}" dt="2023-02-12T20:12:58.721" v="8"/>
-          <ac:spMkLst>
-            <pc:docMk/>
-            <pc:sldMk cId="0" sldId="256"/>
-            <ac:spMk id="8" creationId="{36DF7B6C-9728-0473-58B1-8CC3F8648FE1}"/>
-          </ac:spMkLst>
-        </pc:spChg>
-        <pc:spChg chg="add del mod">
-          <ac:chgData name="Jheyson Fabian Villavisan Buitrago" userId="b9abc243-2adc-4788-8ef1-b07bec73deff" providerId="ADAL" clId="{33DDCE01-D5A0-4892-8419-FF73BDBED2B5}" dt="2023-02-12T20:13:07.101" v="12"/>
-          <ac:spMkLst>
-            <pc:docMk/>
-            <pc:sldMk cId="0" sldId="256"/>
-            <ac:spMk id="9" creationId="{035E5554-21D0-D50F-8D11-D7A0FE971C1E}"/>
-          </ac:spMkLst>
-        </pc:spChg>
-        <pc:spChg chg="add mod">
-          <ac:chgData name="Jheyson Fabian Villavisan Buitrago" userId="b9abc243-2adc-4788-8ef1-b07bec73deff" providerId="ADAL" clId="{33DDCE01-D5A0-4892-8419-FF73BDBED2B5}" dt="2023-02-12T20:13:43.748" v="30" actId="1076"/>
-          <ac:spMkLst>
-            <pc:docMk/>
-            <pc:sldMk cId="0" sldId="256"/>
-            <ac:spMk id="10" creationId="{0D52910C-C7FF-51AD-9B9D-1A390D5FFE1B}"/>
-          </ac:spMkLst>
-        </pc:spChg>
-        <pc:spChg chg="add del mod">
-          <ac:chgData name="Jheyson Fabian Villavisan Buitrago" userId="b9abc243-2adc-4788-8ef1-b07bec73deff" providerId="ADAL" clId="{33DDCE01-D5A0-4892-8419-FF73BDBED2B5}" dt="2023-02-12T20:13:34.325" v="28" actId="478"/>
-          <ac:spMkLst>
-            <pc:docMk/>
-            <pc:sldMk cId="0" sldId="256"/>
-            <ac:spMk id="12" creationId="{22668E27-BBB2-BE40-34B0-15233BB46B8E}"/>
-          </ac:spMkLst>
-        </pc:spChg>
-        <pc:spChg chg="mod">
-          <ac:chgData name="Jheyson Fabian Villavisan Buitrago" userId="b9abc243-2adc-4788-8ef1-b07bec73deff" providerId="ADAL" clId="{33DDCE01-D5A0-4892-8419-FF73BDBED2B5}" dt="2023-02-12T23:49:29.616" v="833" actId="20577"/>
-          <ac:spMkLst>
-            <pc:docMk/>
-            <pc:sldMk cId="0" sldId="256"/>
-            <ac:spMk id="5124" creationId="{75207037-66AB-408E-B44C-6489E27F4A1E}"/>
-          </ac:spMkLst>
-        </pc:spChg>
-        <pc:picChg chg="mod">
-          <ac:chgData name="Jheyson Fabian Villavisan Buitrago" userId="b9abc243-2adc-4788-8ef1-b07bec73deff" providerId="ADAL" clId="{33DDCE01-D5A0-4892-8419-FF73BDBED2B5}" dt="2023-02-12T20:14:33.886" v="37" actId="1076"/>
-          <ac:picMkLst>
-            <pc:docMk/>
-            <pc:sldMk cId="0" sldId="256"/>
-            <ac:picMk id="4" creationId="{5D8446A7-4203-D240-B0BD-B0BE244CFB1B}"/>
-          </ac:picMkLst>
-        </pc:picChg>
-        <pc:picChg chg="del mod">
-          <ac:chgData name="Jheyson Fabian Villavisan Buitrago" userId="b9abc243-2adc-4788-8ef1-b07bec73deff" providerId="ADAL" clId="{33DDCE01-D5A0-4892-8419-FF73BDBED2B5}" dt="2023-02-12T20:14:11.386" v="32" actId="478"/>
-          <ac:picMkLst>
-            <pc:docMk/>
-            <pc:sldMk cId="0" sldId="256"/>
-            <ac:picMk id="1026" creationId="{F325BC47-DB09-590B-263D-ECC0F5602618}"/>
-          </ac:picMkLst>
-        </pc:picChg>
-        <pc:picChg chg="add mod">
-          <ac:chgData name="Jheyson Fabian Villavisan Buitrago" userId="b9abc243-2adc-4788-8ef1-b07bec73deff" providerId="ADAL" clId="{33DDCE01-D5A0-4892-8419-FF73BDBED2B5}" dt="2023-02-12T20:14:17.008" v="34" actId="1076"/>
-          <ac:picMkLst>
-            <pc:docMk/>
-            <pc:sldMk cId="0" sldId="256"/>
-            <ac:picMk id="1028" creationId="{86BA1783-B2FE-6B6A-8793-A57527FC5C00}"/>
-          </ac:picMkLst>
-        </pc:picChg>
       </pc:sldChg>
       <pc:sldChg chg="addSp delSp modSp mod">
         <pc:chgData name="Jheyson Fabian Villavisan Buitrago" userId="b9abc243-2adc-4788-8ef1-b07bec73deff" providerId="ADAL" clId="{33DDCE01-D5A0-4892-8419-FF73BDBED2B5}" dt="2023-02-12T21:28:06.624" v="776" actId="1076"/>
@@ -399,78 +301,6 @@
           <pc:docMk/>
           <pc:sldMk cId="0" sldId="261"/>
         </pc:sldMkLst>
-        <pc:spChg chg="del mod">
-          <ac:chgData name="Jheyson Fabian Villavisan Buitrago" userId="b9abc243-2adc-4788-8ef1-b07bec73deff" providerId="ADAL" clId="{33DDCE01-D5A0-4892-8419-FF73BDBED2B5}" dt="2023-02-12T20:21:03.828" v="168" actId="478"/>
-          <ac:spMkLst>
-            <pc:docMk/>
-            <pc:sldMk cId="0" sldId="261"/>
-            <ac:spMk id="2" creationId="{0CC3E847-7CB2-A255-D95D-DD7DF09EE9E2}"/>
-          </ac:spMkLst>
-        </pc:spChg>
-        <pc:spChg chg="add mod">
-          <ac:chgData name="Jheyson Fabian Villavisan Buitrago" userId="b9abc243-2adc-4788-8ef1-b07bec73deff" providerId="ADAL" clId="{33DDCE01-D5A0-4892-8419-FF73BDBED2B5}" dt="2023-02-12T20:16:15.477" v="76"/>
-          <ac:spMkLst>
-            <pc:docMk/>
-            <pc:sldMk cId="0" sldId="261"/>
-            <ac:spMk id="3" creationId="{6BD985B6-878F-6FE8-E247-75230379CB4E}"/>
-          </ac:spMkLst>
-        </pc:spChg>
-        <pc:spChg chg="mod">
-          <ac:chgData name="Jheyson Fabian Villavisan Buitrago" userId="b9abc243-2adc-4788-8ef1-b07bec73deff" providerId="ADAL" clId="{33DDCE01-D5A0-4892-8419-FF73BDBED2B5}" dt="2023-02-12T21:25:54.719" v="725" actId="20577"/>
-          <ac:spMkLst>
-            <pc:docMk/>
-            <pc:sldMk cId="0" sldId="261"/>
-            <ac:spMk id="6" creationId="{97AA8CFD-3BCF-4D31-88D2-A24ABB62907A}"/>
-          </ac:spMkLst>
-        </pc:spChg>
-        <pc:spChg chg="del">
-          <ac:chgData name="Jheyson Fabian Villavisan Buitrago" userId="b9abc243-2adc-4788-8ef1-b07bec73deff" providerId="ADAL" clId="{33DDCE01-D5A0-4892-8419-FF73BDBED2B5}" dt="2023-02-12T20:16:15.115" v="75" actId="478"/>
-          <ac:spMkLst>
-            <pc:docMk/>
-            <pc:sldMk cId="0" sldId="261"/>
-            <ac:spMk id="9" creationId="{98104B24-5D42-9B3F-7575-315F5D724FD8}"/>
-          </ac:spMkLst>
-        </pc:spChg>
-        <pc:graphicFrameChg chg="mod">
-          <ac:chgData name="Jheyson Fabian Villavisan Buitrago" userId="b9abc243-2adc-4788-8ef1-b07bec73deff" providerId="ADAL" clId="{33DDCE01-D5A0-4892-8419-FF73BDBED2B5}" dt="2023-02-12T20:44:11.787" v="584" actId="20577"/>
-          <ac:graphicFrameMkLst>
-            <pc:docMk/>
-            <pc:sldMk cId="0" sldId="261"/>
-            <ac:graphicFrameMk id="7" creationId="{3B28400A-9287-40BA-9001-2E821D706B4D}"/>
-          </ac:graphicFrameMkLst>
-        </pc:graphicFrameChg>
-        <pc:picChg chg="add mod">
-          <ac:chgData name="Jheyson Fabian Villavisan Buitrago" userId="b9abc243-2adc-4788-8ef1-b07bec73deff" providerId="ADAL" clId="{33DDCE01-D5A0-4892-8419-FF73BDBED2B5}" dt="2023-02-12T20:16:15.477" v="76"/>
-          <ac:picMkLst>
-            <pc:docMk/>
-            <pc:sldMk cId="0" sldId="261"/>
-            <ac:picMk id="4" creationId="{29C2E2C0-06BA-0F23-8A2A-7330ADD0CB0C}"/>
-          </ac:picMkLst>
-        </pc:picChg>
-        <pc:picChg chg="add mod">
-          <ac:chgData name="Jheyson Fabian Villavisan Buitrago" userId="b9abc243-2adc-4788-8ef1-b07bec73deff" providerId="ADAL" clId="{33DDCE01-D5A0-4892-8419-FF73BDBED2B5}" dt="2023-02-12T20:21:58.408" v="178" actId="1076"/>
-          <ac:picMkLst>
-            <pc:docMk/>
-            <pc:sldMk cId="0" sldId="261"/>
-            <ac:picMk id="5" creationId="{58784173-3090-A823-F4B0-305CBB22A994}"/>
-          </ac:picMkLst>
-        </pc:picChg>
-        <pc:picChg chg="add mod">
-          <ac:chgData name="Jheyson Fabian Villavisan Buitrago" userId="b9abc243-2adc-4788-8ef1-b07bec73deff" providerId="ADAL" clId="{33DDCE01-D5A0-4892-8419-FF73BDBED2B5}" dt="2023-02-12T20:21:56.055" v="177" actId="1076"/>
-          <ac:picMkLst>
-            <pc:docMk/>
-            <pc:sldMk cId="0" sldId="261"/>
-            <ac:picMk id="8" creationId="{22E88210-B2F5-F922-21E3-6027CAEE32A3}"/>
-          </ac:picMkLst>
-        </pc:picChg>
-        <pc:picChg chg="add mod">
-          <ac:chgData name="Jheyson Fabian Villavisan Buitrago" userId="b9abc243-2adc-4788-8ef1-b07bec73deff" providerId="ADAL" clId="{33DDCE01-D5A0-4892-8419-FF73BDBED2B5}" dt="2023-02-12T21:28:06.624" v="776" actId="1076"/>
-          <ac:picMkLst>
-            <pc:docMk/>
-            <pc:sldMk cId="0" sldId="261"/>
-            <ac:picMk id="10" creationId="{3829B5FC-C28B-BE0C-B0E1-ACFABE30D968}"/>
-          </ac:picMkLst>
-        </pc:picChg>
       </pc:sldChg>
       <pc:sldChg chg="addSp delSp modSp del">
         <pc:chgData name="Jheyson Fabian Villavisan Buitrago" userId="b9abc243-2adc-4788-8ef1-b07bec73deff" providerId="ADAL" clId="{33DDCE01-D5A0-4892-8419-FF73BDBED2B5}" dt="2023-02-12T21:25:48.745" v="723" actId="47"/>
@@ -478,38 +308,6 @@
           <pc:docMk/>
           <pc:sldMk cId="0" sldId="263"/>
         </pc:sldMkLst>
-        <pc:spChg chg="mod">
-          <ac:chgData name="Jheyson Fabian Villavisan Buitrago" userId="b9abc243-2adc-4788-8ef1-b07bec73deff" providerId="ADAL" clId="{33DDCE01-D5A0-4892-8419-FF73BDBED2B5}" dt="2023-02-12T20:13:09.028" v="14"/>
-          <ac:spMkLst>
-            <pc:docMk/>
-            <pc:sldMk cId="0" sldId="263"/>
-            <ac:spMk id="2" creationId="{CBC3B0A6-C979-D20E-5AB7-69D10BBA91E5}"/>
-          </ac:spMkLst>
-        </pc:spChg>
-        <pc:spChg chg="add mod">
-          <ac:chgData name="Jheyson Fabian Villavisan Buitrago" userId="b9abc243-2adc-4788-8ef1-b07bec73deff" providerId="ADAL" clId="{33DDCE01-D5A0-4892-8419-FF73BDBED2B5}" dt="2023-02-12T20:16:19.315" v="78"/>
-          <ac:spMkLst>
-            <pc:docMk/>
-            <pc:sldMk cId="0" sldId="263"/>
-            <ac:spMk id="3" creationId="{129ECF0E-967F-6027-47A1-32331198D5AC}"/>
-          </ac:spMkLst>
-        </pc:spChg>
-        <pc:spChg chg="del">
-          <ac:chgData name="Jheyson Fabian Villavisan Buitrago" userId="b9abc243-2adc-4788-8ef1-b07bec73deff" providerId="ADAL" clId="{33DDCE01-D5A0-4892-8419-FF73BDBED2B5}" dt="2023-02-12T20:16:18.978" v="77" actId="478"/>
-          <ac:spMkLst>
-            <pc:docMk/>
-            <pc:sldMk cId="0" sldId="263"/>
-            <ac:spMk id="11" creationId="{F4D3AA4A-215D-6B55-EA81-E6C0FBB00444}"/>
-          </ac:spMkLst>
-        </pc:spChg>
-        <pc:picChg chg="add mod">
-          <ac:chgData name="Jheyson Fabian Villavisan Buitrago" userId="b9abc243-2adc-4788-8ef1-b07bec73deff" providerId="ADAL" clId="{33DDCE01-D5A0-4892-8419-FF73BDBED2B5}" dt="2023-02-12T20:16:19.315" v="78"/>
-          <ac:picMkLst>
-            <pc:docMk/>
-            <pc:sldMk cId="0" sldId="263"/>
-            <ac:picMk id="5" creationId="{577C0D1F-F600-3A13-D4B8-ADEC3B7A9CD6}"/>
-          </ac:picMkLst>
-        </pc:picChg>
       </pc:sldChg>
       <pc:sldChg chg="addSp delSp modSp mod">
         <pc:chgData name="Jheyson Fabian Villavisan Buitrago" userId="b9abc243-2adc-4788-8ef1-b07bec73deff" providerId="ADAL" clId="{33DDCE01-D5A0-4892-8419-FF73BDBED2B5}" dt="2023-02-12T21:27:42.140" v="775" actId="20577"/>
@@ -517,70 +315,6 @@
           <pc:docMk/>
           <pc:sldMk cId="0" sldId="264"/>
         </pc:sldMkLst>
-        <pc:spChg chg="add mod">
-          <ac:chgData name="Jheyson Fabian Villavisan Buitrago" userId="b9abc243-2adc-4788-8ef1-b07bec73deff" providerId="ADAL" clId="{33DDCE01-D5A0-4892-8419-FF73BDBED2B5}" dt="2023-02-12T20:16:23.114" v="80"/>
-          <ac:spMkLst>
-            <pc:docMk/>
-            <pc:sldMk cId="0" sldId="264"/>
-            <ac:spMk id="3" creationId="{F63358BA-EA3A-D303-C3E1-81F6FC6BB434}"/>
-          </ac:spMkLst>
-        </pc:spChg>
-        <pc:spChg chg="del mod">
-          <ac:chgData name="Jheyson Fabian Villavisan Buitrago" userId="b9abc243-2adc-4788-8ef1-b07bec73deff" providerId="ADAL" clId="{33DDCE01-D5A0-4892-8419-FF73BDBED2B5}" dt="2023-02-12T20:26:53.025" v="265" actId="478"/>
-          <ac:spMkLst>
-            <pc:docMk/>
-            <pc:sldMk cId="0" sldId="264"/>
-            <ac:spMk id="4" creationId="{F106910D-C2B8-F8CC-2181-E9F6951411B4}"/>
-          </ac:spMkLst>
-        </pc:spChg>
-        <pc:spChg chg="mod">
-          <ac:chgData name="Jheyson Fabian Villavisan Buitrago" userId="b9abc243-2adc-4788-8ef1-b07bec73deff" providerId="ADAL" clId="{33DDCE01-D5A0-4892-8419-FF73BDBED2B5}" dt="2023-02-12T20:36:01.125" v="344" actId="20577"/>
-          <ac:spMkLst>
-            <pc:docMk/>
-            <pc:sldMk cId="0" sldId="264"/>
-            <ac:spMk id="5" creationId="{60701A2C-E982-40EA-9283-15E5825703A1}"/>
-          </ac:spMkLst>
-        </pc:spChg>
-        <pc:spChg chg="mod">
-          <ac:chgData name="Jheyson Fabian Villavisan Buitrago" userId="b9abc243-2adc-4788-8ef1-b07bec73deff" providerId="ADAL" clId="{33DDCE01-D5A0-4892-8419-FF73BDBED2B5}" dt="2023-02-12T21:26:39.776" v="763" actId="20577"/>
-          <ac:spMkLst>
-            <pc:docMk/>
-            <pc:sldMk cId="0" sldId="264"/>
-            <ac:spMk id="9" creationId="{23A3D996-0567-4685-A0EB-B4B9355B6810}"/>
-          </ac:spMkLst>
-        </pc:spChg>
-        <pc:spChg chg="del">
-          <ac:chgData name="Jheyson Fabian Villavisan Buitrago" userId="b9abc243-2adc-4788-8ef1-b07bec73deff" providerId="ADAL" clId="{33DDCE01-D5A0-4892-8419-FF73BDBED2B5}" dt="2023-02-12T20:16:22.910" v="79" actId="478"/>
-          <ac:spMkLst>
-            <pc:docMk/>
-            <pc:sldMk cId="0" sldId="264"/>
-            <ac:spMk id="10" creationId="{39BA5921-9FE4-FDF6-44E8-862F5954E8E0}"/>
-          </ac:spMkLst>
-        </pc:spChg>
-        <pc:spChg chg="mod">
-          <ac:chgData name="Jheyson Fabian Villavisan Buitrago" userId="b9abc243-2adc-4788-8ef1-b07bec73deff" providerId="ADAL" clId="{33DDCE01-D5A0-4892-8419-FF73BDBED2B5}" dt="2023-02-12T21:25:59.425" v="727" actId="20577"/>
-          <ac:spMkLst>
-            <pc:docMk/>
-            <pc:sldMk cId="0" sldId="264"/>
-            <ac:spMk id="13314" creationId="{3D0D465E-F9D6-429E-92A7-0FF16ECD8A8E}"/>
-          </ac:spMkLst>
-        </pc:spChg>
-        <pc:graphicFrameChg chg="mod">
-          <ac:chgData name="Jheyson Fabian Villavisan Buitrago" userId="b9abc243-2adc-4788-8ef1-b07bec73deff" providerId="ADAL" clId="{33DDCE01-D5A0-4892-8419-FF73BDBED2B5}" dt="2023-02-12T21:27:42.140" v="775" actId="20577"/>
-          <ac:graphicFrameMkLst>
-            <pc:docMk/>
-            <pc:sldMk cId="0" sldId="264"/>
-            <ac:graphicFrameMk id="2" creationId="{4F251356-6039-463D-98A3-27BC7A6EC2E7}"/>
-          </ac:graphicFrameMkLst>
-        </pc:graphicFrameChg>
-        <pc:picChg chg="add mod">
-          <ac:chgData name="Jheyson Fabian Villavisan Buitrago" userId="b9abc243-2adc-4788-8ef1-b07bec73deff" providerId="ADAL" clId="{33DDCE01-D5A0-4892-8419-FF73BDBED2B5}" dt="2023-02-12T20:16:23.114" v="80"/>
-          <ac:picMkLst>
-            <pc:docMk/>
-            <pc:sldMk cId="0" sldId="264"/>
-            <ac:picMk id="6" creationId="{CDC9C00C-F6CF-3FF9-99A9-0C7E86DD0522}"/>
-          </ac:picMkLst>
-        </pc:picChg>
       </pc:sldChg>
       <pc:sldChg chg="addSp delSp modSp mod">
         <pc:chgData name="Jheyson Fabian Villavisan Buitrago" userId="b9abc243-2adc-4788-8ef1-b07bec73deff" providerId="ADAL" clId="{33DDCE01-D5A0-4892-8419-FF73BDBED2B5}" dt="2023-02-12T21:29:26.929" v="780" actId="20577"/>
@@ -588,62 +322,6 @@
           <pc:docMk/>
           <pc:sldMk cId="0" sldId="265"/>
         </pc:sldMkLst>
-        <pc:spChg chg="del mod">
-          <ac:chgData name="Jheyson Fabian Villavisan Buitrago" userId="b9abc243-2adc-4788-8ef1-b07bec73deff" providerId="ADAL" clId="{33DDCE01-D5A0-4892-8419-FF73BDBED2B5}" dt="2023-02-12T20:25:41.929" v="248" actId="478"/>
-          <ac:spMkLst>
-            <pc:docMk/>
-            <pc:sldMk cId="0" sldId="265"/>
-            <ac:spMk id="2" creationId="{696DC483-DA6A-D2FB-0F16-D2967F153773}"/>
-          </ac:spMkLst>
-        </pc:spChg>
-        <pc:spChg chg="add mod">
-          <ac:chgData name="Jheyson Fabian Villavisan Buitrago" userId="b9abc243-2adc-4788-8ef1-b07bec73deff" providerId="ADAL" clId="{33DDCE01-D5A0-4892-8419-FF73BDBED2B5}" dt="2023-02-12T20:16:27.407" v="82"/>
-          <ac:spMkLst>
-            <pc:docMk/>
-            <pc:sldMk cId="0" sldId="265"/>
-            <ac:spMk id="3" creationId="{1BA1B286-A421-1BC4-F6AB-D7918D4F8881}"/>
-          </ac:spMkLst>
-        </pc:spChg>
-        <pc:spChg chg="del">
-          <ac:chgData name="Jheyson Fabian Villavisan Buitrago" userId="b9abc243-2adc-4788-8ef1-b07bec73deff" providerId="ADAL" clId="{33DDCE01-D5A0-4892-8419-FF73BDBED2B5}" dt="2023-02-12T20:26:22.765" v="262" actId="478"/>
-          <ac:spMkLst>
-            <pc:docMk/>
-            <pc:sldMk cId="0" sldId="265"/>
-            <ac:spMk id="6" creationId="{E8BD1AFA-EB46-46AF-9A21-C6772AC723DA}"/>
-          </ac:spMkLst>
-        </pc:spChg>
-        <pc:spChg chg="del">
-          <ac:chgData name="Jheyson Fabian Villavisan Buitrago" userId="b9abc243-2adc-4788-8ef1-b07bec73deff" providerId="ADAL" clId="{33DDCE01-D5A0-4892-8419-FF73BDBED2B5}" dt="2023-02-12T20:16:27.160" v="81" actId="478"/>
-          <ac:spMkLst>
-            <pc:docMk/>
-            <pc:sldMk cId="0" sldId="265"/>
-            <ac:spMk id="10" creationId="{096BE91B-CC3A-7A46-5F3B-B7B3AB7E0013}"/>
-          </ac:spMkLst>
-        </pc:spChg>
-        <pc:spChg chg="mod">
-          <ac:chgData name="Jheyson Fabian Villavisan Buitrago" userId="b9abc243-2adc-4788-8ef1-b07bec73deff" providerId="ADAL" clId="{33DDCE01-D5A0-4892-8419-FF73BDBED2B5}" dt="2023-02-12T21:29:26.929" v="780" actId="20577"/>
-          <ac:spMkLst>
-            <pc:docMk/>
-            <pc:sldMk cId="0" sldId="265"/>
-            <ac:spMk id="15362" creationId="{9BC34425-A357-487C-8A17-FF92756F9F1C}"/>
-          </ac:spMkLst>
-        </pc:spChg>
-        <pc:spChg chg="mod">
-          <ac:chgData name="Jheyson Fabian Villavisan Buitrago" userId="b9abc243-2adc-4788-8ef1-b07bec73deff" providerId="ADAL" clId="{33DDCE01-D5A0-4892-8419-FF73BDBED2B5}" dt="2023-02-12T20:26:18.431" v="261" actId="20577"/>
-          <ac:spMkLst>
-            <pc:docMk/>
-            <pc:sldMk cId="0" sldId="265"/>
-            <ac:spMk id="15365" creationId="{C4B69D28-4FBD-40E4-8F16-AD35B0740DDD}"/>
-          </ac:spMkLst>
-        </pc:spChg>
-        <pc:picChg chg="add mod">
-          <ac:chgData name="Jheyson Fabian Villavisan Buitrago" userId="b9abc243-2adc-4788-8ef1-b07bec73deff" providerId="ADAL" clId="{33DDCE01-D5A0-4892-8419-FF73BDBED2B5}" dt="2023-02-12T20:16:27.407" v="82"/>
-          <ac:picMkLst>
-            <pc:docMk/>
-            <pc:sldMk cId="0" sldId="265"/>
-            <ac:picMk id="4" creationId="{0492F8D3-8695-1514-13E9-60C88618EEC7}"/>
-          </ac:picMkLst>
-        </pc:picChg>
       </pc:sldChg>
       <pc:sldChg chg="addSp delSp modSp mod">
         <pc:chgData name="Jheyson Fabian Villavisan Buitrago" userId="b9abc243-2adc-4788-8ef1-b07bec73deff" providerId="ADAL" clId="{33DDCE01-D5A0-4892-8419-FF73BDBED2B5}" dt="2023-02-12T20:26:28.068" v="263" actId="478"/>
@@ -651,46 +329,6 @@
           <pc:docMk/>
           <pc:sldMk cId="0" sldId="266"/>
         </pc:sldMkLst>
-        <pc:spChg chg="del mod">
-          <ac:chgData name="Jheyson Fabian Villavisan Buitrago" userId="b9abc243-2adc-4788-8ef1-b07bec73deff" providerId="ADAL" clId="{33DDCE01-D5A0-4892-8419-FF73BDBED2B5}" dt="2023-02-12T20:26:28.068" v="263" actId="478"/>
-          <ac:spMkLst>
-            <pc:docMk/>
-            <pc:sldMk cId="0" sldId="266"/>
-            <ac:spMk id="2" creationId="{695DD736-EB72-1BCA-2DB4-8B4EE63A3CBE}"/>
-          </ac:spMkLst>
-        </pc:spChg>
-        <pc:spChg chg="add mod">
-          <ac:chgData name="Jheyson Fabian Villavisan Buitrago" userId="b9abc243-2adc-4788-8ef1-b07bec73deff" providerId="ADAL" clId="{33DDCE01-D5A0-4892-8419-FF73BDBED2B5}" dt="2023-02-12T20:16:31.486" v="84"/>
-          <ac:spMkLst>
-            <pc:docMk/>
-            <pc:sldMk cId="0" sldId="266"/>
-            <ac:spMk id="3" creationId="{5C367B68-87A8-7909-5696-CA4B9A4374A2}"/>
-          </ac:spMkLst>
-        </pc:spChg>
-        <pc:spChg chg="mod">
-          <ac:chgData name="Jheyson Fabian Villavisan Buitrago" userId="b9abc243-2adc-4788-8ef1-b07bec73deff" providerId="ADAL" clId="{33DDCE01-D5A0-4892-8419-FF73BDBED2B5}" dt="2023-02-12T20:16:35.903" v="86" actId="20577"/>
-          <ac:spMkLst>
-            <pc:docMk/>
-            <pc:sldMk cId="0" sldId="266"/>
-            <ac:spMk id="9" creationId="{1DF9086F-7804-4245-BF66-46E11D73F05F}"/>
-          </ac:spMkLst>
-        </pc:spChg>
-        <pc:spChg chg="del">
-          <ac:chgData name="Jheyson Fabian Villavisan Buitrago" userId="b9abc243-2adc-4788-8ef1-b07bec73deff" providerId="ADAL" clId="{33DDCE01-D5A0-4892-8419-FF73BDBED2B5}" dt="2023-02-12T20:16:31.188" v="83" actId="478"/>
-          <ac:spMkLst>
-            <pc:docMk/>
-            <pc:sldMk cId="0" sldId="266"/>
-            <ac:spMk id="10" creationId="{6734CD7B-CE23-C8BA-50CE-7884EA342D53}"/>
-          </ac:spMkLst>
-        </pc:spChg>
-        <pc:picChg chg="add mod">
-          <ac:chgData name="Jheyson Fabian Villavisan Buitrago" userId="b9abc243-2adc-4788-8ef1-b07bec73deff" providerId="ADAL" clId="{33DDCE01-D5A0-4892-8419-FF73BDBED2B5}" dt="2023-02-12T20:16:31.486" v="84"/>
-          <ac:picMkLst>
-            <pc:docMk/>
-            <pc:sldMk cId="0" sldId="266"/>
-            <ac:picMk id="4" creationId="{D013CF89-E480-654D-19D7-5B9296DC04F9}"/>
-          </ac:picMkLst>
-        </pc:picChg>
       </pc:sldChg>
       <pc:sldChg chg="addSp delSp modSp mod">
         <pc:chgData name="Jheyson Fabian Villavisan Buitrago" userId="b9abc243-2adc-4788-8ef1-b07bec73deff" providerId="ADAL" clId="{33DDCE01-D5A0-4892-8419-FF73BDBED2B5}" dt="2023-02-12T22:48:24.178" v="783"/>
@@ -698,38 +336,6 @@
           <pc:docMk/>
           <pc:sldMk cId="0" sldId="268"/>
         </pc:sldMkLst>
-        <pc:spChg chg="del mod">
-          <ac:chgData name="Jheyson Fabian Villavisan Buitrago" userId="b9abc243-2adc-4788-8ef1-b07bec73deff" providerId="ADAL" clId="{33DDCE01-D5A0-4892-8419-FF73BDBED2B5}" dt="2023-02-12T20:17:21.467" v="97" actId="478"/>
-          <ac:spMkLst>
-            <pc:docMk/>
-            <pc:sldMk cId="0" sldId="268"/>
-            <ac:spMk id="2" creationId="{61402569-DC19-33C3-784F-93A08751A4D5}"/>
-          </ac:spMkLst>
-        </pc:spChg>
-        <pc:spChg chg="add mod">
-          <ac:chgData name="Jheyson Fabian Villavisan Buitrago" userId="b9abc243-2adc-4788-8ef1-b07bec73deff" providerId="ADAL" clId="{33DDCE01-D5A0-4892-8419-FF73BDBED2B5}" dt="2023-02-12T22:48:24.178" v="783"/>
-          <ac:spMkLst>
-            <pc:docMk/>
-            <pc:sldMk cId="0" sldId="268"/>
-            <ac:spMk id="3" creationId="{74CAC5D3-4493-9EB9-62C0-F4E0FA2FE9A6}"/>
-          </ac:spMkLst>
-        </pc:spChg>
-        <pc:spChg chg="del">
-          <ac:chgData name="Jheyson Fabian Villavisan Buitrago" userId="b9abc243-2adc-4788-8ef1-b07bec73deff" providerId="ADAL" clId="{33DDCE01-D5A0-4892-8419-FF73BDBED2B5}" dt="2023-02-12T22:48:16.757" v="781" actId="478"/>
-          <ac:spMkLst>
-            <pc:docMk/>
-            <pc:sldMk cId="0" sldId="268"/>
-            <ac:spMk id="7" creationId="{E80A6076-771F-43A7-7F16-5137C4205B4A}"/>
-          </ac:spMkLst>
-        </pc:spChg>
-        <pc:picChg chg="add mod">
-          <ac:chgData name="Jheyson Fabian Villavisan Buitrago" userId="b9abc243-2adc-4788-8ef1-b07bec73deff" providerId="ADAL" clId="{33DDCE01-D5A0-4892-8419-FF73BDBED2B5}" dt="2023-02-12T22:48:24.178" v="783"/>
-          <ac:picMkLst>
-            <pc:docMk/>
-            <pc:sldMk cId="0" sldId="268"/>
-            <ac:picMk id="4" creationId="{B96A6DCC-1ECE-413D-8BEA-DB41E6C6FC1A}"/>
-          </ac:picMkLst>
-        </pc:picChg>
       </pc:sldChg>
       <pc:sldChg chg="modSp del">
         <pc:chgData name="Jheyson Fabian Villavisan Buitrago" userId="b9abc243-2adc-4788-8ef1-b07bec73deff" providerId="ADAL" clId="{33DDCE01-D5A0-4892-8419-FF73BDBED2B5}" dt="2023-02-12T20:16:51.698" v="89" actId="47"/>
@@ -737,14 +343,6 @@
           <pc:docMk/>
           <pc:sldMk cId="0" sldId="269"/>
         </pc:sldMkLst>
-        <pc:spChg chg="mod">
-          <ac:chgData name="Jheyson Fabian Villavisan Buitrago" userId="b9abc243-2adc-4788-8ef1-b07bec73deff" providerId="ADAL" clId="{33DDCE01-D5A0-4892-8419-FF73BDBED2B5}" dt="2023-02-12T20:13:09.028" v="14"/>
-          <ac:spMkLst>
-            <pc:docMk/>
-            <pc:sldMk cId="0" sldId="269"/>
-            <ac:spMk id="4" creationId="{1328B69D-A3F3-E7CA-D104-5110CC46828E}"/>
-          </ac:spMkLst>
-        </pc:spChg>
       </pc:sldChg>
       <pc:sldChg chg="addSp delSp modSp mod">
         <pc:chgData name="Jheyson Fabian Villavisan Buitrago" userId="b9abc243-2adc-4788-8ef1-b07bec73deff" providerId="ADAL" clId="{33DDCE01-D5A0-4892-8419-FF73BDBED2B5}" dt="2023-02-12T21:06:34.390" v="722" actId="1076"/>
@@ -752,54 +350,6 @@
           <pc:docMk/>
           <pc:sldMk cId="2505371292" sldId="270"/>
         </pc:sldMkLst>
-        <pc:spChg chg="add mod">
-          <ac:chgData name="Jheyson Fabian Villavisan Buitrago" userId="b9abc243-2adc-4788-8ef1-b07bec73deff" providerId="ADAL" clId="{33DDCE01-D5A0-4892-8419-FF73BDBED2B5}" dt="2023-02-12T20:16:10.447" v="74"/>
-          <ac:spMkLst>
-            <pc:docMk/>
-            <pc:sldMk cId="2505371292" sldId="270"/>
-            <ac:spMk id="3" creationId="{A1607664-1D37-4A58-B5FD-5EA010C7ADF2}"/>
-          </ac:spMkLst>
-        </pc:spChg>
-        <pc:spChg chg="del mod">
-          <ac:chgData name="Jheyson Fabian Villavisan Buitrago" userId="b9abc243-2adc-4788-8ef1-b07bec73deff" providerId="ADAL" clId="{33DDCE01-D5A0-4892-8419-FF73BDBED2B5}" dt="2023-02-12T20:18:48.131" v="147"/>
-          <ac:spMkLst>
-            <pc:docMk/>
-            <pc:sldMk cId="2505371292" sldId="270"/>
-            <ac:spMk id="6" creationId="{60F4C260-2227-47C6-990B-7E4DD70B0CCA}"/>
-          </ac:spMkLst>
-        </pc:spChg>
-        <pc:spChg chg="mod">
-          <ac:chgData name="Jheyson Fabian Villavisan Buitrago" userId="b9abc243-2adc-4788-8ef1-b07bec73deff" providerId="ADAL" clId="{33DDCE01-D5A0-4892-8419-FF73BDBED2B5}" dt="2023-02-12T21:06:34.390" v="722" actId="1076"/>
-          <ac:spMkLst>
-            <pc:docMk/>
-            <pc:sldMk cId="2505371292" sldId="270"/>
-            <ac:spMk id="7" creationId="{EBDE2FDF-A2BB-4F17-99CB-0B213EF4BAA4}"/>
-          </ac:spMkLst>
-        </pc:spChg>
-        <pc:spChg chg="del">
-          <ac:chgData name="Jheyson Fabian Villavisan Buitrago" userId="b9abc243-2adc-4788-8ef1-b07bec73deff" providerId="ADAL" clId="{33DDCE01-D5A0-4892-8419-FF73BDBED2B5}" dt="2023-02-12T20:16:09.745" v="73" actId="478"/>
-          <ac:spMkLst>
-            <pc:docMk/>
-            <pc:sldMk cId="2505371292" sldId="270"/>
-            <ac:spMk id="10" creationId="{09531423-AE8F-1623-4AA9-7022974FC163}"/>
-          </ac:spMkLst>
-        </pc:spChg>
-        <pc:graphicFrameChg chg="mod modGraphic">
-          <ac:chgData name="Jheyson Fabian Villavisan Buitrago" userId="b9abc243-2adc-4788-8ef1-b07bec73deff" providerId="ADAL" clId="{33DDCE01-D5A0-4892-8419-FF73BDBED2B5}" dt="2023-02-12T21:06:29.693" v="721" actId="255"/>
-          <ac:graphicFrameMkLst>
-            <pc:docMk/>
-            <pc:sldMk cId="2505371292" sldId="270"/>
-            <ac:graphicFrameMk id="2" creationId="{BFAD80C6-663E-42AD-A6EE-0E699E7C415E}"/>
-          </ac:graphicFrameMkLst>
-        </pc:graphicFrameChg>
-        <pc:picChg chg="add mod">
-          <ac:chgData name="Jheyson Fabian Villavisan Buitrago" userId="b9abc243-2adc-4788-8ef1-b07bec73deff" providerId="ADAL" clId="{33DDCE01-D5A0-4892-8419-FF73BDBED2B5}" dt="2023-02-12T20:16:10.447" v="74"/>
-          <ac:picMkLst>
-            <pc:docMk/>
-            <pc:sldMk cId="2505371292" sldId="270"/>
-            <ac:picMk id="4" creationId="{F6C827CA-8E86-44AB-5043-B6D399FFB89D}"/>
-          </ac:picMkLst>
-        </pc:picChg>
       </pc:sldChg>
       <pc:sldChg chg="addSp delSp modSp mod">
         <pc:chgData name="Jheyson Fabian Villavisan Buitrago" userId="b9abc243-2adc-4788-8ef1-b07bec73deff" providerId="ADAL" clId="{33DDCE01-D5A0-4892-8419-FF73BDBED2B5}" dt="2023-02-12T20:17:40.832" v="98" actId="113"/>
@@ -807,86 +357,6 @@
           <pc:docMk/>
           <pc:sldMk cId="3709177429" sldId="274"/>
         </pc:sldMkLst>
-        <pc:spChg chg="add del">
-          <ac:chgData name="Jheyson Fabian Villavisan Buitrago" userId="b9abc243-2adc-4788-8ef1-b07bec73deff" providerId="ADAL" clId="{33DDCE01-D5A0-4892-8419-FF73BDBED2B5}" dt="2023-02-12T20:15:45.088" v="68" actId="478"/>
-          <ac:spMkLst>
-            <pc:docMk/>
-            <pc:sldMk cId="3709177429" sldId="274"/>
-            <ac:spMk id="2" creationId="{FB1B6180-BCA0-4F51-9F68-9E5BAB8A4FDC}"/>
-          </ac:spMkLst>
-        </pc:spChg>
-        <pc:spChg chg="mod">
-          <ac:chgData name="Jheyson Fabian Villavisan Buitrago" userId="b9abc243-2adc-4788-8ef1-b07bec73deff" providerId="ADAL" clId="{33DDCE01-D5A0-4892-8419-FF73BDBED2B5}" dt="2023-02-12T20:15:17.607" v="40" actId="20577"/>
-          <ac:spMkLst>
-            <pc:docMk/>
-            <pc:sldMk cId="3709177429" sldId="274"/>
-            <ac:spMk id="3" creationId="{4F1F9CC3-49B8-41A8-9878-3805D57595F8}"/>
-          </ac:spMkLst>
-        </pc:spChg>
-        <pc:spChg chg="mod">
-          <ac:chgData name="Jheyson Fabian Villavisan Buitrago" userId="b9abc243-2adc-4788-8ef1-b07bec73deff" providerId="ADAL" clId="{33DDCE01-D5A0-4892-8419-FF73BDBED2B5}" dt="2023-02-12T20:15:29.947" v="63" actId="20577"/>
-          <ac:spMkLst>
-            <pc:docMk/>
-            <pc:sldMk cId="3709177429" sldId="274"/>
-            <ac:spMk id="4" creationId="{2C7E43D4-8286-4BEE-907B-3A35AE701C90}"/>
-          </ac:spMkLst>
-        </pc:spChg>
-        <pc:spChg chg="add del mod">
-          <ac:chgData name="Jheyson Fabian Villavisan Buitrago" userId="b9abc243-2adc-4788-8ef1-b07bec73deff" providerId="ADAL" clId="{33DDCE01-D5A0-4892-8419-FF73BDBED2B5}" dt="2023-02-12T20:15:41.210" v="65" actId="478"/>
-          <ac:spMkLst>
-            <pc:docMk/>
-            <pc:sldMk cId="3709177429" sldId="274"/>
-            <ac:spMk id="5" creationId="{3FEF6D41-D660-C96C-7129-ADDD5B66484E}"/>
-          </ac:spMkLst>
-        </pc:spChg>
-        <pc:spChg chg="del">
-          <ac:chgData name="Jheyson Fabian Villavisan Buitrago" userId="b9abc243-2adc-4788-8ef1-b07bec73deff" providerId="ADAL" clId="{33DDCE01-D5A0-4892-8419-FF73BDBED2B5}" dt="2023-02-12T20:15:42.985" v="66" actId="478"/>
-          <ac:spMkLst>
-            <pc:docMk/>
-            <pc:sldMk cId="3709177429" sldId="274"/>
-            <ac:spMk id="7" creationId="{283FE187-84F7-4234-87D0-685041933163}"/>
-          </ac:spMkLst>
-        </pc:spChg>
-        <pc:spChg chg="mod">
-          <ac:chgData name="Jheyson Fabian Villavisan Buitrago" userId="b9abc243-2adc-4788-8ef1-b07bec73deff" providerId="ADAL" clId="{33DDCE01-D5A0-4892-8419-FF73BDBED2B5}" dt="2023-02-12T20:17:40.832" v="98" actId="113"/>
-          <ac:spMkLst>
-            <pc:docMk/>
-            <pc:sldMk cId="3709177429" sldId="274"/>
-            <ac:spMk id="10" creationId="{AF4E183E-A171-4923-A99E-D149888CEC37}"/>
-          </ac:spMkLst>
-        </pc:spChg>
-        <pc:spChg chg="add del mod">
-          <ac:chgData name="Jheyson Fabian Villavisan Buitrago" userId="b9abc243-2adc-4788-8ef1-b07bec73deff" providerId="ADAL" clId="{33DDCE01-D5A0-4892-8419-FF73BDBED2B5}" dt="2023-02-12T20:15:45.088" v="68" actId="478"/>
-          <ac:spMkLst>
-            <pc:docMk/>
-            <pc:sldMk cId="3709177429" sldId="274"/>
-            <ac:spMk id="12" creationId="{796A818C-D694-96AC-EBC3-D204ED1B7B35}"/>
-          </ac:spMkLst>
-        </pc:spChg>
-        <pc:spChg chg="add mod">
-          <ac:chgData name="Jheyson Fabian Villavisan Buitrago" userId="b9abc243-2adc-4788-8ef1-b07bec73deff" providerId="ADAL" clId="{33DDCE01-D5A0-4892-8419-FF73BDBED2B5}" dt="2023-02-12T20:15:47.537" v="70"/>
-          <ac:spMkLst>
-            <pc:docMk/>
-            <pc:sldMk cId="3709177429" sldId="274"/>
-            <ac:spMk id="13" creationId="{FF9F8020-A143-4061-0214-9BB2AE9D2550}"/>
-          </ac:spMkLst>
-        </pc:spChg>
-        <pc:picChg chg="add del mod">
-          <ac:chgData name="Jheyson Fabian Villavisan Buitrago" userId="b9abc243-2adc-4788-8ef1-b07bec73deff" providerId="ADAL" clId="{33DDCE01-D5A0-4892-8419-FF73BDBED2B5}" dt="2023-02-12T20:15:46.804" v="69" actId="478"/>
-          <ac:picMkLst>
-            <pc:docMk/>
-            <pc:sldMk cId="3709177429" sldId="274"/>
-            <ac:picMk id="8" creationId="{94FF9543-7FAC-7ABE-30A5-A558D7C3FE92}"/>
-          </ac:picMkLst>
-        </pc:picChg>
-        <pc:picChg chg="add mod">
-          <ac:chgData name="Jheyson Fabian Villavisan Buitrago" userId="b9abc243-2adc-4788-8ef1-b07bec73deff" providerId="ADAL" clId="{33DDCE01-D5A0-4892-8419-FF73BDBED2B5}" dt="2023-02-12T20:15:47.537" v="70"/>
-          <ac:picMkLst>
-            <pc:docMk/>
-            <pc:sldMk cId="3709177429" sldId="274"/>
-            <ac:picMk id="14" creationId="{EC83F540-C4A2-EE56-0418-B8CD7CA17275}"/>
-          </ac:picMkLst>
-        </pc:picChg>
       </pc:sldChg>
       <pc:sldChg chg="addSp delSp modSp mod">
         <pc:chgData name="Jheyson Fabian Villavisan Buitrago" userId="b9abc243-2adc-4788-8ef1-b07bec73deff" providerId="ADAL" clId="{33DDCE01-D5A0-4892-8419-FF73BDBED2B5}" dt="2023-02-12T20:26:34.092" v="264" actId="478"/>
@@ -894,46 +364,6 @@
           <pc:docMk/>
           <pc:sldMk cId="2680639377" sldId="275"/>
         </pc:sldMkLst>
-        <pc:spChg chg="del mod">
-          <ac:chgData name="Jheyson Fabian Villavisan Buitrago" userId="b9abc243-2adc-4788-8ef1-b07bec73deff" providerId="ADAL" clId="{33DDCE01-D5A0-4892-8419-FF73BDBED2B5}" dt="2023-02-12T20:26:34.092" v="264" actId="478"/>
-          <ac:spMkLst>
-            <pc:docMk/>
-            <pc:sldMk cId="2680639377" sldId="275"/>
-            <ac:spMk id="2" creationId="{DD91D687-6F5E-4720-2C79-C0D1D7DA94F8}"/>
-          </ac:spMkLst>
-        </pc:spChg>
-        <pc:spChg chg="add mod">
-          <ac:chgData name="Jheyson Fabian Villavisan Buitrago" userId="b9abc243-2adc-4788-8ef1-b07bec73deff" providerId="ADAL" clId="{33DDCE01-D5A0-4892-8419-FF73BDBED2B5}" dt="2023-02-12T20:16:40.643" v="88"/>
-          <ac:spMkLst>
-            <pc:docMk/>
-            <pc:sldMk cId="2680639377" sldId="275"/>
-            <ac:spMk id="3" creationId="{0EC7E215-99CA-9EE0-74CD-8C1E4F608272}"/>
-          </ac:spMkLst>
-        </pc:spChg>
-        <pc:spChg chg="mod">
-          <ac:chgData name="Jheyson Fabian Villavisan Buitrago" userId="b9abc243-2adc-4788-8ef1-b07bec73deff" providerId="ADAL" clId="{33DDCE01-D5A0-4892-8419-FF73BDBED2B5}" dt="2023-02-12T20:25:32.982" v="247" actId="20577"/>
-          <ac:spMkLst>
-            <pc:docMk/>
-            <pc:sldMk cId="2680639377" sldId="275"/>
-            <ac:spMk id="9" creationId="{1DF9086F-7804-4245-BF66-46E11D73F05F}"/>
-          </ac:spMkLst>
-        </pc:spChg>
-        <pc:spChg chg="del">
-          <ac:chgData name="Jheyson Fabian Villavisan Buitrago" userId="b9abc243-2adc-4788-8ef1-b07bec73deff" providerId="ADAL" clId="{33DDCE01-D5A0-4892-8419-FF73BDBED2B5}" dt="2023-02-12T20:16:40.400" v="87" actId="478"/>
-          <ac:spMkLst>
-            <pc:docMk/>
-            <pc:sldMk cId="2680639377" sldId="275"/>
-            <ac:spMk id="14" creationId="{234A7918-73C9-3AFB-A796-D58815853D5B}"/>
-          </ac:spMkLst>
-        </pc:spChg>
-        <pc:picChg chg="add mod">
-          <ac:chgData name="Jheyson Fabian Villavisan Buitrago" userId="b9abc243-2adc-4788-8ef1-b07bec73deff" providerId="ADAL" clId="{33DDCE01-D5A0-4892-8419-FF73BDBED2B5}" dt="2023-02-12T20:16:40.643" v="88"/>
-          <ac:picMkLst>
-            <pc:docMk/>
-            <pc:sldMk cId="2680639377" sldId="275"/>
-            <ac:picMk id="4" creationId="{89214FA2-B47E-E872-9EFA-9C590852C48C}"/>
-          </ac:picMkLst>
-        </pc:picChg>
       </pc:sldChg>
       <pc:sldChg chg="addSp delSp modSp del">
         <pc:chgData name="Jheyson Fabian Villavisan Buitrago" userId="b9abc243-2adc-4788-8ef1-b07bec73deff" providerId="ADAL" clId="{33DDCE01-D5A0-4892-8419-FF73BDBED2B5}" dt="2023-02-12T23:52:00.525" v="841" actId="47"/>
@@ -941,38 +371,6 @@
           <pc:docMk/>
           <pc:sldMk cId="870139891" sldId="276"/>
         </pc:sldMkLst>
-        <pc:spChg chg="mod">
-          <ac:chgData name="Jheyson Fabian Villavisan Buitrago" userId="b9abc243-2adc-4788-8ef1-b07bec73deff" providerId="ADAL" clId="{33DDCE01-D5A0-4892-8419-FF73BDBED2B5}" dt="2023-02-12T20:13:09.028" v="14"/>
-          <ac:spMkLst>
-            <pc:docMk/>
-            <pc:sldMk cId="870139891" sldId="276"/>
-            <ac:spMk id="2" creationId="{CC2468A2-54B0-E140-F39F-B455BC314EED}"/>
-          </ac:spMkLst>
-        </pc:spChg>
-        <pc:spChg chg="add mod">
-          <ac:chgData name="Jheyson Fabian Villavisan Buitrago" userId="b9abc243-2adc-4788-8ef1-b07bec73deff" providerId="ADAL" clId="{33DDCE01-D5A0-4892-8419-FF73BDBED2B5}" dt="2023-02-12T22:48:25.771" v="784"/>
-          <ac:spMkLst>
-            <pc:docMk/>
-            <pc:sldMk cId="870139891" sldId="276"/>
-            <ac:spMk id="3" creationId="{F6C81051-F36F-44B2-7F00-E23A4F1881AC}"/>
-          </ac:spMkLst>
-        </pc:spChg>
-        <pc:spChg chg="del">
-          <ac:chgData name="Jheyson Fabian Villavisan Buitrago" userId="b9abc243-2adc-4788-8ef1-b07bec73deff" providerId="ADAL" clId="{33DDCE01-D5A0-4892-8419-FF73BDBED2B5}" dt="2023-02-12T22:48:19.520" v="782" actId="478"/>
-          <ac:spMkLst>
-            <pc:docMk/>
-            <pc:sldMk cId="870139891" sldId="276"/>
-            <ac:spMk id="7" creationId="{0C05F0A6-68CC-C777-F73B-6442E8393140}"/>
-          </ac:spMkLst>
-        </pc:spChg>
-        <pc:picChg chg="add mod">
-          <ac:chgData name="Jheyson Fabian Villavisan Buitrago" userId="b9abc243-2adc-4788-8ef1-b07bec73deff" providerId="ADAL" clId="{33DDCE01-D5A0-4892-8419-FF73BDBED2B5}" dt="2023-02-12T22:48:25.771" v="784"/>
-          <ac:picMkLst>
-            <pc:docMk/>
-            <pc:sldMk cId="870139891" sldId="276"/>
-            <ac:picMk id="4" creationId="{8617A49E-D605-98D0-7D9C-A2874DBE6BDC}"/>
-          </ac:picMkLst>
-        </pc:picChg>
       </pc:sldChg>
       <pc:sldChg chg="addSp delSp modSp mod">
         <pc:chgData name="Jheyson Fabian Villavisan Buitrago" userId="b9abc243-2adc-4788-8ef1-b07bec73deff" providerId="ADAL" clId="{33DDCE01-D5A0-4892-8419-FF73BDBED2B5}" dt="2023-02-12T23:50:02.034" v="840" actId="1076"/>
@@ -980,102 +378,6 @@
           <pc:docMk/>
           <pc:sldMk cId="1955606898" sldId="277"/>
         </pc:sldMkLst>
-        <pc:spChg chg="del mod">
-          <ac:chgData name="Jheyson Fabian Villavisan Buitrago" userId="b9abc243-2adc-4788-8ef1-b07bec73deff" providerId="ADAL" clId="{33DDCE01-D5A0-4892-8419-FF73BDBED2B5}" dt="2023-02-12T20:17:05.173" v="90" actId="478"/>
-          <ac:spMkLst>
-            <pc:docMk/>
-            <pc:sldMk cId="1955606898" sldId="277"/>
-            <ac:spMk id="2" creationId="{0B9D87D8-5445-5741-E777-1D5DD45EC17F}"/>
-          </ac:spMkLst>
-        </pc:spChg>
-        <pc:spChg chg="add mod">
-          <ac:chgData name="Jheyson Fabian Villavisan Buitrago" userId="b9abc243-2adc-4788-8ef1-b07bec73deff" providerId="ADAL" clId="{33DDCE01-D5A0-4892-8419-FF73BDBED2B5}" dt="2023-02-12T20:17:08.924" v="94"/>
-          <ac:spMkLst>
-            <pc:docMk/>
-            <pc:sldMk cId="1955606898" sldId="277"/>
-            <ac:spMk id="3" creationId="{87013794-5883-C93A-DFFF-76F577E0C7DB}"/>
-          </ac:spMkLst>
-        </pc:spChg>
-        <pc:spChg chg="del mod">
-          <ac:chgData name="Jheyson Fabian Villavisan Buitrago" userId="b9abc243-2adc-4788-8ef1-b07bec73deff" providerId="ADAL" clId="{33DDCE01-D5A0-4892-8419-FF73BDBED2B5}" dt="2023-02-12T20:17:11.242" v="95" actId="478"/>
-          <ac:spMkLst>
-            <pc:docMk/>
-            <pc:sldMk cId="1955606898" sldId="277"/>
-            <ac:spMk id="4" creationId="{E5A1A4C4-A9D0-42FC-94D8-32091EFCB0F2}"/>
-          </ac:spMkLst>
-        </pc:spChg>
-        <pc:spChg chg="add">
-          <ac:chgData name="Jheyson Fabian Villavisan Buitrago" userId="b9abc243-2adc-4788-8ef1-b07bec73deff" providerId="ADAL" clId="{33DDCE01-D5A0-4892-8419-FF73BDBED2B5}" dt="2023-02-12T23:48:59.207" v="790"/>
-          <ac:spMkLst>
-            <pc:docMk/>
-            <pc:sldMk cId="1955606898" sldId="277"/>
-            <ac:spMk id="12" creationId="{B4336C17-6123-3859-97BF-FC6F99A43B32}"/>
-          </ac:spMkLst>
-        </pc:spChg>
-        <pc:spChg chg="del">
-          <ac:chgData name="Jheyson Fabian Villavisan Buitrago" userId="b9abc243-2adc-4788-8ef1-b07bec73deff" providerId="ADAL" clId="{33DDCE01-D5A0-4892-8419-FF73BDBED2B5}" dt="2023-02-12T20:17:08.087" v="93" actId="478"/>
-          <ac:spMkLst>
-            <pc:docMk/>
-            <pc:sldMk cId="1955606898" sldId="277"/>
-            <ac:spMk id="13" creationId="{5671BCF2-BB14-B2E9-03F5-D4DC5DECB738}"/>
-          </ac:spMkLst>
-        </pc:spChg>
-        <pc:spChg chg="add mod">
-          <ac:chgData name="Jheyson Fabian Villavisan Buitrago" userId="b9abc243-2adc-4788-8ef1-b07bec73deff" providerId="ADAL" clId="{33DDCE01-D5A0-4892-8419-FF73BDBED2B5}" dt="2023-02-12T23:49:59.895" v="839" actId="1076"/>
-          <ac:spMkLst>
-            <pc:docMk/>
-            <pc:sldMk cId="1955606898" sldId="277"/>
-            <ac:spMk id="14" creationId="{431C44E4-329E-7FEC-B9B3-CC9F71252532}"/>
-          </ac:spMkLst>
-        </pc:spChg>
-        <pc:spChg chg="mod">
-          <ac:chgData name="Jheyson Fabian Villavisan Buitrago" userId="b9abc243-2adc-4788-8ef1-b07bec73deff" providerId="ADAL" clId="{33DDCE01-D5A0-4892-8419-FF73BDBED2B5}" dt="2023-02-12T23:49:23.111" v="802" actId="20577"/>
-          <ac:spMkLst>
-            <pc:docMk/>
-            <pc:sldMk cId="1955606898" sldId="277"/>
-            <ac:spMk id="16" creationId="{F0D65330-7419-4333-9764-E4292B375DC3}"/>
-          </ac:spMkLst>
-        </pc:spChg>
-        <pc:spChg chg="mod">
-          <ac:chgData name="Jheyson Fabian Villavisan Buitrago" userId="b9abc243-2adc-4788-8ef1-b07bec73deff" providerId="ADAL" clId="{33DDCE01-D5A0-4892-8419-FF73BDBED2B5}" dt="2023-02-12T21:29:17.381" v="778" actId="20577"/>
-          <ac:spMkLst>
-            <pc:docMk/>
-            <pc:sldMk cId="1955606898" sldId="277"/>
-            <ac:spMk id="21506" creationId="{974AAA16-E8D7-47E1-ABBC-3CB9C4D3BD82}"/>
-          </ac:spMkLst>
-        </pc:spChg>
-        <pc:picChg chg="del">
-          <ac:chgData name="Jheyson Fabian Villavisan Buitrago" userId="b9abc243-2adc-4788-8ef1-b07bec73deff" providerId="ADAL" clId="{33DDCE01-D5A0-4892-8419-FF73BDBED2B5}" dt="2023-02-12T20:17:06.215" v="91" actId="478"/>
-          <ac:picMkLst>
-            <pc:docMk/>
-            <pc:sldMk cId="1955606898" sldId="277"/>
-            <ac:picMk id="5" creationId="{78773C00-077D-4420-A117-EDEBD04E979F}"/>
-          </ac:picMkLst>
-        </pc:picChg>
-        <pc:picChg chg="add mod">
-          <ac:chgData name="Jheyson Fabian Villavisan Buitrago" userId="b9abc243-2adc-4788-8ef1-b07bec73deff" providerId="ADAL" clId="{33DDCE01-D5A0-4892-8419-FF73BDBED2B5}" dt="2023-02-12T20:17:08.924" v="94"/>
-          <ac:picMkLst>
-            <pc:docMk/>
-            <pc:sldMk cId="1955606898" sldId="277"/>
-            <ac:picMk id="8" creationId="{210EE14A-117F-9A30-02AB-B3C873C8089F}"/>
-          </ac:picMkLst>
-        </pc:picChg>
-        <pc:picChg chg="add mod">
-          <ac:chgData name="Jheyson Fabian Villavisan Buitrago" userId="b9abc243-2adc-4788-8ef1-b07bec73deff" providerId="ADAL" clId="{33DDCE01-D5A0-4892-8419-FF73BDBED2B5}" dt="2023-02-12T23:50:02.034" v="840" actId="1076"/>
-          <ac:picMkLst>
-            <pc:docMk/>
-            <pc:sldMk cId="1955606898" sldId="277"/>
-            <ac:picMk id="11" creationId="{E8470154-AC7E-B448-6D58-E30DC77C6DF1}"/>
-          </ac:picMkLst>
-        </pc:picChg>
-        <pc:picChg chg="mod">
-          <ac:chgData name="Jheyson Fabian Villavisan Buitrago" userId="b9abc243-2adc-4788-8ef1-b07bec73deff" providerId="ADAL" clId="{33DDCE01-D5A0-4892-8419-FF73BDBED2B5}" dt="2023-02-12T23:48:52.061" v="788" actId="1076"/>
-          <ac:picMkLst>
-            <pc:docMk/>
-            <pc:sldMk cId="1955606898" sldId="277"/>
-            <ac:picMk id="2056" creationId="{075C7F64-CBA7-4977-AB8B-1D5229822556}"/>
-          </ac:picMkLst>
-        </pc:picChg>
       </pc:sldChg>
       <pc:sldChg chg="addSp delSp modSp">
         <pc:chgData name="Jheyson Fabian Villavisan Buitrago" userId="b9abc243-2adc-4788-8ef1-b07bec73deff" providerId="ADAL" clId="{33DDCE01-D5A0-4892-8419-FF73BDBED2B5}" dt="2023-02-12T20:16:04.791" v="72"/>
@@ -1083,30 +385,6 @@
           <pc:docMk/>
           <pc:sldMk cId="214171354" sldId="278"/>
         </pc:sldMkLst>
-        <pc:spChg chg="add mod">
-          <ac:chgData name="Jheyson Fabian Villavisan Buitrago" userId="b9abc243-2adc-4788-8ef1-b07bec73deff" providerId="ADAL" clId="{33DDCE01-D5A0-4892-8419-FF73BDBED2B5}" dt="2023-02-12T20:16:04.791" v="72"/>
-          <ac:spMkLst>
-            <pc:docMk/>
-            <pc:sldMk cId="214171354" sldId="278"/>
-            <ac:spMk id="2" creationId="{0FC085BA-4809-6EFA-567A-979478BDC626}"/>
-          </ac:spMkLst>
-        </pc:spChg>
-        <pc:spChg chg="del">
-          <ac:chgData name="Jheyson Fabian Villavisan Buitrago" userId="b9abc243-2adc-4788-8ef1-b07bec73deff" providerId="ADAL" clId="{33DDCE01-D5A0-4892-8419-FF73BDBED2B5}" dt="2023-02-12T20:16:03.588" v="71" actId="478"/>
-          <ac:spMkLst>
-            <pc:docMk/>
-            <pc:sldMk cId="214171354" sldId="278"/>
-            <ac:spMk id="7" creationId="{A29B92A2-7673-44F8-29EC-39FDCCC6D6AE}"/>
-          </ac:spMkLst>
-        </pc:spChg>
-        <pc:picChg chg="add mod">
-          <ac:chgData name="Jheyson Fabian Villavisan Buitrago" userId="b9abc243-2adc-4788-8ef1-b07bec73deff" providerId="ADAL" clId="{33DDCE01-D5A0-4892-8419-FF73BDBED2B5}" dt="2023-02-12T20:16:04.791" v="72"/>
-          <ac:picMkLst>
-            <pc:docMk/>
-            <pc:sldMk cId="214171354" sldId="278"/>
-            <ac:picMk id="3" creationId="{678AE1EF-3677-EA6E-6782-9051B3C2D134}"/>
-          </ac:picMkLst>
-        </pc:picChg>
       </pc:sldChg>
       <pc:sldChg chg="new del">
         <pc:chgData name="Jheyson Fabian Villavisan Buitrago" userId="b9abc243-2adc-4788-8ef1-b07bec73deff" providerId="ADAL" clId="{33DDCE01-D5A0-4892-8419-FF73BDBED2B5}" dt="2023-02-12T21:06:15.608" v="715" actId="680"/>
@@ -1121,14 +399,6 @@
           <pc:docMk/>
           <pc:sldMasterMk cId="87750959" sldId="2147483778"/>
         </pc:sldMasterMkLst>
-        <pc:spChg chg="add">
-          <ac:chgData name="Jheyson Fabian Villavisan Buitrago" userId="b9abc243-2adc-4788-8ef1-b07bec73deff" providerId="ADAL" clId="{33DDCE01-D5A0-4892-8419-FF73BDBED2B5}" dt="2023-02-12T20:12:44.943" v="6"/>
-          <ac:spMkLst>
-            <pc:docMk/>
-            <pc:sldMasterMk cId="87750959" sldId="2147483778"/>
-            <ac:spMk id="7" creationId="{7B0CA632-E545-9F27-F48F-19EBC6FED7F0}"/>
-          </ac:spMkLst>
-        </pc:spChg>
         <pc:sldLayoutChg chg="addSp">
           <pc:chgData name="Jheyson Fabian Villavisan Buitrago" userId="b9abc243-2adc-4788-8ef1-b07bec73deff" providerId="ADAL" clId="{33DDCE01-D5A0-4892-8419-FF73BDBED2B5}" dt="2023-02-12T20:12:44.943" v="6"/>
           <pc:sldLayoutMkLst>
@@ -1136,15 +406,6 @@
             <pc:sldMasterMk cId="87750959" sldId="2147483778"/>
             <pc:sldLayoutMk cId="1675921050" sldId="2147483779"/>
           </pc:sldLayoutMkLst>
-          <pc:spChg chg="add">
-            <ac:chgData name="Jheyson Fabian Villavisan Buitrago" userId="b9abc243-2adc-4788-8ef1-b07bec73deff" providerId="ADAL" clId="{33DDCE01-D5A0-4892-8419-FF73BDBED2B5}" dt="2023-02-12T20:12:44.943" v="6"/>
-            <ac:spMkLst>
-              <pc:docMk/>
-              <pc:sldMasterMk cId="87750959" sldId="2147483778"/>
-              <pc:sldLayoutMk cId="1675921050" sldId="2147483779"/>
-              <ac:spMk id="7" creationId="{4EDA08D5-F667-8787-0063-21E612015DD7}"/>
-            </ac:spMkLst>
-          </pc:spChg>
         </pc:sldLayoutChg>
       </pc:sldMasterChg>
       <pc:sldMasterChg chg="addSp modSldLayout">
@@ -1153,14 +414,6 @@
           <pc:docMk/>
           <pc:sldMasterMk cId="3641214427" sldId="2147483778"/>
         </pc:sldMasterMkLst>
-        <pc:spChg chg="add">
-          <ac:chgData name="Jheyson Fabian Villavisan Buitrago" userId="b9abc243-2adc-4788-8ef1-b07bec73deff" providerId="ADAL" clId="{33DDCE01-D5A0-4892-8419-FF73BDBED2B5}" dt="2023-02-12T20:06:35.969" v="0"/>
-          <ac:spMkLst>
-            <pc:docMk/>
-            <pc:sldMasterMk cId="3641214427" sldId="2147483778"/>
-            <ac:spMk id="7" creationId="{548E59C9-3A8C-2D5A-19FB-7C62F8AD38F4}"/>
-          </ac:spMkLst>
-        </pc:spChg>
         <pc:sldLayoutChg chg="addSp">
           <pc:chgData name="Jheyson Fabian Villavisan Buitrago" userId="b9abc243-2adc-4788-8ef1-b07bec73deff" providerId="ADAL" clId="{33DDCE01-D5A0-4892-8419-FF73BDBED2B5}" dt="2023-02-12T20:06:35.969" v="0"/>
           <pc:sldLayoutMkLst>
@@ -1168,15 +421,6 @@
             <pc:sldMasterMk cId="3641214427" sldId="2147483778"/>
             <pc:sldLayoutMk cId="4117338386" sldId="2147483779"/>
           </pc:sldLayoutMkLst>
-          <pc:spChg chg="add">
-            <ac:chgData name="Jheyson Fabian Villavisan Buitrago" userId="b9abc243-2adc-4788-8ef1-b07bec73deff" providerId="ADAL" clId="{33DDCE01-D5A0-4892-8419-FF73BDBED2B5}" dt="2023-02-12T20:06:35.969" v="0"/>
-            <ac:spMkLst>
-              <pc:docMk/>
-              <pc:sldMasterMk cId="3641214427" sldId="2147483778"/>
-              <pc:sldLayoutMk cId="4117338386" sldId="2147483779"/>
-              <ac:spMk id="7" creationId="{3DF8295E-E364-1450-D336-A3C4C64B853E}"/>
-            </ac:spMkLst>
-          </pc:spChg>
         </pc:sldLayoutChg>
       </pc:sldMasterChg>
     </pc:docChg>
@@ -1210,22 +454,6 @@
           <pc:docMk/>
           <pc:sldMk cId="0" sldId="261"/>
         </pc:sldMkLst>
-        <pc:spChg chg="mod">
-          <ac:chgData name="JHEYSON FABIAN VILLAVISAN BUITRAGO" userId="e5ced5c2-d787-455d-b115-4f08a699b8c8" providerId="ADAL" clId="{3985C9E5-81AA-4DDC-888E-805F19B02ED5}" dt="2024-08-06T19:01:38.512" v="427" actId="20577"/>
-          <ac:spMkLst>
-            <pc:docMk/>
-            <pc:sldMk cId="0" sldId="261"/>
-            <ac:spMk id="3" creationId="{59B9380A-11B1-FEE0-C677-C5094B4EF0B4}"/>
-          </ac:spMkLst>
-        </pc:spChg>
-        <pc:graphicFrameChg chg="mod">
-          <ac:chgData name="JHEYSON FABIAN VILLAVISAN BUITRAGO" userId="e5ced5c2-d787-455d-b115-4f08a699b8c8" providerId="ADAL" clId="{3985C9E5-81AA-4DDC-888E-805F19B02ED5}" dt="2024-08-06T19:00:32.721" v="418" actId="20577"/>
-          <ac:graphicFrameMkLst>
-            <pc:docMk/>
-            <pc:sldMk cId="0" sldId="261"/>
-            <ac:graphicFrameMk id="7" creationId="{3B28400A-9287-40BA-9001-2E821D706B4D}"/>
-          </ac:graphicFrameMkLst>
-        </pc:graphicFrameChg>
       </pc:sldChg>
       <pc:sldChg chg="add del">
         <pc:chgData name="JHEYSON FABIAN VILLAVISAN BUITRAGO" userId="e5ced5c2-d787-455d-b115-4f08a699b8c8" providerId="ADAL" clId="{3985C9E5-81AA-4DDC-888E-805F19B02ED5}" dt="2024-08-06T19:01:04.375" v="421" actId="47"/>
@@ -1261,14 +489,6 @@
           <pc:docMk/>
           <pc:sldMk cId="1955606898" sldId="277"/>
         </pc:sldMkLst>
-        <pc:spChg chg="mod">
-          <ac:chgData name="JHEYSON FABIAN VILLAVISAN BUITRAGO" userId="e5ced5c2-d787-455d-b115-4f08a699b8c8" providerId="ADAL" clId="{3985C9E5-81AA-4DDC-888E-805F19B02ED5}" dt="2024-08-06T19:01:13.517" v="426" actId="20577"/>
-          <ac:spMkLst>
-            <pc:docMk/>
-            <pc:sldMk cId="1955606898" sldId="277"/>
-            <ac:spMk id="21506" creationId="{974AAA16-E8D7-47E1-ABBC-3CB9C4D3BD82}"/>
-          </ac:spMkLst>
-        </pc:spChg>
       </pc:sldChg>
       <pc:sldChg chg="del">
         <pc:chgData name="JHEYSON FABIAN VILLAVISAN BUITRAGO" userId="e5ced5c2-d787-455d-b115-4f08a699b8c8" providerId="ADAL" clId="{3985C9E5-81AA-4DDC-888E-805F19B02ED5}" dt="2024-08-06T19:01:08.008" v="425" actId="47"/>
@@ -1283,38 +503,6 @@
           <pc:docMk/>
           <pc:sldMk cId="2965408220" sldId="280"/>
         </pc:sldMkLst>
-        <pc:spChg chg="del">
-          <ac:chgData name="JHEYSON FABIAN VILLAVISAN BUITRAGO" userId="e5ced5c2-d787-455d-b115-4f08a699b8c8" providerId="ADAL" clId="{3985C9E5-81AA-4DDC-888E-805F19B02ED5}" dt="2024-08-06T18:50:41.626" v="203" actId="478"/>
-          <ac:spMkLst>
-            <pc:docMk/>
-            <pc:sldMk cId="2965408220" sldId="280"/>
-            <ac:spMk id="3" creationId="{FC88F630-6ADB-4FC8-9841-93248EA64007}"/>
-          </ac:spMkLst>
-        </pc:spChg>
-        <pc:spChg chg="mod">
-          <ac:chgData name="JHEYSON FABIAN VILLAVISAN BUITRAGO" userId="e5ced5c2-d787-455d-b115-4f08a699b8c8" providerId="ADAL" clId="{3985C9E5-81AA-4DDC-888E-805F19B02ED5}" dt="2024-08-06T19:04:24.772" v="434" actId="20577"/>
-          <ac:spMkLst>
-            <pc:docMk/>
-            <pc:sldMk cId="2965408220" sldId="280"/>
-            <ac:spMk id="8" creationId="{5932E3F1-24A7-A01F-0773-6237BD556E80}"/>
-          </ac:spMkLst>
-        </pc:spChg>
-        <pc:graphicFrameChg chg="del">
-          <ac:chgData name="JHEYSON FABIAN VILLAVISAN BUITRAGO" userId="e5ced5c2-d787-455d-b115-4f08a699b8c8" providerId="ADAL" clId="{3985C9E5-81AA-4DDC-888E-805F19B02ED5}" dt="2024-08-06T18:46:02.995" v="0" actId="478"/>
-          <ac:graphicFrameMkLst>
-            <pc:docMk/>
-            <pc:sldMk cId="2965408220" sldId="280"/>
-            <ac:graphicFrameMk id="2" creationId="{BFAD80C6-663E-42AD-A6EE-0E699E7C415E}"/>
-          </ac:graphicFrameMkLst>
-        </pc:graphicFrameChg>
-        <pc:graphicFrameChg chg="add mod modGraphic">
-          <ac:chgData name="JHEYSON FABIAN VILLAVISAN BUITRAGO" userId="e5ced5c2-d787-455d-b115-4f08a699b8c8" providerId="ADAL" clId="{3985C9E5-81AA-4DDC-888E-805F19B02ED5}" dt="2024-08-06T18:52:28.049" v="378" actId="20577"/>
-          <ac:graphicFrameMkLst>
-            <pc:docMk/>
-            <pc:sldMk cId="2965408220" sldId="280"/>
-            <ac:graphicFrameMk id="6" creationId="{D45444DB-DE93-829B-F32A-C3FB962F868B}"/>
-          </ac:graphicFrameMkLst>
-        </pc:graphicFrameChg>
       </pc:sldChg>
     </pc:docChg>
   </pc:docChgLst>
@@ -1331,30 +519,6 @@
           <pc:docMk/>
           <pc:sldMk cId="0" sldId="256"/>
         </pc:sldMkLst>
-        <pc:spChg chg="del">
-          <ac:chgData name="JHEYSON FABIAN VILLAVISAN BUITRAGO" userId="e5ced5c2-d787-455d-b115-4f08a699b8c8" providerId="ADAL" clId="{6D4E4387-A8B5-4EAB-B129-13D0102C3393}" dt="2023-08-01T18:37:10.064" v="0" actId="478"/>
-          <ac:spMkLst>
-            <pc:docMk/>
-            <pc:sldMk cId="0" sldId="256"/>
-            <ac:spMk id="7" creationId="{A236FBE4-061E-78EC-AF9D-34882DE16D7D}"/>
-          </ac:spMkLst>
-        </pc:spChg>
-        <pc:spChg chg="mod">
-          <ac:chgData name="JHEYSON FABIAN VILLAVISAN BUITRAGO" userId="e5ced5c2-d787-455d-b115-4f08a699b8c8" providerId="ADAL" clId="{6D4E4387-A8B5-4EAB-B129-13D0102C3393}" dt="2023-08-01T18:38:51.331" v="37" actId="1076"/>
-          <ac:spMkLst>
-            <pc:docMk/>
-            <pc:sldMk cId="0" sldId="256"/>
-            <ac:spMk id="10" creationId="{0D52910C-C7FF-51AD-9B9D-1A390D5FFE1B}"/>
-          </ac:spMkLst>
-        </pc:spChg>
-        <pc:picChg chg="del">
-          <ac:chgData name="JHEYSON FABIAN VILLAVISAN BUITRAGO" userId="e5ced5c2-d787-455d-b115-4f08a699b8c8" providerId="ADAL" clId="{6D4E4387-A8B5-4EAB-B129-13D0102C3393}" dt="2023-08-01T18:37:10.064" v="0" actId="478"/>
-          <ac:picMkLst>
-            <pc:docMk/>
-            <pc:sldMk cId="0" sldId="256"/>
-            <ac:picMk id="4" creationId="{5D8446A7-4203-D240-B0BD-B0BE244CFB1B}"/>
-          </ac:picMkLst>
-        </pc:picChg>
       </pc:sldChg>
       <pc:sldChg chg="addSp delSp modSp">
         <pc:chgData name="JHEYSON FABIAN VILLAVISAN BUITRAGO" userId="e5ced5c2-d787-455d-b115-4f08a699b8c8" providerId="ADAL" clId="{6D4E4387-A8B5-4EAB-B129-13D0102C3393}" dt="2023-08-01T18:50:11.591" v="691" actId="20577"/>
@@ -1362,30 +526,6 @@
           <pc:docMk/>
           <pc:sldMk cId="0" sldId="261"/>
         </pc:sldMkLst>
-        <pc:spChg chg="add mod">
-          <ac:chgData name="JHEYSON FABIAN VILLAVISAN BUITRAGO" userId="e5ced5c2-d787-455d-b115-4f08a699b8c8" providerId="ADAL" clId="{6D4E4387-A8B5-4EAB-B129-13D0102C3393}" dt="2023-08-01T18:40:28.496" v="88"/>
-          <ac:spMkLst>
-            <pc:docMk/>
-            <pc:sldMk cId="0" sldId="261"/>
-            <ac:spMk id="2" creationId="{B7BBAA63-6E9C-7FD5-350A-58CDC54BCE93}"/>
-          </ac:spMkLst>
-        </pc:spChg>
-        <pc:spChg chg="del">
-          <ac:chgData name="JHEYSON FABIAN VILLAVISAN BUITRAGO" userId="e5ced5c2-d787-455d-b115-4f08a699b8c8" providerId="ADAL" clId="{6D4E4387-A8B5-4EAB-B129-13D0102C3393}" dt="2023-08-01T18:39:13.046" v="43" actId="478"/>
-          <ac:spMkLst>
-            <pc:docMk/>
-            <pc:sldMk cId="0" sldId="261"/>
-            <ac:spMk id="3" creationId="{6BD985B6-878F-6FE8-E247-75230379CB4E}"/>
-          </ac:spMkLst>
-        </pc:spChg>
-        <pc:graphicFrameChg chg="mod">
-          <ac:chgData name="JHEYSON FABIAN VILLAVISAN BUITRAGO" userId="e5ced5c2-d787-455d-b115-4f08a699b8c8" providerId="ADAL" clId="{6D4E4387-A8B5-4EAB-B129-13D0102C3393}" dt="2023-08-01T18:50:11.591" v="691" actId="20577"/>
-          <ac:graphicFrameMkLst>
-            <pc:docMk/>
-            <pc:sldMk cId="0" sldId="261"/>
-            <ac:graphicFrameMk id="7" creationId="{3B28400A-9287-40BA-9001-2E821D706B4D}"/>
-          </ac:graphicFrameMkLst>
-        </pc:graphicFrameChg>
       </pc:sldChg>
       <pc:sldChg chg="delSp">
         <pc:chgData name="JHEYSON FABIAN VILLAVISAN BUITRAGO" userId="e5ced5c2-d787-455d-b115-4f08a699b8c8" providerId="ADAL" clId="{6D4E4387-A8B5-4EAB-B129-13D0102C3393}" dt="2023-08-01T18:39:15.327" v="44" actId="478"/>
@@ -1393,14 +533,6 @@
           <pc:docMk/>
           <pc:sldMk cId="0" sldId="264"/>
         </pc:sldMkLst>
-        <pc:spChg chg="del">
-          <ac:chgData name="JHEYSON FABIAN VILLAVISAN BUITRAGO" userId="e5ced5c2-d787-455d-b115-4f08a699b8c8" providerId="ADAL" clId="{6D4E4387-A8B5-4EAB-B129-13D0102C3393}" dt="2023-08-01T18:39:15.327" v="44" actId="478"/>
-          <ac:spMkLst>
-            <pc:docMk/>
-            <pc:sldMk cId="0" sldId="264"/>
-            <ac:spMk id="3" creationId="{F63358BA-EA3A-D303-C3E1-81F6FC6BB434}"/>
-          </ac:spMkLst>
-        </pc:spChg>
       </pc:sldChg>
       <pc:sldChg chg="addSp delSp modSp mod">
         <pc:chgData name="JHEYSON FABIAN VILLAVISAN BUITRAGO" userId="e5ced5c2-d787-455d-b115-4f08a699b8c8" providerId="ADAL" clId="{6D4E4387-A8B5-4EAB-B129-13D0102C3393}" dt="2023-08-09T02:05:25.176" v="785" actId="20577"/>
@@ -1408,30 +540,6 @@
           <pc:docMk/>
           <pc:sldMk cId="0" sldId="265"/>
         </pc:sldMkLst>
-        <pc:spChg chg="add mod">
-          <ac:chgData name="JHEYSON FABIAN VILLAVISAN BUITRAGO" userId="e5ced5c2-d787-455d-b115-4f08a699b8c8" providerId="ADAL" clId="{6D4E4387-A8B5-4EAB-B129-13D0102C3393}" dt="2023-08-01T18:40:30.551" v="89"/>
-          <ac:spMkLst>
-            <pc:docMk/>
-            <pc:sldMk cId="0" sldId="265"/>
-            <ac:spMk id="2" creationId="{0DD18CF1-5034-4801-4C7D-42D3233CC7F0}"/>
-          </ac:spMkLst>
-        </pc:spChg>
-        <pc:spChg chg="del mod">
-          <ac:chgData name="JHEYSON FABIAN VILLAVISAN BUITRAGO" userId="e5ced5c2-d787-455d-b115-4f08a699b8c8" providerId="ADAL" clId="{6D4E4387-A8B5-4EAB-B129-13D0102C3393}" dt="2023-08-01T18:39:18.478" v="46" actId="478"/>
-          <ac:spMkLst>
-            <pc:docMk/>
-            <pc:sldMk cId="0" sldId="265"/>
-            <ac:spMk id="3" creationId="{1BA1B286-A421-1BC4-F6AB-D7918D4F8881}"/>
-          </ac:spMkLst>
-        </pc:spChg>
-        <pc:spChg chg="mod">
-          <ac:chgData name="JHEYSON FABIAN VILLAVISAN BUITRAGO" userId="e5ced5c2-d787-455d-b115-4f08a699b8c8" providerId="ADAL" clId="{6D4E4387-A8B5-4EAB-B129-13D0102C3393}" dt="2023-08-09T02:05:25.176" v="785" actId="20577"/>
-          <ac:spMkLst>
-            <pc:docMk/>
-            <pc:sldMk cId="0" sldId="265"/>
-            <ac:spMk id="15365" creationId="{C4B69D28-4FBD-40E4-8F16-AD35B0740DDD}"/>
-          </ac:spMkLst>
-        </pc:spChg>
       </pc:sldChg>
       <pc:sldChg chg="addSp delSp modSp">
         <pc:chgData name="JHEYSON FABIAN VILLAVISAN BUITRAGO" userId="e5ced5c2-d787-455d-b115-4f08a699b8c8" providerId="ADAL" clId="{6D4E4387-A8B5-4EAB-B129-13D0102C3393}" dt="2023-08-01T18:40:32.003" v="90"/>
@@ -1439,22 +547,6 @@
           <pc:docMk/>
           <pc:sldMk cId="0" sldId="266"/>
         </pc:sldMkLst>
-        <pc:spChg chg="add mod">
-          <ac:chgData name="JHEYSON FABIAN VILLAVISAN BUITRAGO" userId="e5ced5c2-d787-455d-b115-4f08a699b8c8" providerId="ADAL" clId="{6D4E4387-A8B5-4EAB-B129-13D0102C3393}" dt="2023-08-01T18:40:32.003" v="90"/>
-          <ac:spMkLst>
-            <pc:docMk/>
-            <pc:sldMk cId="0" sldId="266"/>
-            <ac:spMk id="2" creationId="{8101F44A-314D-F035-0B5B-53FFA0F5B203}"/>
-          </ac:spMkLst>
-        </pc:spChg>
-        <pc:spChg chg="del">
-          <ac:chgData name="JHEYSON FABIAN VILLAVISAN BUITRAGO" userId="e5ced5c2-d787-455d-b115-4f08a699b8c8" providerId="ADAL" clId="{6D4E4387-A8B5-4EAB-B129-13D0102C3393}" dt="2023-08-01T18:39:22.511" v="47" actId="478"/>
-          <ac:spMkLst>
-            <pc:docMk/>
-            <pc:sldMk cId="0" sldId="266"/>
-            <ac:spMk id="3" creationId="{5C367B68-87A8-7909-5696-CA4B9A4374A2}"/>
-          </ac:spMkLst>
-        </pc:spChg>
       </pc:sldChg>
       <pc:sldChg chg="addSp delSp modSp">
         <pc:chgData name="JHEYSON FABIAN VILLAVISAN BUITRAGO" userId="e5ced5c2-d787-455d-b115-4f08a699b8c8" providerId="ADAL" clId="{6D4E4387-A8B5-4EAB-B129-13D0102C3393}" dt="2023-08-01T18:40:35.454" v="93"/>
@@ -1462,22 +554,6 @@
           <pc:docMk/>
           <pc:sldMk cId="0" sldId="268"/>
         </pc:sldMkLst>
-        <pc:spChg chg="add mod">
-          <ac:chgData name="JHEYSON FABIAN VILLAVISAN BUITRAGO" userId="e5ced5c2-d787-455d-b115-4f08a699b8c8" providerId="ADAL" clId="{6D4E4387-A8B5-4EAB-B129-13D0102C3393}" dt="2023-08-01T18:40:35.454" v="93"/>
-          <ac:spMkLst>
-            <pc:docMk/>
-            <pc:sldMk cId="0" sldId="268"/>
-            <ac:spMk id="2" creationId="{E3039CD5-5EDF-B67E-43E0-6A692B67FA09}"/>
-          </ac:spMkLst>
-        </pc:spChg>
-        <pc:spChg chg="del">
-          <ac:chgData name="JHEYSON FABIAN VILLAVISAN BUITRAGO" userId="e5ced5c2-d787-455d-b115-4f08a699b8c8" providerId="ADAL" clId="{6D4E4387-A8B5-4EAB-B129-13D0102C3393}" dt="2023-08-01T18:39:34.170" v="52" actId="478"/>
-          <ac:spMkLst>
-            <pc:docMk/>
-            <pc:sldMk cId="0" sldId="268"/>
-            <ac:spMk id="3" creationId="{74CAC5D3-4493-9EB9-62C0-F4E0FA2FE9A6}"/>
-          </ac:spMkLst>
-        </pc:spChg>
       </pc:sldChg>
       <pc:sldChg chg="addSp delSp modSp mod">
         <pc:chgData name="JHEYSON FABIAN VILLAVISAN BUITRAGO" userId="e5ced5c2-d787-455d-b115-4f08a699b8c8" providerId="ADAL" clId="{6D4E4387-A8B5-4EAB-B129-13D0102C3393}" dt="2023-08-02T00:01:03.382" v="783" actId="20577"/>
@@ -1485,54 +561,6 @@
           <pc:docMk/>
           <pc:sldMk cId="2505371292" sldId="270"/>
         </pc:sldMkLst>
-        <pc:spChg chg="del">
-          <ac:chgData name="JHEYSON FABIAN VILLAVISAN BUITRAGO" userId="e5ced5c2-d787-455d-b115-4f08a699b8c8" providerId="ADAL" clId="{6D4E4387-A8B5-4EAB-B129-13D0102C3393}" dt="2023-08-01T18:39:10.186" v="42" actId="478"/>
-          <ac:spMkLst>
-            <pc:docMk/>
-            <pc:sldMk cId="2505371292" sldId="270"/>
-            <ac:spMk id="3" creationId="{A1607664-1D37-4A58-B5FD-5EA010C7ADF2}"/>
-          </ac:spMkLst>
-        </pc:spChg>
-        <pc:spChg chg="mod">
-          <ac:chgData name="JHEYSON FABIAN VILLAVISAN BUITRAGO" userId="e5ced5c2-d787-455d-b115-4f08a699b8c8" providerId="ADAL" clId="{6D4E4387-A8B5-4EAB-B129-13D0102C3393}" dt="2023-08-02T00:01:03.382" v="783" actId="20577"/>
-          <ac:spMkLst>
-            <pc:docMk/>
-            <pc:sldMk cId="2505371292" sldId="270"/>
-            <ac:spMk id="7" creationId="{EBDE2FDF-A2BB-4F17-99CB-0B213EF4BAA4}"/>
-          </ac:spMkLst>
-        </pc:spChg>
-        <pc:spChg chg="add mod">
-          <ac:chgData name="JHEYSON FABIAN VILLAVISAN BUITRAGO" userId="e5ced5c2-d787-455d-b115-4f08a699b8c8" providerId="ADAL" clId="{6D4E4387-A8B5-4EAB-B129-13D0102C3393}" dt="2023-08-01T18:40:21.422" v="87"/>
-          <ac:spMkLst>
-            <pc:docMk/>
-            <pc:sldMk cId="2505371292" sldId="270"/>
-            <ac:spMk id="8" creationId="{82ADB8DA-7918-37A3-DE51-3328DCB327C0}"/>
-          </ac:spMkLst>
-        </pc:spChg>
-        <pc:spChg chg="add mod">
-          <ac:chgData name="JHEYSON FABIAN VILLAVISAN BUITRAGO" userId="e5ced5c2-d787-455d-b115-4f08a699b8c8" providerId="ADAL" clId="{6D4E4387-A8B5-4EAB-B129-13D0102C3393}" dt="2023-08-01T18:41:40.783" v="173" actId="1076"/>
-          <ac:spMkLst>
-            <pc:docMk/>
-            <pc:sldMk cId="2505371292" sldId="270"/>
-            <ac:spMk id="9" creationId="{AAD4009E-1BC8-C70B-C6E8-9825F18FD20B}"/>
-          </ac:spMkLst>
-        </pc:spChg>
-        <pc:graphicFrameChg chg="del">
-          <ac:chgData name="JHEYSON FABIAN VILLAVISAN BUITRAGO" userId="e5ced5c2-d787-455d-b115-4f08a699b8c8" providerId="ADAL" clId="{6D4E4387-A8B5-4EAB-B129-13D0102C3393}" dt="2023-08-01T18:38:57.417" v="38" actId="478"/>
-          <ac:graphicFrameMkLst>
-            <pc:docMk/>
-            <pc:sldMk cId="2505371292" sldId="270"/>
-            <ac:graphicFrameMk id="2" creationId="{BFAD80C6-663E-42AD-A6EE-0E699E7C415E}"/>
-          </ac:graphicFrameMkLst>
-        </pc:graphicFrameChg>
-        <pc:graphicFrameChg chg="add mod modGraphic">
-          <ac:chgData name="JHEYSON FABIAN VILLAVISAN BUITRAGO" userId="e5ced5c2-d787-455d-b115-4f08a699b8c8" providerId="ADAL" clId="{6D4E4387-A8B5-4EAB-B129-13D0102C3393}" dt="2023-08-01T18:50:53.195" v="692" actId="20577"/>
-          <ac:graphicFrameMkLst>
-            <pc:docMk/>
-            <pc:sldMk cId="2505371292" sldId="270"/>
-            <ac:graphicFrameMk id="6" creationId="{133EF18E-2D8B-DFE6-6A74-265F84B75655}"/>
-          </ac:graphicFrameMkLst>
-        </pc:graphicFrameChg>
       </pc:sldChg>
       <pc:sldChg chg="addSp delSp modSp mod">
         <pc:chgData name="JHEYSON FABIAN VILLAVISAN BUITRAGO" userId="e5ced5c2-d787-455d-b115-4f08a699b8c8" providerId="ADAL" clId="{6D4E4387-A8B5-4EAB-B129-13D0102C3393}" dt="2023-08-01T19:03:12.469" v="724" actId="20577"/>
@@ -1540,30 +568,6 @@
           <pc:docMk/>
           <pc:sldMk cId="3709177429" sldId="274"/>
         </pc:sldMkLst>
-        <pc:spChg chg="mod">
-          <ac:chgData name="JHEYSON FABIAN VILLAVISAN BUITRAGO" userId="e5ced5c2-d787-455d-b115-4f08a699b8c8" providerId="ADAL" clId="{6D4E4387-A8B5-4EAB-B129-13D0102C3393}" dt="2023-08-01T19:03:12.469" v="724" actId="20577"/>
-          <ac:spMkLst>
-            <pc:docMk/>
-            <pc:sldMk cId="3709177429" sldId="274"/>
-            <ac:spMk id="3" creationId="{4F1F9CC3-49B8-41A8-9878-3805D57595F8}"/>
-          </ac:spMkLst>
-        </pc:spChg>
-        <pc:spChg chg="add mod">
-          <ac:chgData name="JHEYSON FABIAN VILLAVISAN BUITRAGO" userId="e5ced5c2-d787-455d-b115-4f08a699b8c8" providerId="ADAL" clId="{6D4E4387-A8B5-4EAB-B129-13D0102C3393}" dt="2023-08-01T18:40:15.754" v="85" actId="1076"/>
-          <ac:spMkLst>
-            <pc:docMk/>
-            <pc:sldMk cId="3709177429" sldId="274"/>
-            <ac:spMk id="5" creationId="{AD83FA30-4A3C-43B8-17CD-C08519129156}"/>
-          </ac:spMkLst>
-        </pc:spChg>
-        <pc:spChg chg="del">
-          <ac:chgData name="JHEYSON FABIAN VILLAVISAN BUITRAGO" userId="e5ced5c2-d787-455d-b115-4f08a699b8c8" providerId="ADAL" clId="{6D4E4387-A8B5-4EAB-B129-13D0102C3393}" dt="2023-08-01T18:39:05.179" v="40" actId="478"/>
-          <ac:spMkLst>
-            <pc:docMk/>
-            <pc:sldMk cId="3709177429" sldId="274"/>
-            <ac:spMk id="13" creationId="{FF9F8020-A143-4061-0214-9BB2AE9D2550}"/>
-          </ac:spMkLst>
-        </pc:spChg>
       </pc:sldChg>
       <pc:sldChg chg="addSp delSp modSp">
         <pc:chgData name="JHEYSON FABIAN VILLAVISAN BUITRAGO" userId="e5ced5c2-d787-455d-b115-4f08a699b8c8" providerId="ADAL" clId="{6D4E4387-A8B5-4EAB-B129-13D0102C3393}" dt="2023-08-01T18:40:33.092" v="91"/>
@@ -1571,22 +575,6 @@
           <pc:docMk/>
           <pc:sldMk cId="2680639377" sldId="275"/>
         </pc:sldMkLst>
-        <pc:spChg chg="add mod">
-          <ac:chgData name="JHEYSON FABIAN VILLAVISAN BUITRAGO" userId="e5ced5c2-d787-455d-b115-4f08a699b8c8" providerId="ADAL" clId="{6D4E4387-A8B5-4EAB-B129-13D0102C3393}" dt="2023-08-01T18:40:33.092" v="91"/>
-          <ac:spMkLst>
-            <pc:docMk/>
-            <pc:sldMk cId="2680639377" sldId="275"/>
-            <ac:spMk id="2" creationId="{786E18CF-41E7-94E7-C39D-EC82623A2EE4}"/>
-          </ac:spMkLst>
-        </pc:spChg>
-        <pc:spChg chg="del mod">
-          <ac:chgData name="JHEYSON FABIAN VILLAVISAN BUITRAGO" userId="e5ced5c2-d787-455d-b115-4f08a699b8c8" providerId="ADAL" clId="{6D4E4387-A8B5-4EAB-B129-13D0102C3393}" dt="2023-08-01T18:39:25.154" v="49" actId="478"/>
-          <ac:spMkLst>
-            <pc:docMk/>
-            <pc:sldMk cId="2680639377" sldId="275"/>
-            <ac:spMk id="3" creationId="{0EC7E215-99CA-9EE0-74CD-8C1E4F608272}"/>
-          </ac:spMkLst>
-        </pc:spChg>
       </pc:sldChg>
       <pc:sldChg chg="addSp delSp modSp">
         <pc:chgData name="JHEYSON FABIAN VILLAVISAN BUITRAGO" userId="e5ced5c2-d787-455d-b115-4f08a699b8c8" providerId="ADAL" clId="{6D4E4387-A8B5-4EAB-B129-13D0102C3393}" dt="2023-08-01T18:40:34.096" v="92"/>
@@ -1594,30 +582,6 @@
           <pc:docMk/>
           <pc:sldMk cId="1955606898" sldId="277"/>
         </pc:sldMkLst>
-        <pc:spChg chg="add mod">
-          <ac:chgData name="JHEYSON FABIAN VILLAVISAN BUITRAGO" userId="e5ced5c2-d787-455d-b115-4f08a699b8c8" providerId="ADAL" clId="{6D4E4387-A8B5-4EAB-B129-13D0102C3393}" dt="2023-08-01T18:40:34.096" v="92"/>
-          <ac:spMkLst>
-            <pc:docMk/>
-            <pc:sldMk cId="1955606898" sldId="277"/>
-            <ac:spMk id="2" creationId="{F5B918F2-F494-3DBB-D058-68F2779A0025}"/>
-          </ac:spMkLst>
-        </pc:spChg>
-        <pc:spChg chg="del">
-          <ac:chgData name="JHEYSON FABIAN VILLAVISAN BUITRAGO" userId="e5ced5c2-d787-455d-b115-4f08a699b8c8" providerId="ADAL" clId="{6D4E4387-A8B5-4EAB-B129-13D0102C3393}" dt="2023-08-01T18:39:30.245" v="51" actId="478"/>
-          <ac:spMkLst>
-            <pc:docMk/>
-            <pc:sldMk cId="1955606898" sldId="277"/>
-            <ac:spMk id="3" creationId="{87013794-5883-C93A-DFFF-76F577E0C7DB}"/>
-          </ac:spMkLst>
-        </pc:spChg>
-        <pc:spChg chg="mod">
-          <ac:chgData name="JHEYSON FABIAN VILLAVISAN BUITRAGO" userId="e5ced5c2-d787-455d-b115-4f08a699b8c8" providerId="ADAL" clId="{6D4E4387-A8B5-4EAB-B129-13D0102C3393}" dt="2023-08-01T18:39:28.399" v="50" actId="1076"/>
-          <ac:spMkLst>
-            <pc:docMk/>
-            <pc:sldMk cId="1955606898" sldId="277"/>
-            <ac:spMk id="7" creationId="{EA396777-07E6-4D94-A666-A85CEA99D636}"/>
-          </ac:spMkLst>
-        </pc:spChg>
       </pc:sldChg>
       <pc:sldChg chg="addSp delSp modSp">
         <pc:chgData name="JHEYSON FABIAN VILLAVISAN BUITRAGO" userId="e5ced5c2-d787-455d-b115-4f08a699b8c8" providerId="ADAL" clId="{6D4E4387-A8B5-4EAB-B129-13D0102C3393}" dt="2023-08-01T18:40:19.901" v="86"/>
@@ -1625,22 +589,6 @@
           <pc:docMk/>
           <pc:sldMk cId="214171354" sldId="278"/>
         </pc:sldMkLst>
-        <pc:spChg chg="del">
-          <ac:chgData name="JHEYSON FABIAN VILLAVISAN BUITRAGO" userId="e5ced5c2-d787-455d-b115-4f08a699b8c8" providerId="ADAL" clId="{6D4E4387-A8B5-4EAB-B129-13D0102C3393}" dt="2023-08-01T18:39:07.894" v="41" actId="478"/>
-          <ac:spMkLst>
-            <pc:docMk/>
-            <pc:sldMk cId="214171354" sldId="278"/>
-            <ac:spMk id="2" creationId="{0FC085BA-4809-6EFA-567A-979478BDC626}"/>
-          </ac:spMkLst>
-        </pc:spChg>
-        <pc:spChg chg="add mod">
-          <ac:chgData name="JHEYSON FABIAN VILLAVISAN BUITRAGO" userId="e5ced5c2-d787-455d-b115-4f08a699b8c8" providerId="ADAL" clId="{6D4E4387-A8B5-4EAB-B129-13D0102C3393}" dt="2023-08-01T18:40:19.901" v="86"/>
-          <ac:spMkLst>
-            <pc:docMk/>
-            <pc:sldMk cId="214171354" sldId="278"/>
-            <ac:spMk id="5" creationId="{DA8BB1D7-DBA8-5CD6-CAAC-0581D75A6D40}"/>
-          </ac:spMkLst>
-        </pc:spChg>
       </pc:sldChg>
       <pc:sldChg chg="addSp delSp modSp add mod">
         <pc:chgData name="JHEYSON FABIAN VILLAVISAN BUITRAGO" userId="e5ced5c2-d787-455d-b115-4f08a699b8c8" providerId="ADAL" clId="{6D4E4387-A8B5-4EAB-B129-13D0102C3393}" dt="2023-08-01T19:21:09.537" v="739" actId="1076"/>
@@ -1648,78 +596,6 @@
           <pc:docMk/>
           <pc:sldMk cId="3765501484" sldId="279"/>
         </pc:sldMkLst>
-        <pc:spChg chg="del">
-          <ac:chgData name="JHEYSON FABIAN VILLAVISAN BUITRAGO" userId="e5ced5c2-d787-455d-b115-4f08a699b8c8" providerId="ADAL" clId="{6D4E4387-A8B5-4EAB-B129-13D0102C3393}" dt="2023-08-01T19:20:55.818" v="732" actId="478"/>
-          <ac:spMkLst>
-            <pc:docMk/>
-            <pc:sldMk cId="3765501484" sldId="279"/>
-            <ac:spMk id="7" creationId="{EA396777-07E6-4D94-A666-A85CEA99D636}"/>
-          </ac:spMkLst>
-        </pc:spChg>
-        <pc:spChg chg="del">
-          <ac:chgData name="JHEYSON FABIAN VILLAVISAN BUITRAGO" userId="e5ced5c2-d787-455d-b115-4f08a699b8c8" providerId="ADAL" clId="{6D4E4387-A8B5-4EAB-B129-13D0102C3393}" dt="2023-08-01T19:20:54.116" v="731" actId="478"/>
-          <ac:spMkLst>
-            <pc:docMk/>
-            <pc:sldMk cId="3765501484" sldId="279"/>
-            <ac:spMk id="14" creationId="{431C44E4-329E-7FEC-B9B3-CC9F71252532}"/>
-          </ac:spMkLst>
-        </pc:spChg>
-        <pc:spChg chg="del">
-          <ac:chgData name="JHEYSON FABIAN VILLAVISAN BUITRAGO" userId="e5ced5c2-d787-455d-b115-4f08a699b8c8" providerId="ADAL" clId="{6D4E4387-A8B5-4EAB-B129-13D0102C3393}" dt="2023-08-01T19:20:52.647" v="730" actId="478"/>
-          <ac:spMkLst>
-            <pc:docMk/>
-            <pc:sldMk cId="3765501484" sldId="279"/>
-            <ac:spMk id="16" creationId="{F0D65330-7419-4333-9764-E4292B375DC3}"/>
-          </ac:spMkLst>
-        </pc:spChg>
-        <pc:spChg chg="mod">
-          <ac:chgData name="JHEYSON FABIAN VILLAVISAN BUITRAGO" userId="e5ced5c2-d787-455d-b115-4f08a699b8c8" providerId="ADAL" clId="{6D4E4387-A8B5-4EAB-B129-13D0102C3393}" dt="2023-08-01T19:21:03.361" v="737" actId="20577"/>
-          <ac:spMkLst>
-            <pc:docMk/>
-            <pc:sldMk cId="3765501484" sldId="279"/>
-            <ac:spMk id="21506" creationId="{974AAA16-E8D7-47E1-ABBC-3CB9C4D3BD82}"/>
-          </ac:spMkLst>
-        </pc:spChg>
-        <pc:picChg chg="add mod">
-          <ac:chgData name="JHEYSON FABIAN VILLAVISAN BUITRAGO" userId="e5ced5c2-d787-455d-b115-4f08a699b8c8" providerId="ADAL" clId="{6D4E4387-A8B5-4EAB-B129-13D0102C3393}" dt="2023-08-01T19:21:09.537" v="739" actId="1076"/>
-          <ac:picMkLst>
-            <pc:docMk/>
-            <pc:sldMk cId="3765501484" sldId="279"/>
-            <ac:picMk id="4" creationId="{1E3B56E5-CEB8-D71A-85DC-4DE0E0CF2759}"/>
-          </ac:picMkLst>
-        </pc:picChg>
-        <pc:picChg chg="del">
-          <ac:chgData name="JHEYSON FABIAN VILLAVISAN BUITRAGO" userId="e5ced5c2-d787-455d-b115-4f08a699b8c8" providerId="ADAL" clId="{6D4E4387-A8B5-4EAB-B129-13D0102C3393}" dt="2023-08-01T19:20:56.429" v="733" actId="478"/>
-          <ac:picMkLst>
-            <pc:docMk/>
-            <pc:sldMk cId="3765501484" sldId="279"/>
-            <ac:picMk id="6" creationId="{84C76756-A955-4A5B-BE78-4E62BB57DFBF}"/>
-          </ac:picMkLst>
-        </pc:picChg>
-        <pc:picChg chg="del">
-          <ac:chgData name="JHEYSON FABIAN VILLAVISAN BUITRAGO" userId="e5ced5c2-d787-455d-b115-4f08a699b8c8" providerId="ADAL" clId="{6D4E4387-A8B5-4EAB-B129-13D0102C3393}" dt="2023-08-01T19:20:57.190" v="734" actId="478"/>
-          <ac:picMkLst>
-            <pc:docMk/>
-            <pc:sldMk cId="3765501484" sldId="279"/>
-            <ac:picMk id="9" creationId="{17BD62F9-41DB-46A2-9BEB-4F875CC525E4}"/>
-          </ac:picMkLst>
-        </pc:picChg>
-        <pc:picChg chg="del">
-          <ac:chgData name="JHEYSON FABIAN VILLAVISAN BUITRAGO" userId="e5ced5c2-d787-455d-b115-4f08a699b8c8" providerId="ADAL" clId="{6D4E4387-A8B5-4EAB-B129-13D0102C3393}" dt="2023-08-01T19:20:50.255" v="728" actId="478"/>
-          <ac:picMkLst>
-            <pc:docMk/>
-            <pc:sldMk cId="3765501484" sldId="279"/>
-            <ac:picMk id="11" creationId="{E8470154-AC7E-B448-6D58-E30DC77C6DF1}"/>
-          </ac:picMkLst>
-        </pc:picChg>
-        <pc:picChg chg="del">
-          <ac:chgData name="JHEYSON FABIAN VILLAVISAN BUITRAGO" userId="e5ced5c2-d787-455d-b115-4f08a699b8c8" providerId="ADAL" clId="{6D4E4387-A8B5-4EAB-B129-13D0102C3393}" dt="2023-08-01T19:20:51.484" v="729" actId="478"/>
-          <ac:picMkLst>
-            <pc:docMk/>
-            <pc:sldMk cId="3765501484" sldId="279"/>
-            <ac:picMk id="2056" creationId="{075C7F64-CBA7-4977-AB8B-1D5229822556}"/>
-          </ac:picMkLst>
-        </pc:picChg>
       </pc:sldChg>
     </pc:docChg>
   </pc:docChgLst>
@@ -4525,7 +3401,7 @@
               <a:pPr>
                 <a:defRPr/>
               </a:pPr>
-              <a:t>6/08/2024</a:t>
+              <a:t>3/01/2025</a:t>
             </a:fld>
             <a:endParaRPr lang="es-CO"/>
           </a:p>
@@ -4768,7 +3644,7 @@
               <a:pPr>
                 <a:defRPr/>
               </a:pPr>
-              <a:t>6/08/2024</a:t>
+              <a:t>3/01/2025</a:t>
             </a:fld>
             <a:endParaRPr lang="es-CO"/>
           </a:p>
@@ -7010,7 +5886,7 @@
           <a:p>
             <a:fld id="{9CF7635E-2D71-42E7-9E6C-FBB85A15A85F}" type="datetimeFigureOut">
               <a:rPr lang="es-CO" smtClean="0"/>
-              <a:t>6/08/2024</a:t>
+              <a:t>3/01/2025</a:t>
             </a:fld>
             <a:endParaRPr lang="es-CO"/>
           </a:p>
@@ -7276,7 +6152,7 @@
           <a:p>
             <a:fld id="{9CF7635E-2D71-42E7-9E6C-FBB85A15A85F}" type="datetimeFigureOut">
               <a:rPr lang="es-CO" smtClean="0"/>
-              <a:t>6/08/2024</a:t>
+              <a:t>3/01/2025</a:t>
             </a:fld>
             <a:endParaRPr lang="es-CO"/>
           </a:p>
@@ -7492,7 +6368,7 @@
           <a:p>
             <a:fld id="{9CF7635E-2D71-42E7-9E6C-FBB85A15A85F}" type="datetimeFigureOut">
               <a:rPr lang="es-CO" smtClean="0"/>
-              <a:t>6/08/2024</a:t>
+              <a:t>3/01/2025</a:t>
             </a:fld>
             <a:endParaRPr lang="es-CO"/>
           </a:p>
@@ -9121,7 +7997,7 @@
           <a:p>
             <a:fld id="{9CF7635E-2D71-42E7-9E6C-FBB85A15A85F}" type="datetimeFigureOut">
               <a:rPr lang="es-CO" smtClean="0"/>
-              <a:t>6/08/2024</a:t>
+              <a:t>3/01/2025</a:t>
             </a:fld>
             <a:endParaRPr lang="es-CO"/>
           </a:p>
@@ -9568,7 +8444,7 @@
           <a:p>
             <a:fld id="{9CF7635E-2D71-42E7-9E6C-FBB85A15A85F}" type="datetimeFigureOut">
               <a:rPr lang="es-CO" smtClean="0"/>
-              <a:t>6/08/2024</a:t>
+              <a:t>3/01/2025</a:t>
             </a:fld>
             <a:endParaRPr lang="es-CO"/>
           </a:p>
@@ -9842,7 +8718,7 @@
           <a:p>
             <a:fld id="{9CF7635E-2D71-42E7-9E6C-FBB85A15A85F}" type="datetimeFigureOut">
               <a:rPr lang="es-CO" smtClean="0"/>
-              <a:t>6/08/2024</a:t>
+              <a:t>3/01/2025</a:t>
             </a:fld>
             <a:endParaRPr lang="es-CO"/>
           </a:p>
@@ -10263,7 +9139,7 @@
           <a:p>
             <a:fld id="{9CF7635E-2D71-42E7-9E6C-FBB85A15A85F}" type="datetimeFigureOut">
               <a:rPr lang="es-CO" smtClean="0"/>
-              <a:t>6/08/2024</a:t>
+              <a:t>3/01/2025</a:t>
             </a:fld>
             <a:endParaRPr lang="es-CO"/>
           </a:p>
@@ -10411,7 +9287,7 @@
           <a:p>
             <a:fld id="{9CF7635E-2D71-42E7-9E6C-FBB85A15A85F}" type="datetimeFigureOut">
               <a:rPr lang="es-CO" smtClean="0"/>
-              <a:t>6/08/2024</a:t>
+              <a:t>3/01/2025</a:t>
             </a:fld>
             <a:endParaRPr lang="es-CO"/>
           </a:p>
@@ -10530,7 +9406,7 @@
           <a:p>
             <a:fld id="{9CF7635E-2D71-42E7-9E6C-FBB85A15A85F}" type="datetimeFigureOut">
               <a:rPr lang="es-CO" smtClean="0"/>
-              <a:t>6/08/2024</a:t>
+              <a:t>3/01/2025</a:t>
             </a:fld>
             <a:endParaRPr lang="es-CO"/>
           </a:p>
@@ -10849,7 +9725,7 @@
           <a:p>
             <a:fld id="{9CF7635E-2D71-42E7-9E6C-FBB85A15A85F}" type="datetimeFigureOut">
               <a:rPr lang="es-CO" smtClean="0"/>
-              <a:t>6/08/2024</a:t>
+              <a:t>3/01/2025</a:t>
             </a:fld>
             <a:endParaRPr lang="es-CO"/>
           </a:p>
@@ -11144,7 +10020,7 @@
           <a:p>
             <a:fld id="{9CF7635E-2D71-42E7-9E6C-FBB85A15A85F}" type="datetimeFigureOut">
               <a:rPr lang="es-CO" smtClean="0"/>
-              <a:t>6/08/2024</a:t>
+              <a:t>3/01/2025</a:t>
             </a:fld>
             <a:endParaRPr lang="es-CO"/>
           </a:p>
@@ -11393,7 +10269,7 @@
           <a:p>
             <a:fld id="{9CF7635E-2D71-42E7-9E6C-FBB85A15A85F}" type="datetimeFigureOut">
               <a:rPr lang="es-CO" smtClean="0"/>
-              <a:t>6/08/2024</a:t>
+              <a:t>3/01/2025</a:t>
             </a:fld>
             <a:endParaRPr lang="es-CO"/>
           </a:p>
@@ -13936,7 +12812,7 @@
         <p:spPr bwMode="auto">
           <a:xfrm>
             <a:off x="795338" y="44758"/>
-            <a:ext cx="2483768" cy="794720"/>
+            <a:ext cx="2048470" cy="655440"/>
           </a:xfrm>
           <a:prstGeom prst="rect">
             <a:avLst/>
@@ -13969,8 +12845,8 @@
         </p:nvSpPr>
         <p:spPr bwMode="auto">
           <a:xfrm>
-            <a:off x="4464453" y="6431465"/>
-            <a:ext cx="4010025" cy="461665"/>
+            <a:off x="4540642" y="6188199"/>
+            <a:ext cx="4010025" cy="523220"/>
           </a:xfrm>
           <a:prstGeom prst="rect">
             <a:avLst/>
@@ -14153,7 +13029,11 @@
             </a:pPr>
             <a:r>
               <a:rPr lang="es-CO" altLang="es-CO" sz="1200" dirty="0"/>
-              <a:t> Martes:       18:10 - 20:00</a:t>
+              <a:t> </a:t>
+            </a:r>
+            <a:r>
+              <a:rPr lang="es-CO" altLang="es-CO" sz="1400" dirty="0"/>
+              <a:t>Martes:       18:10 - 20:00</a:t>
             </a:r>
           </a:p>
           <a:p>
@@ -14165,7 +13045,7 @@
               <a:buNone/>
             </a:pPr>
             <a:r>
-              <a:rPr lang="es-CO" altLang="es-CO" sz="1200" dirty="0"/>
+              <a:rPr lang="es-CO" altLang="es-CO" sz="1400" dirty="0"/>
               <a:t> Martes:      20:20 – 21:30</a:t>
             </a:r>
           </a:p>
@@ -14413,14 +13293,14 @@
           <p:nvPr>
             <p:extLst>
               <p:ext uri="{D42A27DB-BD31-4B8C-83A1-F6EECF244321}">
-                <p14:modId xmlns:p14="http://schemas.microsoft.com/office/powerpoint/2010/main" val="1373577091"/>
+                <p14:modId xmlns:p14="http://schemas.microsoft.com/office/powerpoint/2010/main" val="992405557"/>
               </p:ext>
             </p:extLst>
           </p:nvPr>
         </p:nvGraphicFramePr>
         <p:xfrm>
           <a:off x="863588" y="670925"/>
-          <a:ext cx="7416824" cy="5753068"/>
+          <a:ext cx="7416824" cy="5483937"/>
         </p:xfrm>
         <a:graphic>
           <a:graphicData uri="http://schemas.openxmlformats.org/drawingml/2006/table">
@@ -14590,7 +13470,7 @@
                       <a:pPr algn="ctr"/>
                       <a:r>
                         <a:rPr lang="es-CO" sz="1000" dirty="0"/>
-                        <a:t>5 agosto – 10 agosto</a:t>
+                        <a:t>3 febrero – 7 febrero</a:t>
                       </a:r>
                     </a:p>
                   </a:txBody>
@@ -14797,7 +13677,7 @@
                             <a:schemeClr val="tx1"/>
                           </a:solidFill>
                         </a:rPr>
-                        <a:t>12 agosto – 16 agosto</a:t>
+                        <a:t>10 febrero – 14 febrero</a:t>
                       </a:r>
                     </a:p>
                   </a:txBody>
@@ -14958,13 +13838,10 @@
                       <a:r>
                         <a:rPr lang="es-CO" sz="1000" dirty="0">
                           <a:solidFill>
-                            <a:srgbClr val="FF0000"/>
+                            <a:schemeClr val="tx1"/>
                           </a:solidFill>
-                          <a:highlight>
-                            <a:srgbClr val="FFFF00"/>
-                          </a:highlight>
                         </a:rPr>
-                        <a:t>19 agosto –23 agosto</a:t>
+                        <a:t>17 febrero – 21 febrero</a:t>
                       </a:r>
                     </a:p>
                   </a:txBody>
@@ -15128,7 +14005,7 @@
                             <a:schemeClr val="tx1"/>
                           </a:solidFill>
                         </a:rPr>
-                        <a:t>26 agosto – 30 agosto</a:t>
+                        <a:t>24 febrero – 28 febrero</a:t>
                       </a:r>
                     </a:p>
                   </a:txBody>
@@ -15295,7 +14172,7 @@
                       <a:pPr algn="ctr"/>
                       <a:r>
                         <a:rPr lang="es-CO" sz="1000" dirty="0"/>
-                        <a:t>2 septiembre – 6 septiembre</a:t>
+                        <a:t>3 marzo – 7 marzo</a:t>
                       </a:r>
                     </a:p>
                   </a:txBody>
@@ -15459,7 +14336,7 @@
                             <a:schemeClr val="tx1"/>
                           </a:solidFill>
                         </a:rPr>
-                        <a:t>9 septiembre – 13 septiembre</a:t>
+                        <a:t>10 marzo – 14 marzo</a:t>
                       </a:r>
                     </a:p>
                   </a:txBody>
@@ -15623,7 +14500,7 @@
                       <a:pPr algn="ctr"/>
                       <a:r>
                         <a:rPr lang="es-CO" sz="1000" dirty="0"/>
-                        <a:t> 18 marzo – 22 marzo</a:t>
+                        <a:t> 17 marzo – 21 marzo</a:t>
                       </a:r>
                     </a:p>
                   </a:txBody>
@@ -15784,10 +14661,13 @@
                       <a:r>
                         <a:rPr lang="es-CO" sz="1000" dirty="0">
                           <a:solidFill>
-                            <a:schemeClr val="tx1"/>
+                            <a:srgbClr val="FF0000"/>
                           </a:solidFill>
+                          <a:highlight>
+                            <a:srgbClr val="FFFF00"/>
+                          </a:highlight>
                         </a:rPr>
-                        <a:t>16 septiembre – 20 septiembre</a:t>
+                        <a:t>24 marzo – 28 marzo</a:t>
                       </a:r>
                     </a:p>
                   </a:txBody>
@@ -15995,7 +14875,7 @@
                             <a:schemeClr val="tx1"/>
                           </a:solidFill>
                         </a:rPr>
-                        <a:t>23 septiembre – 27 septiembre</a:t>
+                        <a:t>31 marzo – 4 abril</a:t>
                       </a:r>
                     </a:p>
                   </a:txBody>
@@ -16161,7 +15041,7 @@
                       <a:pPr algn="ctr"/>
                       <a:r>
                         <a:rPr lang="es-CO" sz="1000" dirty="0"/>
-                        <a:t>30 septiembre – 4 octubre</a:t>
+                        <a:t>7 abril – 11 abril</a:t>
                       </a:r>
                     </a:p>
                   </a:txBody>
@@ -16338,10 +15218,13 @@
                       <a:r>
                         <a:rPr lang="es-CO" sz="1000" dirty="0">
                           <a:solidFill>
-                            <a:schemeClr val="tx1"/>
+                            <a:srgbClr val="FF0000"/>
                           </a:solidFill>
+                          <a:highlight>
+                            <a:srgbClr val="FFFF00"/>
+                          </a:highlight>
                         </a:rPr>
-                        <a:t>7 octubre – 11 octubre</a:t>
+                        <a:t>14 abril – 18 abril</a:t>
                       </a:r>
                     </a:p>
                   </a:txBody>
@@ -16408,7 +15291,7 @@
                       </a:pPr>
                       <a:r>
                         <a:rPr lang="es-CO" sz="1000" dirty="0"/>
-                        <a:t>El controlador PID</a:t>
+                        <a:t>-</a:t>
                       </a:r>
                     </a:p>
                   </a:txBody>
@@ -16518,205 +15401,10 @@
                       <a:r>
                         <a:rPr lang="es-CO" sz="1000" dirty="0">
                           <a:solidFill>
-                            <a:srgbClr val="FF0000"/>
+                            <a:schemeClr val="tx1"/>
                           </a:solidFill>
-                          <a:highlight>
-                            <a:srgbClr val="FFFF00"/>
-                          </a:highlight>
                         </a:rPr>
-                        <a:t>14 octubre – 18 octubre </a:t>
-                      </a:r>
-                    </a:p>
-                  </a:txBody>
-                  <a:tcPr>
-                    <a:lnL w="12700" cap="flat" cmpd="sng" algn="ctr">
-                      <a:solidFill>
-                        <a:schemeClr val="tx1"/>
-                      </a:solidFill>
-                      <a:prstDash val="solid"/>
-                      <a:round/>
-                      <a:headEnd type="none" w="med" len="med"/>
-                      <a:tailEnd type="none" w="med" len="med"/>
-                    </a:lnL>
-                    <a:lnR w="12700" cap="flat" cmpd="sng" algn="ctr">
-                      <a:solidFill>
-                        <a:schemeClr val="tx1"/>
-                      </a:solidFill>
-                      <a:prstDash val="solid"/>
-                      <a:round/>
-                      <a:headEnd type="none" w="med" len="med"/>
-                      <a:tailEnd type="none" w="med" len="med"/>
-                    </a:lnR>
-                    <a:lnT w="12700" cap="flat" cmpd="sng" algn="ctr">
-                      <a:solidFill>
-                        <a:schemeClr val="tx1"/>
-                      </a:solidFill>
-                      <a:prstDash val="solid"/>
-                      <a:round/>
-                      <a:headEnd type="none" w="med" len="med"/>
-                      <a:tailEnd type="none" w="med" len="med"/>
-                    </a:lnT>
-                    <a:lnB w="12700" cap="flat" cmpd="sng" algn="ctr">
-                      <a:solidFill>
-                        <a:schemeClr val="tx1"/>
-                      </a:solidFill>
-                      <a:prstDash val="solid"/>
-                      <a:round/>
-                      <a:headEnd type="none" w="med" len="med"/>
-                      <a:tailEnd type="none" w="med" len="med"/>
-                    </a:lnB>
-                  </a:tcPr>
-                </a:tc>
-                <a:tc>
-                  <a:txBody>
-                    <a:bodyPr/>
-                    <a:lstStyle/>
-                    <a:p>
-                      <a:pPr marL="0" marR="0" lvl="0" indent="0" algn="ctr" defTabSz="685800" rtl="0" eaLnBrk="1" fontAlgn="auto" latinLnBrk="0" hangingPunct="1">
-                        <a:lnSpc>
-                          <a:spcPct val="100000"/>
-                        </a:lnSpc>
-                        <a:spcBef>
-                          <a:spcPts val="0"/>
-                        </a:spcBef>
-                        <a:spcAft>
-                          <a:spcPts val="0"/>
-                        </a:spcAft>
-                        <a:buClrTx/>
-                        <a:buSzTx/>
-                        <a:buFontTx/>
-                        <a:buNone/>
-                        <a:tabLst/>
-                        <a:defRPr/>
-                      </a:pPr>
-                      <a:r>
-                        <a:rPr lang="es-CO" sz="1000" dirty="0"/>
-                        <a:t>Diseño basado en LGR</a:t>
-                      </a:r>
-                    </a:p>
-                  </a:txBody>
-                  <a:tcPr>
-                    <a:lnL w="12700" cap="flat" cmpd="sng" algn="ctr">
-                      <a:solidFill>
-                        <a:schemeClr val="tx1"/>
-                      </a:solidFill>
-                      <a:prstDash val="solid"/>
-                      <a:round/>
-                      <a:headEnd type="none" w="med" len="med"/>
-                      <a:tailEnd type="none" w="med" len="med"/>
-                    </a:lnL>
-                    <a:lnR w="12700" cap="flat" cmpd="sng" algn="ctr">
-                      <a:solidFill>
-                        <a:schemeClr val="tx1"/>
-                      </a:solidFill>
-                      <a:prstDash val="solid"/>
-                      <a:round/>
-                      <a:headEnd type="none" w="med" len="med"/>
-                      <a:tailEnd type="none" w="med" len="med"/>
-                    </a:lnR>
-                    <a:lnT w="12700" cap="flat" cmpd="sng" algn="ctr">
-                      <a:solidFill>
-                        <a:schemeClr val="tx1"/>
-                      </a:solidFill>
-                      <a:prstDash val="solid"/>
-                      <a:round/>
-                      <a:headEnd type="none" w="med" len="med"/>
-                      <a:tailEnd type="none" w="med" len="med"/>
-                    </a:lnT>
-                    <a:lnB w="12700" cap="flat" cmpd="sng" algn="ctr">
-                      <a:solidFill>
-                        <a:schemeClr val="tx1"/>
-                      </a:solidFill>
-                      <a:prstDash val="solid"/>
-                      <a:round/>
-                      <a:headEnd type="none" w="med" len="med"/>
-                      <a:tailEnd type="none" w="med" len="med"/>
-                    </a:lnB>
-                  </a:tcPr>
-                </a:tc>
-                <a:extLst>
-                  <a:ext uri="{0D108BD9-81ED-4DB2-BD59-A6C34878D82A}">
-                    <a16:rowId xmlns:a16="http://schemas.microsoft.com/office/drawing/2014/main" val="534397848"/>
-                  </a:ext>
-                </a:extLst>
-              </a:tr>
-              <a:tr h="269131">
-                <a:tc>
-                  <a:txBody>
-                    <a:bodyPr/>
-                    <a:lstStyle/>
-                    <a:p>
-                      <a:pPr algn="ctr"/>
-                      <a:r>
-                        <a:rPr lang="es-CO" sz="1000" dirty="0"/>
-                        <a:t>13</a:t>
-                      </a:r>
-                    </a:p>
-                  </a:txBody>
-                  <a:tcPr>
-                    <a:lnL w="12700" cap="flat" cmpd="sng" algn="ctr">
-                      <a:solidFill>
-                        <a:schemeClr val="tx1"/>
-                      </a:solidFill>
-                      <a:prstDash val="solid"/>
-                      <a:round/>
-                      <a:headEnd type="none" w="med" len="med"/>
-                      <a:tailEnd type="none" w="med" len="med"/>
-                    </a:lnL>
-                    <a:lnR w="12700" cap="flat" cmpd="sng" algn="ctr">
-                      <a:solidFill>
-                        <a:schemeClr val="tx1"/>
-                      </a:solidFill>
-                      <a:prstDash val="solid"/>
-                      <a:round/>
-                      <a:headEnd type="none" w="med" len="med"/>
-                      <a:tailEnd type="none" w="med" len="med"/>
-                    </a:lnR>
-                    <a:lnT w="12700" cap="flat" cmpd="sng" algn="ctr">
-                      <a:solidFill>
-                        <a:schemeClr val="tx1"/>
-                      </a:solidFill>
-                      <a:prstDash val="solid"/>
-                      <a:round/>
-                      <a:headEnd type="none" w="med" len="med"/>
-                      <a:tailEnd type="none" w="med" len="med"/>
-                    </a:lnT>
-                    <a:lnB w="12700" cap="flat" cmpd="sng" algn="ctr">
-                      <a:solidFill>
-                        <a:schemeClr val="tx1"/>
-                      </a:solidFill>
-                      <a:prstDash val="solid"/>
-                      <a:round/>
-                      <a:headEnd type="none" w="med" len="med"/>
-                      <a:tailEnd type="none" w="med" len="med"/>
-                    </a:lnB>
-                  </a:tcPr>
-                </a:tc>
-                <a:tc>
-                  <a:txBody>
-                    <a:bodyPr/>
-                    <a:lstStyle/>
-                    <a:p>
-                      <a:pPr marL="0" marR="0" lvl="0" indent="0" algn="ctr" defTabSz="914400" rtl="0" eaLnBrk="1" fontAlgn="auto" latinLnBrk="0" hangingPunct="1">
-                        <a:lnSpc>
-                          <a:spcPct val="100000"/>
-                        </a:lnSpc>
-                        <a:spcBef>
-                          <a:spcPts val="0"/>
-                        </a:spcBef>
-                        <a:spcAft>
-                          <a:spcPts val="0"/>
-                        </a:spcAft>
-                        <a:buClrTx/>
-                        <a:buSzTx/>
-                        <a:buFontTx/>
-                        <a:buNone/>
-                        <a:tabLst/>
-                        <a:defRPr/>
-                      </a:pPr>
-                      <a:r>
-                        <a:rPr lang="es-CO" sz="1000" dirty="0"/>
-                        <a:t>21 octubre – 25 octubre</a:t>
+                        <a:t>21 abril – 25 abril</a:t>
                       </a:r>
                     </a:p>
                   </a:txBody>
@@ -16832,6 +15520,198 @@
                 </a:tc>
                 <a:extLst>
                   <a:ext uri="{0D108BD9-81ED-4DB2-BD59-A6C34878D82A}">
+                    <a16:rowId xmlns:a16="http://schemas.microsoft.com/office/drawing/2014/main" val="534397848"/>
+                  </a:ext>
+                </a:extLst>
+              </a:tr>
+              <a:tr h="269131">
+                <a:tc>
+                  <a:txBody>
+                    <a:bodyPr/>
+                    <a:lstStyle/>
+                    <a:p>
+                      <a:pPr algn="ctr"/>
+                      <a:r>
+                        <a:rPr lang="es-CO" sz="1000" dirty="0"/>
+                        <a:t>13</a:t>
+                      </a:r>
+                    </a:p>
+                  </a:txBody>
+                  <a:tcPr>
+                    <a:lnL w="12700" cap="flat" cmpd="sng" algn="ctr">
+                      <a:solidFill>
+                        <a:schemeClr val="tx1"/>
+                      </a:solidFill>
+                      <a:prstDash val="solid"/>
+                      <a:round/>
+                      <a:headEnd type="none" w="med" len="med"/>
+                      <a:tailEnd type="none" w="med" len="med"/>
+                    </a:lnL>
+                    <a:lnR w="12700" cap="flat" cmpd="sng" algn="ctr">
+                      <a:solidFill>
+                        <a:schemeClr val="tx1"/>
+                      </a:solidFill>
+                      <a:prstDash val="solid"/>
+                      <a:round/>
+                      <a:headEnd type="none" w="med" len="med"/>
+                      <a:tailEnd type="none" w="med" len="med"/>
+                    </a:lnR>
+                    <a:lnT w="12700" cap="flat" cmpd="sng" algn="ctr">
+                      <a:solidFill>
+                        <a:schemeClr val="tx1"/>
+                      </a:solidFill>
+                      <a:prstDash val="solid"/>
+                      <a:round/>
+                      <a:headEnd type="none" w="med" len="med"/>
+                      <a:tailEnd type="none" w="med" len="med"/>
+                    </a:lnT>
+                    <a:lnB w="12700" cap="flat" cmpd="sng" algn="ctr">
+                      <a:solidFill>
+                        <a:schemeClr val="tx1"/>
+                      </a:solidFill>
+                      <a:prstDash val="solid"/>
+                      <a:round/>
+                      <a:headEnd type="none" w="med" len="med"/>
+                      <a:tailEnd type="none" w="med" len="med"/>
+                    </a:lnB>
+                  </a:tcPr>
+                </a:tc>
+                <a:tc>
+                  <a:txBody>
+                    <a:bodyPr/>
+                    <a:lstStyle/>
+                    <a:p>
+                      <a:pPr marL="0" marR="0" lvl="0" indent="0" algn="ctr" defTabSz="914400" rtl="0" eaLnBrk="1" fontAlgn="auto" latinLnBrk="0" hangingPunct="1">
+                        <a:lnSpc>
+                          <a:spcPct val="100000"/>
+                        </a:lnSpc>
+                        <a:spcBef>
+                          <a:spcPts val="0"/>
+                        </a:spcBef>
+                        <a:spcAft>
+                          <a:spcPts val="0"/>
+                        </a:spcAft>
+                        <a:buClrTx/>
+                        <a:buSzTx/>
+                        <a:buFontTx/>
+                        <a:buNone/>
+                        <a:tabLst/>
+                        <a:defRPr/>
+                      </a:pPr>
+                      <a:r>
+                        <a:rPr lang="es-CO" sz="1000" dirty="0"/>
+                        <a:t>28 abril – 2 mayo</a:t>
+                      </a:r>
+                    </a:p>
+                  </a:txBody>
+                  <a:tcPr>
+                    <a:lnL w="12700" cap="flat" cmpd="sng" algn="ctr">
+                      <a:solidFill>
+                        <a:schemeClr val="tx1"/>
+                      </a:solidFill>
+                      <a:prstDash val="solid"/>
+                      <a:round/>
+                      <a:headEnd type="none" w="med" len="med"/>
+                      <a:tailEnd type="none" w="med" len="med"/>
+                    </a:lnL>
+                    <a:lnR w="12700" cap="flat" cmpd="sng" algn="ctr">
+                      <a:solidFill>
+                        <a:schemeClr val="tx1"/>
+                      </a:solidFill>
+                      <a:prstDash val="solid"/>
+                      <a:round/>
+                      <a:headEnd type="none" w="med" len="med"/>
+                      <a:tailEnd type="none" w="med" len="med"/>
+                    </a:lnR>
+                    <a:lnT w="12700" cap="flat" cmpd="sng" algn="ctr">
+                      <a:solidFill>
+                        <a:schemeClr val="tx1"/>
+                      </a:solidFill>
+                      <a:prstDash val="solid"/>
+                      <a:round/>
+                      <a:headEnd type="none" w="med" len="med"/>
+                      <a:tailEnd type="none" w="med" len="med"/>
+                    </a:lnT>
+                    <a:lnB w="12700" cap="flat" cmpd="sng" algn="ctr">
+                      <a:solidFill>
+                        <a:schemeClr val="tx1"/>
+                      </a:solidFill>
+                      <a:prstDash val="solid"/>
+                      <a:round/>
+                      <a:headEnd type="none" w="med" len="med"/>
+                      <a:tailEnd type="none" w="med" len="med"/>
+                    </a:lnB>
+                  </a:tcPr>
+                </a:tc>
+                <a:tc>
+                  <a:txBody>
+                    <a:bodyPr/>
+                    <a:lstStyle/>
+                    <a:p>
+                      <a:pPr marL="0" marR="0" lvl="0" indent="0" algn="ctr" defTabSz="685800" rtl="0" eaLnBrk="1" fontAlgn="auto" latinLnBrk="0" hangingPunct="1">
+                        <a:lnSpc>
+                          <a:spcPct val="100000"/>
+                        </a:lnSpc>
+                        <a:spcBef>
+                          <a:spcPts val="0"/>
+                        </a:spcBef>
+                        <a:spcAft>
+                          <a:spcPts val="0"/>
+                        </a:spcAft>
+                        <a:buClrTx/>
+                        <a:buSzTx/>
+                        <a:buFontTx/>
+                        <a:buNone/>
+                        <a:tabLst/>
+                        <a:defRPr/>
+                      </a:pPr>
+                      <a:r>
+                        <a:rPr lang="es-CO" sz="1000" dirty="0"/>
+                        <a:t>El controlador PID</a:t>
+                      </a:r>
+                    </a:p>
+                  </a:txBody>
+                  <a:tcPr>
+                    <a:lnL w="12700" cap="flat" cmpd="sng" algn="ctr">
+                      <a:solidFill>
+                        <a:schemeClr val="tx1"/>
+                      </a:solidFill>
+                      <a:prstDash val="solid"/>
+                      <a:round/>
+                      <a:headEnd type="none" w="med" len="med"/>
+                      <a:tailEnd type="none" w="med" len="med"/>
+                    </a:lnL>
+                    <a:lnR w="12700" cap="flat" cmpd="sng" algn="ctr">
+                      <a:solidFill>
+                        <a:schemeClr val="tx1"/>
+                      </a:solidFill>
+                      <a:prstDash val="solid"/>
+                      <a:round/>
+                      <a:headEnd type="none" w="med" len="med"/>
+                      <a:tailEnd type="none" w="med" len="med"/>
+                    </a:lnR>
+                    <a:lnT w="12700" cap="flat" cmpd="sng" algn="ctr">
+                      <a:solidFill>
+                        <a:schemeClr val="tx1"/>
+                      </a:solidFill>
+                      <a:prstDash val="solid"/>
+                      <a:round/>
+                      <a:headEnd type="none" w="med" len="med"/>
+                      <a:tailEnd type="none" w="med" len="med"/>
+                    </a:lnT>
+                    <a:lnB w="12700" cap="flat" cmpd="sng" algn="ctr">
+                      <a:solidFill>
+                        <a:schemeClr val="tx1"/>
+                      </a:solidFill>
+                      <a:prstDash val="solid"/>
+                      <a:round/>
+                      <a:headEnd type="none" w="med" len="med"/>
+                      <a:tailEnd type="none" w="med" len="med"/>
+                    </a:lnB>
+                  </a:tcPr>
+                </a:tc>
+                <a:extLst>
+                  <a:ext uri="{0D108BD9-81ED-4DB2-BD59-A6C34878D82A}">
                     <a16:rowId xmlns:a16="http://schemas.microsoft.com/office/drawing/2014/main" val="3127511249"/>
                   </a:ext>
                 </a:extLst>
@@ -16916,7 +15796,204 @@
                             <a:schemeClr val="tx1"/>
                           </a:solidFill>
                         </a:rPr>
-                        <a:t>28 octubre – 1 noviembre</a:t>
+                        <a:t>5 mayo – 9 mayo</a:t>
+                      </a:r>
+                    </a:p>
+                  </a:txBody>
+                  <a:tcPr>
+                    <a:lnL w="12700" cap="flat" cmpd="sng" algn="ctr">
+                      <a:solidFill>
+                        <a:schemeClr val="tx1"/>
+                      </a:solidFill>
+                      <a:prstDash val="solid"/>
+                      <a:round/>
+                      <a:headEnd type="none" w="med" len="med"/>
+                      <a:tailEnd type="none" w="med" len="med"/>
+                    </a:lnL>
+                    <a:lnR w="12700" cap="flat" cmpd="sng" algn="ctr">
+                      <a:solidFill>
+                        <a:schemeClr val="tx1"/>
+                      </a:solidFill>
+                      <a:prstDash val="solid"/>
+                      <a:round/>
+                      <a:headEnd type="none" w="med" len="med"/>
+                      <a:tailEnd type="none" w="med" len="med"/>
+                    </a:lnR>
+                    <a:lnT w="12700" cap="flat" cmpd="sng" algn="ctr">
+                      <a:solidFill>
+                        <a:schemeClr val="tx1"/>
+                      </a:solidFill>
+                      <a:prstDash val="solid"/>
+                      <a:round/>
+                      <a:headEnd type="none" w="med" len="med"/>
+                      <a:tailEnd type="none" w="med" len="med"/>
+                    </a:lnT>
+                    <a:lnB w="12700" cap="flat" cmpd="sng" algn="ctr">
+                      <a:solidFill>
+                        <a:schemeClr val="tx1"/>
+                      </a:solidFill>
+                      <a:prstDash val="solid"/>
+                      <a:round/>
+                      <a:headEnd type="none" w="med" len="med"/>
+                      <a:tailEnd type="none" w="med" len="med"/>
+                    </a:lnB>
+                  </a:tcPr>
+                </a:tc>
+                <a:tc>
+                  <a:txBody>
+                    <a:bodyPr/>
+                    <a:lstStyle/>
+                    <a:p>
+                      <a:pPr marL="0" marR="0" lvl="0" indent="0" algn="ctr" defTabSz="685800" rtl="0" eaLnBrk="1" fontAlgn="auto" latinLnBrk="0" hangingPunct="1">
+                        <a:lnSpc>
+                          <a:spcPct val="100000"/>
+                        </a:lnSpc>
+                        <a:spcBef>
+                          <a:spcPts val="0"/>
+                        </a:spcBef>
+                        <a:spcAft>
+                          <a:spcPts val="0"/>
+                        </a:spcAft>
+                        <a:buClrTx/>
+                        <a:buSzTx/>
+                        <a:buFontTx/>
+                        <a:buNone/>
+                        <a:tabLst/>
+                        <a:defRPr/>
+                      </a:pPr>
+                      <a:r>
+                        <a:rPr lang="es-CO" sz="1000" dirty="0"/>
+                        <a:t>Diseño basado en LGR</a:t>
+                      </a:r>
+                    </a:p>
+                  </a:txBody>
+                  <a:tcPr>
+                    <a:lnL w="12700" cap="flat" cmpd="sng" algn="ctr">
+                      <a:solidFill>
+                        <a:schemeClr val="tx1"/>
+                      </a:solidFill>
+                      <a:prstDash val="solid"/>
+                      <a:round/>
+                      <a:headEnd type="none" w="med" len="med"/>
+                      <a:tailEnd type="none" w="med" len="med"/>
+                    </a:lnL>
+                    <a:lnR w="12700" cap="flat" cmpd="sng" algn="ctr">
+                      <a:solidFill>
+                        <a:schemeClr val="tx1"/>
+                      </a:solidFill>
+                      <a:prstDash val="solid"/>
+                      <a:round/>
+                      <a:headEnd type="none" w="med" len="med"/>
+                      <a:tailEnd type="none" w="med" len="med"/>
+                    </a:lnR>
+                    <a:lnT w="12700" cap="flat" cmpd="sng" algn="ctr">
+                      <a:solidFill>
+                        <a:schemeClr val="tx1"/>
+                      </a:solidFill>
+                      <a:prstDash val="solid"/>
+                      <a:round/>
+                      <a:headEnd type="none" w="med" len="med"/>
+                      <a:tailEnd type="none" w="med" len="med"/>
+                    </a:lnT>
+                    <a:lnB w="12700" cap="flat" cmpd="sng" algn="ctr">
+                      <a:solidFill>
+                        <a:schemeClr val="tx1"/>
+                      </a:solidFill>
+                      <a:prstDash val="solid"/>
+                      <a:round/>
+                      <a:headEnd type="none" w="med" len="med"/>
+                      <a:tailEnd type="none" w="med" len="med"/>
+                    </a:lnB>
+                  </a:tcPr>
+                </a:tc>
+                <a:extLst>
+                  <a:ext uri="{0D108BD9-81ED-4DB2-BD59-A6C34878D82A}">
+                    <a16:rowId xmlns:a16="http://schemas.microsoft.com/office/drawing/2014/main" val="1978658262"/>
+                  </a:ext>
+                </a:extLst>
+              </a:tr>
+              <a:tr h="269131">
+                <a:tc>
+                  <a:txBody>
+                    <a:bodyPr/>
+                    <a:lstStyle/>
+                    <a:p>
+                      <a:pPr algn="ctr"/>
+                      <a:r>
+                        <a:rPr lang="es-ES" sz="1000" dirty="0"/>
+                        <a:t>15</a:t>
+                      </a:r>
+                      <a:endParaRPr lang="es-CO" sz="1000" dirty="0"/>
+                    </a:p>
+                  </a:txBody>
+                  <a:tcPr>
+                    <a:lnL w="12700" cap="flat" cmpd="sng" algn="ctr">
+                      <a:solidFill>
+                        <a:schemeClr val="tx1"/>
+                      </a:solidFill>
+                      <a:prstDash val="solid"/>
+                      <a:round/>
+                      <a:headEnd type="none" w="med" len="med"/>
+                      <a:tailEnd type="none" w="med" len="med"/>
+                    </a:lnL>
+                    <a:lnR w="12700" cap="flat" cmpd="sng" algn="ctr">
+                      <a:solidFill>
+                        <a:schemeClr val="tx1"/>
+                      </a:solidFill>
+                      <a:prstDash val="solid"/>
+                      <a:round/>
+                      <a:headEnd type="none" w="med" len="med"/>
+                      <a:tailEnd type="none" w="med" len="med"/>
+                    </a:lnR>
+                    <a:lnT w="12700" cap="flat" cmpd="sng" algn="ctr">
+                      <a:solidFill>
+                        <a:schemeClr val="tx1"/>
+                      </a:solidFill>
+                      <a:prstDash val="solid"/>
+                      <a:round/>
+                      <a:headEnd type="none" w="med" len="med"/>
+                      <a:tailEnd type="none" w="med" len="med"/>
+                    </a:lnT>
+                    <a:lnB w="12700" cap="flat" cmpd="sng" algn="ctr">
+                      <a:solidFill>
+                        <a:schemeClr val="tx1"/>
+                      </a:solidFill>
+                      <a:prstDash val="solid"/>
+                      <a:round/>
+                      <a:headEnd type="none" w="med" len="med"/>
+                      <a:tailEnd type="none" w="med" len="med"/>
+                    </a:lnB>
+                  </a:tcPr>
+                </a:tc>
+                <a:tc>
+                  <a:txBody>
+                    <a:bodyPr/>
+                    <a:lstStyle/>
+                    <a:p>
+                      <a:pPr marL="0" marR="0" lvl="0" indent="0" algn="ctr" defTabSz="914400" rtl="0" eaLnBrk="1" fontAlgn="auto" latinLnBrk="0" hangingPunct="1">
+                        <a:lnSpc>
+                          <a:spcPct val="100000"/>
+                        </a:lnSpc>
+                        <a:spcBef>
+                          <a:spcPts val="0"/>
+                        </a:spcBef>
+                        <a:spcAft>
+                          <a:spcPts val="0"/>
+                        </a:spcAft>
+                        <a:buClrTx/>
+                        <a:buSzTx/>
+                        <a:buFontTx/>
+                        <a:buNone/>
+                        <a:tabLst/>
+                        <a:defRPr/>
+                      </a:pPr>
+                      <a:r>
+                        <a:rPr lang="es-CO" sz="1000" dirty="0">
+                          <a:solidFill>
+                            <a:schemeClr val="tx1"/>
+                          </a:solidFill>
+                        </a:rPr>
+                        <a:t>12 mayo – 16 mayo</a:t>
                       </a:r>
                     </a:p>
                   </a:txBody>
@@ -17028,190 +16105,6 @@
                 </a:tc>
                 <a:extLst>
                   <a:ext uri="{0D108BD9-81ED-4DB2-BD59-A6C34878D82A}">
-                    <a16:rowId xmlns:a16="http://schemas.microsoft.com/office/drawing/2014/main" val="1978658262"/>
-                  </a:ext>
-                </a:extLst>
-              </a:tr>
-              <a:tr h="269131">
-                <a:tc>
-                  <a:txBody>
-                    <a:bodyPr/>
-                    <a:lstStyle/>
-                    <a:p>
-                      <a:pPr algn="ctr"/>
-                      <a:r>
-                        <a:rPr lang="es-ES" sz="1000" dirty="0"/>
-                        <a:t>15</a:t>
-                      </a:r>
-                      <a:endParaRPr lang="es-CO" sz="1000" dirty="0"/>
-                    </a:p>
-                  </a:txBody>
-                  <a:tcPr>
-                    <a:lnL w="12700" cap="flat" cmpd="sng" algn="ctr">
-                      <a:solidFill>
-                        <a:schemeClr val="tx1"/>
-                      </a:solidFill>
-                      <a:prstDash val="solid"/>
-                      <a:round/>
-                      <a:headEnd type="none" w="med" len="med"/>
-                      <a:tailEnd type="none" w="med" len="med"/>
-                    </a:lnL>
-                    <a:lnR w="12700" cap="flat" cmpd="sng" algn="ctr">
-                      <a:solidFill>
-                        <a:schemeClr val="tx1"/>
-                      </a:solidFill>
-                      <a:prstDash val="solid"/>
-                      <a:round/>
-                      <a:headEnd type="none" w="med" len="med"/>
-                      <a:tailEnd type="none" w="med" len="med"/>
-                    </a:lnR>
-                    <a:lnT w="12700" cap="flat" cmpd="sng" algn="ctr">
-                      <a:solidFill>
-                        <a:schemeClr val="tx1"/>
-                      </a:solidFill>
-                      <a:prstDash val="solid"/>
-                      <a:round/>
-                      <a:headEnd type="none" w="med" len="med"/>
-                      <a:tailEnd type="none" w="med" len="med"/>
-                    </a:lnT>
-                    <a:lnB w="12700" cap="flat" cmpd="sng" algn="ctr">
-                      <a:solidFill>
-                        <a:schemeClr val="tx1"/>
-                      </a:solidFill>
-                      <a:prstDash val="solid"/>
-                      <a:round/>
-                      <a:headEnd type="none" w="med" len="med"/>
-                      <a:tailEnd type="none" w="med" len="med"/>
-                    </a:lnB>
-                  </a:tcPr>
-                </a:tc>
-                <a:tc>
-                  <a:txBody>
-                    <a:bodyPr/>
-                    <a:lstStyle/>
-                    <a:p>
-                      <a:pPr marL="0" marR="0" lvl="0" indent="0" algn="ctr" defTabSz="914400" rtl="0" eaLnBrk="1" fontAlgn="auto" latinLnBrk="0" hangingPunct="1">
-                        <a:lnSpc>
-                          <a:spcPct val="100000"/>
-                        </a:lnSpc>
-                        <a:spcBef>
-                          <a:spcPts val="0"/>
-                        </a:spcBef>
-                        <a:spcAft>
-                          <a:spcPts val="0"/>
-                        </a:spcAft>
-                        <a:buClrTx/>
-                        <a:buSzTx/>
-                        <a:buFontTx/>
-                        <a:buNone/>
-                        <a:tabLst/>
-                        <a:defRPr/>
-                      </a:pPr>
-                      <a:r>
-                        <a:rPr lang="es-CO" sz="1000" dirty="0">
-                          <a:solidFill>
-                            <a:srgbClr val="FF0000"/>
-                          </a:solidFill>
-                          <a:highlight>
-                            <a:srgbClr val="FFFF00"/>
-                          </a:highlight>
-                        </a:rPr>
-                        <a:t>4 noviembre – 11 noviembre</a:t>
-                      </a:r>
-                    </a:p>
-                  </a:txBody>
-                  <a:tcPr>
-                    <a:lnL w="12700" cap="flat" cmpd="sng" algn="ctr">
-                      <a:solidFill>
-                        <a:schemeClr val="tx1"/>
-                      </a:solidFill>
-                      <a:prstDash val="solid"/>
-                      <a:round/>
-                      <a:headEnd type="none" w="med" len="med"/>
-                      <a:tailEnd type="none" w="med" len="med"/>
-                    </a:lnL>
-                    <a:lnR w="12700" cap="flat" cmpd="sng" algn="ctr">
-                      <a:solidFill>
-                        <a:schemeClr val="tx1"/>
-                      </a:solidFill>
-                      <a:prstDash val="solid"/>
-                      <a:round/>
-                      <a:headEnd type="none" w="med" len="med"/>
-                      <a:tailEnd type="none" w="med" len="med"/>
-                    </a:lnR>
-                    <a:lnT w="12700" cap="flat" cmpd="sng" algn="ctr">
-                      <a:solidFill>
-                        <a:schemeClr val="tx1"/>
-                      </a:solidFill>
-                      <a:prstDash val="solid"/>
-                      <a:round/>
-                      <a:headEnd type="none" w="med" len="med"/>
-                      <a:tailEnd type="none" w="med" len="med"/>
-                    </a:lnT>
-                    <a:lnB w="12700" cap="flat" cmpd="sng" algn="ctr">
-                      <a:solidFill>
-                        <a:schemeClr val="tx1"/>
-                      </a:solidFill>
-                      <a:prstDash val="solid"/>
-                      <a:round/>
-                      <a:headEnd type="none" w="med" len="med"/>
-                      <a:tailEnd type="none" w="med" len="med"/>
-                    </a:lnB>
-                  </a:tcPr>
-                </a:tc>
-                <a:tc>
-                  <a:txBody>
-                    <a:bodyPr/>
-                    <a:lstStyle/>
-                    <a:p>
-                      <a:pPr algn="ctr"/>
-                      <a:r>
-                        <a:rPr lang="es-CO" sz="1000" dirty="0"/>
-                        <a:t>-</a:t>
-                      </a:r>
-                    </a:p>
-                  </a:txBody>
-                  <a:tcPr>
-                    <a:lnL w="12700" cap="flat" cmpd="sng" algn="ctr">
-                      <a:solidFill>
-                        <a:schemeClr val="tx1"/>
-                      </a:solidFill>
-                      <a:prstDash val="solid"/>
-                      <a:round/>
-                      <a:headEnd type="none" w="med" len="med"/>
-                      <a:tailEnd type="none" w="med" len="med"/>
-                    </a:lnL>
-                    <a:lnR w="12700" cap="flat" cmpd="sng" algn="ctr">
-                      <a:solidFill>
-                        <a:schemeClr val="tx1"/>
-                      </a:solidFill>
-                      <a:prstDash val="solid"/>
-                      <a:round/>
-                      <a:headEnd type="none" w="med" len="med"/>
-                      <a:tailEnd type="none" w="med" len="med"/>
-                    </a:lnR>
-                    <a:lnT w="12700" cap="flat" cmpd="sng" algn="ctr">
-                      <a:solidFill>
-                        <a:schemeClr val="tx1"/>
-                      </a:solidFill>
-                      <a:prstDash val="solid"/>
-                      <a:round/>
-                      <a:headEnd type="none" w="med" len="med"/>
-                      <a:tailEnd type="none" w="med" len="med"/>
-                    </a:lnT>
-                    <a:lnB w="12700" cap="flat" cmpd="sng" algn="ctr">
-                      <a:solidFill>
-                        <a:schemeClr val="tx1"/>
-                      </a:solidFill>
-                      <a:prstDash val="solid"/>
-                      <a:round/>
-                      <a:headEnd type="none" w="med" len="med"/>
-                      <a:tailEnd type="none" w="med" len="med"/>
-                    </a:lnB>
-                  </a:tcPr>
-                </a:tc>
-                <a:extLst>
-                  <a:ext uri="{0D108BD9-81ED-4DB2-BD59-A6C34878D82A}">
                     <a16:rowId xmlns:a16="http://schemas.microsoft.com/office/drawing/2014/main" val="1088546271"/>
                   </a:ext>
                 </a:extLst>
@@ -17278,363 +16171,10 @@
                       <a:r>
                         <a:rPr lang="es-CO" sz="1000" dirty="0">
                           <a:solidFill>
-                            <a:srgbClr val="FF0000"/>
-                          </a:solidFill>
-                          <a:highlight>
-                            <a:srgbClr val="FFFF00"/>
-                          </a:highlight>
-                        </a:rPr>
-                        <a:t>11 noviembre – 15 noviembre </a:t>
-                      </a:r>
-                    </a:p>
-                  </a:txBody>
-                  <a:tcPr>
-                    <a:lnL w="12700" cap="flat" cmpd="sng" algn="ctr">
-                      <a:solidFill>
-                        <a:schemeClr val="tx1"/>
-                      </a:solidFill>
-                      <a:prstDash val="solid"/>
-                      <a:round/>
-                      <a:headEnd type="none" w="med" len="med"/>
-                      <a:tailEnd type="none" w="med" len="med"/>
-                    </a:lnL>
-                    <a:lnR w="12700" cap="flat" cmpd="sng" algn="ctr">
-                      <a:solidFill>
-                        <a:schemeClr val="tx1"/>
-                      </a:solidFill>
-                      <a:prstDash val="solid"/>
-                      <a:round/>
-                      <a:headEnd type="none" w="med" len="med"/>
-                      <a:tailEnd type="none" w="med" len="med"/>
-                    </a:lnR>
-                    <a:lnT w="12700" cap="flat" cmpd="sng" algn="ctr">
-                      <a:solidFill>
-                        <a:schemeClr val="tx1"/>
-                      </a:solidFill>
-                      <a:prstDash val="solid"/>
-                      <a:round/>
-                      <a:headEnd type="none" w="med" len="med"/>
-                      <a:tailEnd type="none" w="med" len="med"/>
-                    </a:lnT>
-                    <a:lnB w="12700" cap="flat" cmpd="sng" algn="ctr">
-                      <a:solidFill>
-                        <a:schemeClr val="tx1"/>
-                      </a:solidFill>
-                      <a:prstDash val="solid"/>
-                      <a:round/>
-                      <a:headEnd type="none" w="med" len="med"/>
-                      <a:tailEnd type="none" w="med" len="med"/>
-                    </a:lnB>
-                  </a:tcPr>
-                </a:tc>
-                <a:tc>
-                  <a:txBody>
-                    <a:bodyPr/>
-                    <a:lstStyle/>
-                    <a:p>
-                      <a:pPr marL="0" marR="0" lvl="0" indent="0" algn="ctr" defTabSz="685800" rtl="0" eaLnBrk="1" fontAlgn="auto" latinLnBrk="0" hangingPunct="1">
-                        <a:lnSpc>
-                          <a:spcPct val="100000"/>
-                        </a:lnSpc>
-                        <a:spcBef>
-                          <a:spcPts val="0"/>
-                        </a:spcBef>
-                        <a:spcAft>
-                          <a:spcPts val="0"/>
-                        </a:spcAft>
-                        <a:buClrTx/>
-                        <a:buSzTx/>
-                        <a:buFontTx/>
-                        <a:buNone/>
-                        <a:tabLst/>
-                        <a:defRPr/>
-                      </a:pPr>
-                      <a:r>
-                        <a:rPr lang="es-CO" sz="1000" b="1" u="sng" dirty="0">
-                          <a:solidFill>
-                            <a:srgbClr val="C00000"/>
-                          </a:solidFill>
-                        </a:rPr>
-                        <a:t>-</a:t>
-                      </a:r>
-                    </a:p>
-                  </a:txBody>
-                  <a:tcPr>
-                    <a:lnL w="12700" cap="flat" cmpd="sng" algn="ctr">
-                      <a:solidFill>
-                        <a:schemeClr val="tx1"/>
-                      </a:solidFill>
-                      <a:prstDash val="solid"/>
-                      <a:round/>
-                      <a:headEnd type="none" w="med" len="med"/>
-                      <a:tailEnd type="none" w="med" len="med"/>
-                    </a:lnL>
-                    <a:lnR w="12700" cap="flat" cmpd="sng" algn="ctr">
-                      <a:solidFill>
-                        <a:schemeClr val="tx1"/>
-                      </a:solidFill>
-                      <a:prstDash val="solid"/>
-                      <a:round/>
-                      <a:headEnd type="none" w="med" len="med"/>
-                      <a:tailEnd type="none" w="med" len="med"/>
-                    </a:lnR>
-                    <a:lnT w="12700" cap="flat" cmpd="sng" algn="ctr">
-                      <a:solidFill>
-                        <a:schemeClr val="tx1"/>
-                      </a:solidFill>
-                      <a:prstDash val="solid"/>
-                      <a:round/>
-                      <a:headEnd type="none" w="med" len="med"/>
-                      <a:tailEnd type="none" w="med" len="med"/>
-                    </a:lnT>
-                    <a:lnB w="12700" cap="flat" cmpd="sng" algn="ctr">
-                      <a:solidFill>
-                        <a:schemeClr val="tx1"/>
-                      </a:solidFill>
-                      <a:prstDash val="solid"/>
-                      <a:round/>
-                      <a:headEnd type="none" w="med" len="med"/>
-                      <a:tailEnd type="none" w="med" len="med"/>
-                    </a:lnB>
-                  </a:tcPr>
-                </a:tc>
-                <a:extLst>
-                  <a:ext uri="{0D108BD9-81ED-4DB2-BD59-A6C34878D82A}">
-                    <a16:rowId xmlns:a16="http://schemas.microsoft.com/office/drawing/2014/main" val="2357030376"/>
-                  </a:ext>
-                </a:extLst>
-              </a:tr>
-              <a:tr h="269131">
-                <a:tc>
-                  <a:txBody>
-                    <a:bodyPr/>
-                    <a:lstStyle/>
-                    <a:p>
-                      <a:pPr algn="ctr"/>
-                      <a:r>
-                        <a:rPr lang="es-ES" sz="1000" dirty="0"/>
-                        <a:t>17</a:t>
-                      </a:r>
-                      <a:endParaRPr lang="es-CO" sz="1000" dirty="0"/>
-                    </a:p>
-                  </a:txBody>
-                  <a:tcPr>
-                    <a:lnL w="12700" cap="flat" cmpd="sng" algn="ctr">
-                      <a:solidFill>
-                        <a:schemeClr val="tx1"/>
-                      </a:solidFill>
-                      <a:prstDash val="solid"/>
-                      <a:round/>
-                      <a:headEnd type="none" w="med" len="med"/>
-                      <a:tailEnd type="none" w="med" len="med"/>
-                    </a:lnL>
-                    <a:lnR w="12700" cap="flat" cmpd="sng" algn="ctr">
-                      <a:solidFill>
-                        <a:schemeClr val="tx1"/>
-                      </a:solidFill>
-                      <a:prstDash val="solid"/>
-                      <a:round/>
-                      <a:headEnd type="none" w="med" len="med"/>
-                      <a:tailEnd type="none" w="med" len="med"/>
-                    </a:lnR>
-                    <a:lnT w="12700" cap="flat" cmpd="sng" algn="ctr">
-                      <a:solidFill>
-                        <a:schemeClr val="tx1"/>
-                      </a:solidFill>
-                      <a:prstDash val="solid"/>
-                      <a:round/>
-                      <a:headEnd type="none" w="med" len="med"/>
-                      <a:tailEnd type="none" w="med" len="med"/>
-                    </a:lnT>
-                    <a:lnB w="12700" cap="flat" cmpd="sng" algn="ctr">
-                      <a:solidFill>
-                        <a:schemeClr val="tx1"/>
-                      </a:solidFill>
-                      <a:prstDash val="solid"/>
-                      <a:round/>
-                      <a:headEnd type="none" w="med" len="med"/>
-                      <a:tailEnd type="none" w="med" len="med"/>
-                    </a:lnB>
-                  </a:tcPr>
-                </a:tc>
-                <a:tc>
-                  <a:txBody>
-                    <a:bodyPr/>
-                    <a:lstStyle/>
-                    <a:p>
-                      <a:pPr algn="ctr"/>
-                      <a:r>
-                        <a:rPr lang="es-CO" sz="1000" dirty="0">
-                          <a:solidFill>
                             <a:schemeClr val="tx1"/>
                           </a:solidFill>
                         </a:rPr>
-                        <a:t>18 noviembre – 22 noviembre</a:t>
-                      </a:r>
-                    </a:p>
-                  </a:txBody>
-                  <a:tcPr>
-                    <a:lnL w="12700" cap="flat" cmpd="sng" algn="ctr">
-                      <a:solidFill>
-                        <a:schemeClr val="tx1"/>
-                      </a:solidFill>
-                      <a:prstDash val="solid"/>
-                      <a:round/>
-                      <a:headEnd type="none" w="med" len="med"/>
-                      <a:tailEnd type="none" w="med" len="med"/>
-                    </a:lnL>
-                    <a:lnR w="12700" cap="flat" cmpd="sng" algn="ctr">
-                      <a:solidFill>
-                        <a:schemeClr val="tx1"/>
-                      </a:solidFill>
-                      <a:prstDash val="solid"/>
-                      <a:round/>
-                      <a:headEnd type="none" w="med" len="med"/>
-                      <a:tailEnd type="none" w="med" len="med"/>
-                    </a:lnR>
-                    <a:lnT w="12700" cap="flat" cmpd="sng" algn="ctr">
-                      <a:solidFill>
-                        <a:schemeClr val="tx1"/>
-                      </a:solidFill>
-                      <a:prstDash val="solid"/>
-                      <a:round/>
-                      <a:headEnd type="none" w="med" len="med"/>
-                      <a:tailEnd type="none" w="med" len="med"/>
-                    </a:lnT>
-                    <a:lnB w="12700" cap="flat" cmpd="sng" algn="ctr">
-                      <a:solidFill>
-                        <a:schemeClr val="tx1"/>
-                      </a:solidFill>
-                      <a:prstDash val="solid"/>
-                      <a:round/>
-                      <a:headEnd type="none" w="med" len="med"/>
-                      <a:tailEnd type="none" w="med" len="med"/>
-                    </a:lnB>
-                  </a:tcPr>
-                </a:tc>
-                <a:tc>
-                  <a:txBody>
-                    <a:bodyPr/>
-                    <a:lstStyle/>
-                    <a:p>
-                      <a:pPr algn="ctr"/>
-                      <a:endParaRPr lang="es-CO" sz="1000" b="1" u="sng" dirty="0">
-                        <a:solidFill>
-                          <a:srgbClr val="C00000"/>
-                        </a:solidFill>
-                      </a:endParaRPr>
-                    </a:p>
-                  </a:txBody>
-                  <a:tcPr>
-                    <a:lnL w="12700" cap="flat" cmpd="sng" algn="ctr">
-                      <a:solidFill>
-                        <a:schemeClr val="tx1"/>
-                      </a:solidFill>
-                      <a:prstDash val="solid"/>
-                      <a:round/>
-                      <a:headEnd type="none" w="med" len="med"/>
-                      <a:tailEnd type="none" w="med" len="med"/>
-                    </a:lnL>
-                    <a:lnR w="12700" cap="flat" cmpd="sng" algn="ctr">
-                      <a:solidFill>
-                        <a:schemeClr val="tx1"/>
-                      </a:solidFill>
-                      <a:prstDash val="solid"/>
-                      <a:round/>
-                      <a:headEnd type="none" w="med" len="med"/>
-                      <a:tailEnd type="none" w="med" len="med"/>
-                    </a:lnR>
-                    <a:lnT w="12700" cap="flat" cmpd="sng" algn="ctr">
-                      <a:solidFill>
-                        <a:schemeClr val="tx1"/>
-                      </a:solidFill>
-                      <a:prstDash val="solid"/>
-                      <a:round/>
-                      <a:headEnd type="none" w="med" len="med"/>
-                      <a:tailEnd type="none" w="med" len="med"/>
-                    </a:lnT>
-                    <a:lnB w="12700" cap="flat" cmpd="sng" algn="ctr">
-                      <a:solidFill>
-                        <a:schemeClr val="tx1"/>
-                      </a:solidFill>
-                      <a:prstDash val="solid"/>
-                      <a:round/>
-                      <a:headEnd type="none" w="med" len="med"/>
-                      <a:tailEnd type="none" w="med" len="med"/>
-                    </a:lnB>
-                  </a:tcPr>
-                </a:tc>
-                <a:extLst>
-                  <a:ext uri="{0D108BD9-81ED-4DB2-BD59-A6C34878D82A}">
-                    <a16:rowId xmlns:a16="http://schemas.microsoft.com/office/drawing/2014/main" val="4092288061"/>
-                  </a:ext>
-                </a:extLst>
-              </a:tr>
-              <a:tr h="269131">
-                <a:tc>
-                  <a:txBody>
-                    <a:bodyPr/>
-                    <a:lstStyle/>
-                    <a:p>
-                      <a:pPr algn="ctr"/>
-                      <a:r>
-                        <a:rPr lang="es-CO" sz="1000" dirty="0"/>
-                        <a:t>18</a:t>
-                      </a:r>
-                    </a:p>
-                  </a:txBody>
-                  <a:tcPr>
-                    <a:lnL w="12700" cap="flat" cmpd="sng" algn="ctr">
-                      <a:solidFill>
-                        <a:schemeClr val="tx1"/>
-                      </a:solidFill>
-                      <a:prstDash val="solid"/>
-                      <a:round/>
-                      <a:headEnd type="none" w="med" len="med"/>
-                      <a:tailEnd type="none" w="med" len="med"/>
-                    </a:lnL>
-                    <a:lnR w="12700" cap="flat" cmpd="sng" algn="ctr">
-                      <a:solidFill>
-                        <a:schemeClr val="tx1"/>
-                      </a:solidFill>
-                      <a:prstDash val="solid"/>
-                      <a:round/>
-                      <a:headEnd type="none" w="med" len="med"/>
-                      <a:tailEnd type="none" w="med" len="med"/>
-                    </a:lnR>
-                    <a:lnT w="12700" cap="flat" cmpd="sng" algn="ctr">
-                      <a:solidFill>
-                        <a:schemeClr val="tx1"/>
-                      </a:solidFill>
-                      <a:prstDash val="solid"/>
-                      <a:round/>
-                      <a:headEnd type="none" w="med" len="med"/>
-                      <a:tailEnd type="none" w="med" len="med"/>
-                    </a:lnT>
-                    <a:lnB w="12700" cap="flat" cmpd="sng" algn="ctr">
-                      <a:solidFill>
-                        <a:schemeClr val="tx1"/>
-                      </a:solidFill>
-                      <a:prstDash val="solid"/>
-                      <a:round/>
-                      <a:headEnd type="none" w="med" len="med"/>
-                      <a:tailEnd type="none" w="med" len="med"/>
-                    </a:lnB>
-                  </a:tcPr>
-                </a:tc>
-                <a:tc>
-                  <a:txBody>
-                    <a:bodyPr/>
-                    <a:lstStyle/>
-                    <a:p>
-                      <a:pPr algn="ctr"/>
-                      <a:r>
-                        <a:rPr lang="es-CO" sz="1000" dirty="0">
-                          <a:solidFill>
-                            <a:schemeClr val="tx1"/>
-                          </a:solidFill>
-                        </a:rPr>
-                        <a:t>25 noviembre – 29 noviembre</a:t>
+                        <a:t>19 mayo – 23 mayo</a:t>
                       </a:r>
                     </a:p>
                   </a:txBody>
@@ -17747,7 +16287,7 @@
                 </a:tc>
                 <a:extLst>
                   <a:ext uri="{0D108BD9-81ED-4DB2-BD59-A6C34878D82A}">
-                    <a16:rowId xmlns:a16="http://schemas.microsoft.com/office/drawing/2014/main" val="747768826"/>
+                    <a16:rowId xmlns:a16="http://schemas.microsoft.com/office/drawing/2014/main" val="2357030376"/>
                   </a:ext>
                 </a:extLst>
               </a:tr>
@@ -17759,9 +16299,10 @@
                     <a:p>
                       <a:pPr algn="ctr"/>
                       <a:r>
-                        <a:rPr lang="es-CO" sz="1000" dirty="0"/>
-                        <a:t>19</a:t>
+                        <a:rPr lang="es-ES" sz="1000" dirty="0"/>
+                        <a:t>17</a:t>
                       </a:r>
+                      <a:endParaRPr lang="es-CO" sz="1000" dirty="0"/>
                     </a:p>
                   </a:txBody>
                   <a:tcPr>
@@ -17815,7 +16356,175 @@
                             <a:schemeClr val="tx1"/>
                           </a:solidFill>
                         </a:rPr>
-                        <a:t>3 diciembre – 7 diciembre</a:t>
+                        <a:t>26 mayo – 30 mayo</a:t>
+                      </a:r>
+                    </a:p>
+                  </a:txBody>
+                  <a:tcPr>
+                    <a:lnL w="12700" cap="flat" cmpd="sng" algn="ctr">
+                      <a:solidFill>
+                        <a:schemeClr val="tx1"/>
+                      </a:solidFill>
+                      <a:prstDash val="solid"/>
+                      <a:round/>
+                      <a:headEnd type="none" w="med" len="med"/>
+                      <a:tailEnd type="none" w="med" len="med"/>
+                    </a:lnL>
+                    <a:lnR w="12700" cap="flat" cmpd="sng" algn="ctr">
+                      <a:solidFill>
+                        <a:schemeClr val="tx1"/>
+                      </a:solidFill>
+                      <a:prstDash val="solid"/>
+                      <a:round/>
+                      <a:headEnd type="none" w="med" len="med"/>
+                      <a:tailEnd type="none" w="med" len="med"/>
+                    </a:lnR>
+                    <a:lnT w="12700" cap="flat" cmpd="sng" algn="ctr">
+                      <a:solidFill>
+                        <a:schemeClr val="tx1"/>
+                      </a:solidFill>
+                      <a:prstDash val="solid"/>
+                      <a:round/>
+                      <a:headEnd type="none" w="med" len="med"/>
+                      <a:tailEnd type="none" w="med" len="med"/>
+                    </a:lnT>
+                    <a:lnB w="12700" cap="flat" cmpd="sng" algn="ctr">
+                      <a:solidFill>
+                        <a:schemeClr val="tx1"/>
+                      </a:solidFill>
+                      <a:prstDash val="solid"/>
+                      <a:round/>
+                      <a:headEnd type="none" w="med" len="med"/>
+                      <a:tailEnd type="none" w="med" len="med"/>
+                    </a:lnB>
+                  </a:tcPr>
+                </a:tc>
+                <a:tc>
+                  <a:txBody>
+                    <a:bodyPr/>
+                    <a:lstStyle/>
+                    <a:p>
+                      <a:pPr algn="ctr"/>
+                      <a:endParaRPr lang="es-CO" sz="1000" b="1" u="sng" dirty="0">
+                        <a:solidFill>
+                          <a:srgbClr val="C00000"/>
+                        </a:solidFill>
+                      </a:endParaRPr>
+                    </a:p>
+                  </a:txBody>
+                  <a:tcPr>
+                    <a:lnL w="12700" cap="flat" cmpd="sng" algn="ctr">
+                      <a:solidFill>
+                        <a:schemeClr val="tx1"/>
+                      </a:solidFill>
+                      <a:prstDash val="solid"/>
+                      <a:round/>
+                      <a:headEnd type="none" w="med" len="med"/>
+                      <a:tailEnd type="none" w="med" len="med"/>
+                    </a:lnL>
+                    <a:lnR w="12700" cap="flat" cmpd="sng" algn="ctr">
+                      <a:solidFill>
+                        <a:schemeClr val="tx1"/>
+                      </a:solidFill>
+                      <a:prstDash val="solid"/>
+                      <a:round/>
+                      <a:headEnd type="none" w="med" len="med"/>
+                      <a:tailEnd type="none" w="med" len="med"/>
+                    </a:lnR>
+                    <a:lnT w="12700" cap="flat" cmpd="sng" algn="ctr">
+                      <a:solidFill>
+                        <a:schemeClr val="tx1"/>
+                      </a:solidFill>
+                      <a:prstDash val="solid"/>
+                      <a:round/>
+                      <a:headEnd type="none" w="med" len="med"/>
+                      <a:tailEnd type="none" w="med" len="med"/>
+                    </a:lnT>
+                    <a:lnB w="12700" cap="flat" cmpd="sng" algn="ctr">
+                      <a:solidFill>
+                        <a:schemeClr val="tx1"/>
+                      </a:solidFill>
+                      <a:prstDash val="solid"/>
+                      <a:round/>
+                      <a:headEnd type="none" w="med" len="med"/>
+                      <a:tailEnd type="none" w="med" len="med"/>
+                    </a:lnB>
+                  </a:tcPr>
+                </a:tc>
+                <a:extLst>
+                  <a:ext uri="{0D108BD9-81ED-4DB2-BD59-A6C34878D82A}">
+                    <a16:rowId xmlns:a16="http://schemas.microsoft.com/office/drawing/2014/main" val="4092288061"/>
+                  </a:ext>
+                </a:extLst>
+              </a:tr>
+              <a:tr h="269131">
+                <a:tc>
+                  <a:txBody>
+                    <a:bodyPr/>
+                    <a:lstStyle/>
+                    <a:p>
+                      <a:pPr algn="ctr"/>
+                      <a:r>
+                        <a:rPr lang="es-CO" sz="1000" dirty="0"/>
+                        <a:t>18</a:t>
+                      </a:r>
+                    </a:p>
+                  </a:txBody>
+                  <a:tcPr>
+                    <a:lnL w="12700" cap="flat" cmpd="sng" algn="ctr">
+                      <a:solidFill>
+                        <a:schemeClr val="tx1"/>
+                      </a:solidFill>
+                      <a:prstDash val="solid"/>
+                      <a:round/>
+                      <a:headEnd type="none" w="med" len="med"/>
+                      <a:tailEnd type="none" w="med" len="med"/>
+                    </a:lnL>
+                    <a:lnR w="12700" cap="flat" cmpd="sng" algn="ctr">
+                      <a:solidFill>
+                        <a:schemeClr val="tx1"/>
+                      </a:solidFill>
+                      <a:prstDash val="solid"/>
+                      <a:round/>
+                      <a:headEnd type="none" w="med" len="med"/>
+                      <a:tailEnd type="none" w="med" len="med"/>
+                    </a:lnR>
+                    <a:lnT w="12700" cap="flat" cmpd="sng" algn="ctr">
+                      <a:solidFill>
+                        <a:schemeClr val="tx1"/>
+                      </a:solidFill>
+                      <a:prstDash val="solid"/>
+                      <a:round/>
+                      <a:headEnd type="none" w="med" len="med"/>
+                      <a:tailEnd type="none" w="med" len="med"/>
+                    </a:lnT>
+                    <a:lnB w="12700" cap="flat" cmpd="sng" algn="ctr">
+                      <a:solidFill>
+                        <a:schemeClr val="tx1"/>
+                      </a:solidFill>
+                      <a:prstDash val="solid"/>
+                      <a:round/>
+                      <a:headEnd type="none" w="med" len="med"/>
+                      <a:tailEnd type="none" w="med" len="med"/>
+                    </a:lnB>
+                  </a:tcPr>
+                </a:tc>
+                <a:tc>
+                  <a:txBody>
+                    <a:bodyPr/>
+                    <a:lstStyle/>
+                    <a:p>
+                      <a:pPr algn="ctr"/>
+                      <a:r>
+                        <a:rPr lang="es-CO" sz="1000" dirty="0">
+                          <a:solidFill>
+                            <a:srgbClr val="FF0000"/>
+                          </a:solidFill>
+                          <a:highlight>
+                            <a:srgbClr val="FFFF00"/>
+                          </a:highlight>
+                        </a:rPr>
+                        <a:t>2 junio – 6 junio </a:t>
                       </a:r>
                     </a:p>
                   </a:txBody>
@@ -17931,7 +16640,7 @@
                 </a:tc>
                 <a:extLst>
                   <a:ext uri="{0D108BD9-81ED-4DB2-BD59-A6C34878D82A}">
-                    <a16:rowId xmlns:a16="http://schemas.microsoft.com/office/drawing/2014/main" val="4128284738"/>
+                    <a16:rowId xmlns:a16="http://schemas.microsoft.com/office/drawing/2014/main" val="747768826"/>
                   </a:ext>
                 </a:extLst>
               </a:tr>
@@ -19864,7 +18573,7 @@
             <a:pPr algn="ctr" eaLnBrk="1" hangingPunct="1"/>
             <a:r>
               <a:rPr lang="es-CO" altLang="es-CO" sz="3600" dirty="0"/>
-              <a:t>13</a:t>
+              <a:t>7</a:t>
             </a:r>
           </a:p>
         </p:txBody>
@@ -21216,6 +19925,14 @@
 </file>
 
 <file path=customXml/item1.xml><?xml version="1.0" encoding="utf-8"?>
+<p:properties xmlns:p="http://schemas.microsoft.com/office/2006/metadata/properties" xmlns:xsi="http://www.w3.org/2001/XMLSchema-instance" xmlns:pc="http://schemas.microsoft.com/office/infopath/2007/PartnerControls">
+  <documentManagement>
+    <_activity xmlns="bdc56f61-abc0-4f7e-bfec-a93ccd1ae886" xsi:nil="true"/>
+  </documentManagement>
+</p:properties>
+</file>
+
+<file path=customXml/item2.xml><?xml version="1.0" encoding="utf-8"?>
 <ct:contentTypeSchema xmlns:ct="http://schemas.microsoft.com/office/2006/metadata/contentType" xmlns:ma="http://schemas.microsoft.com/office/2006/metadata/properties/metaAttributes" ct:_="" ma:_="" ma:contentTypeName="Documento" ma:contentTypeID="0x0101007A62137D465CE64A8C883A4664514BF8" ma:contentTypeVersion="15" ma:contentTypeDescription="Crear nuevo documento." ma:contentTypeScope="" ma:versionID="a1bd1d59f691eb9bca6952b111268275">
   <xsd:schema xmlns:xsd="http://www.w3.org/2001/XMLSchema" xmlns:xs="http://www.w3.org/2001/XMLSchema" xmlns:p="http://schemas.microsoft.com/office/2006/metadata/properties" xmlns:ns3="669280c1-d17e-4d1d-bd7f-b4f14cc6bf1d" xmlns:ns4="bdc56f61-abc0-4f7e-bfec-a93ccd1ae886" targetNamespace="http://schemas.microsoft.com/office/2006/metadata/properties" ma:root="true" ma:fieldsID="d02990a02f19f0f9fc7b999b1809cae4" ns3:_="" ns4:_="">
     <xsd:import namespace="669280c1-d17e-4d1d-bd7f-b4f14cc6bf1d"/>
@@ -21450,14 +20167,6 @@
 </ct:contentTypeSchema>
 </file>
 
-<file path=customXml/item2.xml><?xml version="1.0" encoding="utf-8"?>
-<p:properties xmlns:p="http://schemas.microsoft.com/office/2006/metadata/properties" xmlns:xsi="http://www.w3.org/2001/XMLSchema-instance" xmlns:pc="http://schemas.microsoft.com/office/infopath/2007/PartnerControls">
-  <documentManagement>
-    <_activity xmlns="bdc56f61-abc0-4f7e-bfec-a93ccd1ae886" xsi:nil="true"/>
-  </documentManagement>
-</p:properties>
-</file>
-
 <file path=customXml/item3.xml><?xml version="1.0" encoding="utf-8"?>
 <?mso-contentType ?>
 <FormTemplates xmlns="http://schemas.microsoft.com/sharepoint/v3/contenttype/forms">
@@ -21468,6 +20177,23 @@
 </file>
 
 <file path=customXml/itemProps1.xml><?xml version="1.0" encoding="utf-8"?>
+<ds:datastoreItem xmlns:ds="http://schemas.openxmlformats.org/officeDocument/2006/customXml" ds:itemID="{0825853C-1B27-4995-A583-4D39F900BB7F}">
+  <ds:schemaRefs>
+    <ds:schemaRef ds:uri="http://schemas.microsoft.com/office/2006/documentManagement/types"/>
+    <ds:schemaRef ds:uri="http://purl.org/dc/dcmitype/"/>
+    <ds:schemaRef ds:uri="http://schemas.openxmlformats.org/package/2006/metadata/core-properties"/>
+    <ds:schemaRef ds:uri="669280c1-d17e-4d1d-bd7f-b4f14cc6bf1d"/>
+    <ds:schemaRef ds:uri="http://purl.org/dc/elements/1.1/"/>
+    <ds:schemaRef ds:uri="http://purl.org/dc/terms/"/>
+    <ds:schemaRef ds:uri="http://schemas.microsoft.com/office/infopath/2007/PartnerControls"/>
+    <ds:schemaRef ds:uri="bdc56f61-abc0-4f7e-bfec-a93ccd1ae886"/>
+    <ds:schemaRef ds:uri="http://schemas.microsoft.com/office/2006/metadata/properties"/>
+    <ds:schemaRef ds:uri="http://www.w3.org/XML/1998/namespace"/>
+  </ds:schemaRefs>
+</ds:datastoreItem>
+</file>
+
+<file path=customXml/itemProps2.xml><?xml version="1.0" encoding="utf-8"?>
 <ds:datastoreItem xmlns:ds="http://schemas.openxmlformats.org/officeDocument/2006/customXml" ds:itemID="{025820C3-FD82-4EFC-BF14-EAF1F9613F52}">
   <ds:schemaRefs>
     <ds:schemaRef ds:uri="http://schemas.microsoft.com/office/2006/metadata/contentType"/>
@@ -21486,23 +20212,6 @@
 </ds:datastoreItem>
 </file>
 
-<file path=customXml/itemProps2.xml><?xml version="1.0" encoding="utf-8"?>
-<ds:datastoreItem xmlns:ds="http://schemas.openxmlformats.org/officeDocument/2006/customXml" ds:itemID="{0825853C-1B27-4995-A583-4D39F900BB7F}">
-  <ds:schemaRefs>
-    <ds:schemaRef ds:uri="http://schemas.microsoft.com/office/2006/documentManagement/types"/>
-    <ds:schemaRef ds:uri="http://purl.org/dc/dcmitype/"/>
-    <ds:schemaRef ds:uri="http://schemas.openxmlformats.org/package/2006/metadata/core-properties"/>
-    <ds:schemaRef ds:uri="669280c1-d17e-4d1d-bd7f-b4f14cc6bf1d"/>
-    <ds:schemaRef ds:uri="http://purl.org/dc/elements/1.1/"/>
-    <ds:schemaRef ds:uri="http://purl.org/dc/terms/"/>
-    <ds:schemaRef ds:uri="http://schemas.microsoft.com/office/infopath/2007/PartnerControls"/>
-    <ds:schemaRef ds:uri="bdc56f61-abc0-4f7e-bfec-a93ccd1ae886"/>
-    <ds:schemaRef ds:uri="http://schemas.microsoft.com/office/2006/metadata/properties"/>
-    <ds:schemaRef ds:uri="http://www.w3.org/XML/1998/namespace"/>
-  </ds:schemaRefs>
-</ds:datastoreItem>
-</file>
-
 <file path=customXml/itemProps3.xml><?xml version="1.0" encoding="utf-8"?>
 <ds:datastoreItem xmlns:ds="http://schemas.openxmlformats.org/officeDocument/2006/customXml" ds:itemID="{4E8623C8-32E1-48B0-9F0A-13F2E9582B7E}">
   <ds:schemaRefs>

--- a/Sesión_0/Introducción.pptx
+++ b/Sesión_0/Introducción.pptx
@@ -167,7 +167,7 @@
 <file path=ppt/revisionInfo.xml><?xml version="1.0" encoding="utf-8"?>
 <p1510:revInfo xmlns:a="http://schemas.openxmlformats.org/drawingml/2006/main" xmlns:r="http://schemas.openxmlformats.org/officeDocument/2006/relationships" xmlns:p1510="http://schemas.microsoft.com/office/powerpoint/2015/10/main">
   <p1510:revLst>
-    <p1510:client id="{F051727E-E815-4CBA-87EC-595602D579B3}" v="21" dt="2025-01-04T00:02:11.213"/>
+    <p1510:client id="{F051727E-E815-4CBA-87EC-595602D579B3}" v="30" dt="2025-01-14T00:21:09.509"/>
   </p1510:revLst>
 </p1510:revInfo>
 </file>
@@ -214,16 +214,24 @@
   <pc:docChgLst>
     <pc:chgData name="JHEYSON FABIAN VILLAVISAN BUITRAGO" userId="e5ced5c2-d787-455d-b115-4f08a699b8c8" providerId="ADAL" clId="{F051727E-E815-4CBA-87EC-595602D579B3}"/>
     <pc:docChg chg="custSel modSld">
-      <pc:chgData name="JHEYSON FABIAN VILLAVISAN BUITRAGO" userId="e5ced5c2-d787-455d-b115-4f08a699b8c8" providerId="ADAL" clId="{F051727E-E815-4CBA-87EC-595602D579B3}" dt="2025-01-04T00:02:53.888" v="459" actId="114"/>
+      <pc:chgData name="JHEYSON FABIAN VILLAVISAN BUITRAGO" userId="e5ced5c2-d787-455d-b115-4f08a699b8c8" providerId="ADAL" clId="{F051727E-E815-4CBA-87EC-595602D579B3}" dt="2025-01-14T00:21:13.732" v="486" actId="113"/>
       <pc:docMkLst>
         <pc:docMk/>
       </pc:docMkLst>
       <pc:sldChg chg="modSp mod">
-        <pc:chgData name="JHEYSON FABIAN VILLAVISAN BUITRAGO" userId="e5ced5c2-d787-455d-b115-4f08a699b8c8" providerId="ADAL" clId="{F051727E-E815-4CBA-87EC-595602D579B3}" dt="2025-01-04T00:02:53.888" v="459" actId="114"/>
+        <pc:chgData name="JHEYSON FABIAN VILLAVISAN BUITRAGO" userId="e5ced5c2-d787-455d-b115-4f08a699b8c8" providerId="ADAL" clId="{F051727E-E815-4CBA-87EC-595602D579B3}" dt="2025-01-14T00:21:13.732" v="486" actId="113"/>
         <pc:sldMkLst>
           <pc:docMk/>
           <pc:sldMk cId="0" sldId="261"/>
         </pc:sldMkLst>
+        <pc:spChg chg="mod">
+          <ac:chgData name="JHEYSON FABIAN VILLAVISAN BUITRAGO" userId="e5ced5c2-d787-455d-b115-4f08a699b8c8" providerId="ADAL" clId="{F051727E-E815-4CBA-87EC-595602D579B3}" dt="2025-01-14T00:21:13.732" v="486" actId="113"/>
+          <ac:spMkLst>
+            <pc:docMk/>
+            <pc:sldMk cId="0" sldId="261"/>
+            <ac:spMk id="3" creationId="{59B9380A-11B1-FEE0-C677-C5094B4EF0B4}"/>
+          </ac:spMkLst>
+        </pc:spChg>
         <pc:spChg chg="mod">
           <ac:chgData name="JHEYSON FABIAN VILLAVISAN BUITRAGO" userId="e5ced5c2-d787-455d-b115-4f08a699b8c8" providerId="ADAL" clId="{F051727E-E815-4CBA-87EC-595602D579B3}" dt="2025-01-04T00:02:53.888" v="459" actId="114"/>
           <ac:spMkLst>
@@ -232,6 +240,14 @@
             <ac:spMk id="6" creationId="{97AA8CFD-3BCF-4D31-88D2-A24ABB62907A}"/>
           </ac:spMkLst>
         </pc:spChg>
+        <pc:graphicFrameChg chg="mod">
+          <ac:chgData name="JHEYSON FABIAN VILLAVISAN BUITRAGO" userId="e5ced5c2-d787-455d-b115-4f08a699b8c8" providerId="ADAL" clId="{F051727E-E815-4CBA-87EC-595602D579B3}" dt="2025-01-14T00:21:09.509" v="485" actId="20577"/>
+          <ac:graphicFrameMkLst>
+            <pc:docMk/>
+            <pc:sldMk cId="0" sldId="261"/>
+            <ac:graphicFrameMk id="7" creationId="{3B28400A-9287-40BA-9001-2E821D706B4D}"/>
+          </ac:graphicFrameMkLst>
+        </pc:graphicFrameChg>
       </pc:sldChg>
       <pc:sldChg chg="modSp mod">
         <pc:chgData name="JHEYSON FABIAN VILLAVISAN BUITRAGO" userId="e5ced5c2-d787-455d-b115-4f08a699b8c8" providerId="ADAL" clId="{F051727E-E815-4CBA-87EC-595602D579B3}" dt="2025-01-03T23:58:35.352" v="263" actId="20577"/>
@@ -249,7 +265,38 @@
         </pc:spChg>
       </pc:sldChg>
       <pc:sldChg chg="modSp mod">
-        <pc:chgData name="JHEYSON FABIAN VILLAVISAN BUITRAGO" userId="e5ced5c2-d787-455d-b115-4f08a699b8c8" providerId="ADAL" clId="{F051727E-E815-4CBA-87EC-595602D579B3}" dt="2025-01-04T00:02:11.213" v="455" actId="14100"/>
+        <pc:chgData name="JHEYSON FABIAN VILLAVISAN BUITRAGO" userId="e5ced5c2-d787-455d-b115-4f08a699b8c8" providerId="ADAL" clId="{F051727E-E815-4CBA-87EC-595602D579B3}" dt="2025-01-14T00:20:56.124" v="476" actId="404"/>
+        <pc:sldMkLst>
+          <pc:docMk/>
+          <pc:sldMk cId="3709177429" sldId="274"/>
+        </pc:sldMkLst>
+        <pc:spChg chg="mod">
+          <ac:chgData name="JHEYSON FABIAN VILLAVISAN BUITRAGO" userId="e5ced5c2-d787-455d-b115-4f08a699b8c8" providerId="ADAL" clId="{F051727E-E815-4CBA-87EC-595602D579B3}" dt="2025-01-14T00:20:33.745" v="462" actId="14100"/>
+          <ac:spMkLst>
+            <pc:docMk/>
+            <pc:sldMk cId="3709177429" sldId="274"/>
+            <ac:spMk id="3" creationId="{4F1F9CC3-49B8-41A8-9878-3805D57595F8}"/>
+          </ac:spMkLst>
+        </pc:spChg>
+        <pc:spChg chg="mod">
+          <ac:chgData name="JHEYSON FABIAN VILLAVISAN BUITRAGO" userId="e5ced5c2-d787-455d-b115-4f08a699b8c8" providerId="ADAL" clId="{F051727E-E815-4CBA-87EC-595602D579B3}" dt="2025-01-14T00:20:27.931" v="460" actId="14100"/>
+          <ac:spMkLst>
+            <pc:docMk/>
+            <pc:sldMk cId="3709177429" sldId="274"/>
+            <ac:spMk id="4" creationId="{2C7E43D4-8286-4BEE-907B-3A35AE701C90}"/>
+          </ac:spMkLst>
+        </pc:spChg>
+        <pc:spChg chg="mod">
+          <ac:chgData name="JHEYSON FABIAN VILLAVISAN BUITRAGO" userId="e5ced5c2-d787-455d-b115-4f08a699b8c8" providerId="ADAL" clId="{F051727E-E815-4CBA-87EC-595602D579B3}" dt="2025-01-14T00:20:56.124" v="476" actId="404"/>
+          <ac:spMkLst>
+            <pc:docMk/>
+            <pc:sldMk cId="3709177429" sldId="274"/>
+            <ac:spMk id="10" creationId="{AF4E183E-A171-4923-A99E-D149888CEC37}"/>
+          </ac:spMkLst>
+        </pc:spChg>
+      </pc:sldChg>
+      <pc:sldChg chg="modSp mod">
+        <pc:chgData name="JHEYSON FABIAN VILLAVISAN BUITRAGO" userId="e5ced5c2-d787-455d-b115-4f08a699b8c8" providerId="ADAL" clId="{F051727E-E815-4CBA-87EC-595602D579B3}" dt="2025-01-14T00:20:48.181" v="475" actId="20577"/>
         <pc:sldMkLst>
           <pc:docMk/>
           <pc:sldMk cId="2965408220" sldId="280"/>
@@ -263,7 +310,7 @@
           </ac:spMkLst>
         </pc:spChg>
         <pc:graphicFrameChg chg="mod modGraphic">
-          <ac:chgData name="JHEYSON FABIAN VILLAVISAN BUITRAGO" userId="e5ced5c2-d787-455d-b115-4f08a699b8c8" providerId="ADAL" clId="{F051727E-E815-4CBA-87EC-595602D579B3}" dt="2025-01-04T00:01:33.605" v="451" actId="13926"/>
+          <ac:chgData name="JHEYSON FABIAN VILLAVISAN BUITRAGO" userId="e5ced5c2-d787-455d-b115-4f08a699b8c8" providerId="ADAL" clId="{F051727E-E815-4CBA-87EC-595602D579B3}" dt="2025-01-14T00:20:48.181" v="475" actId="20577"/>
           <ac:graphicFrameMkLst>
             <pc:docMk/>
             <pc:sldMk cId="2965408220" sldId="280"/>
@@ -1447,7 +1494,7 @@
         <a:p>
           <a:r>
             <a:rPr lang="es-CO" dirty="0"/>
-            <a:t>Examen final 24% + CO/AU 6%</a:t>
+            <a:t>Examen final/Proyecto 24% + CO/AU 6%</a:t>
           </a:r>
         </a:p>
       </dgm:t>
@@ -2014,7 +2061,7 @@
           </a:pPr>
           <a:r>
             <a:rPr lang="es-CO" sz="3800" kern="1200" dirty="0"/>
-            <a:t>Examen final 24% + CO/AU 6%</a:t>
+            <a:t>Examen final/Proyecto 24% + CO/AU 6%</a:t>
           </a:r>
         </a:p>
       </dsp:txBody>
@@ -3401,7 +3448,7 @@
               <a:pPr>
                 <a:defRPr/>
               </a:pPr>
-              <a:t>3/01/2025</a:t>
+              <a:t>13/01/2025</a:t>
             </a:fld>
             <a:endParaRPr lang="es-CO"/>
           </a:p>
@@ -3644,7 +3691,7 @@
               <a:pPr>
                 <a:defRPr/>
               </a:pPr>
-              <a:t>3/01/2025</a:t>
+              <a:t>13/01/2025</a:t>
             </a:fld>
             <a:endParaRPr lang="es-CO"/>
           </a:p>
@@ -5886,7 +5933,7 @@
           <a:p>
             <a:fld id="{9CF7635E-2D71-42E7-9E6C-FBB85A15A85F}" type="datetimeFigureOut">
               <a:rPr lang="es-CO" smtClean="0"/>
-              <a:t>3/01/2025</a:t>
+              <a:t>13/01/2025</a:t>
             </a:fld>
             <a:endParaRPr lang="es-CO"/>
           </a:p>
@@ -6152,7 +6199,7 @@
           <a:p>
             <a:fld id="{9CF7635E-2D71-42E7-9E6C-FBB85A15A85F}" type="datetimeFigureOut">
               <a:rPr lang="es-CO" smtClean="0"/>
-              <a:t>3/01/2025</a:t>
+              <a:t>13/01/2025</a:t>
             </a:fld>
             <a:endParaRPr lang="es-CO"/>
           </a:p>
@@ -6368,7 +6415,7 @@
           <a:p>
             <a:fld id="{9CF7635E-2D71-42E7-9E6C-FBB85A15A85F}" type="datetimeFigureOut">
               <a:rPr lang="es-CO" smtClean="0"/>
-              <a:t>3/01/2025</a:t>
+              <a:t>13/01/2025</a:t>
             </a:fld>
             <a:endParaRPr lang="es-CO"/>
           </a:p>
@@ -7997,7 +8044,7 @@
           <a:p>
             <a:fld id="{9CF7635E-2D71-42E7-9E6C-FBB85A15A85F}" type="datetimeFigureOut">
               <a:rPr lang="es-CO" smtClean="0"/>
-              <a:t>3/01/2025</a:t>
+              <a:t>13/01/2025</a:t>
             </a:fld>
             <a:endParaRPr lang="es-CO"/>
           </a:p>
@@ -8444,7 +8491,7 @@
           <a:p>
             <a:fld id="{9CF7635E-2D71-42E7-9E6C-FBB85A15A85F}" type="datetimeFigureOut">
               <a:rPr lang="es-CO" smtClean="0"/>
-              <a:t>3/01/2025</a:t>
+              <a:t>13/01/2025</a:t>
             </a:fld>
             <a:endParaRPr lang="es-CO"/>
           </a:p>
@@ -8718,7 +8765,7 @@
           <a:p>
             <a:fld id="{9CF7635E-2D71-42E7-9E6C-FBB85A15A85F}" type="datetimeFigureOut">
               <a:rPr lang="es-CO" smtClean="0"/>
-              <a:t>3/01/2025</a:t>
+              <a:t>13/01/2025</a:t>
             </a:fld>
             <a:endParaRPr lang="es-CO"/>
           </a:p>
@@ -9139,7 +9186,7 @@
           <a:p>
             <a:fld id="{9CF7635E-2D71-42E7-9E6C-FBB85A15A85F}" type="datetimeFigureOut">
               <a:rPr lang="es-CO" smtClean="0"/>
-              <a:t>3/01/2025</a:t>
+              <a:t>13/01/2025</a:t>
             </a:fld>
             <a:endParaRPr lang="es-CO"/>
           </a:p>
@@ -9287,7 +9334,7 @@
           <a:p>
             <a:fld id="{9CF7635E-2D71-42E7-9E6C-FBB85A15A85F}" type="datetimeFigureOut">
               <a:rPr lang="es-CO" smtClean="0"/>
-              <a:t>3/01/2025</a:t>
+              <a:t>13/01/2025</a:t>
             </a:fld>
             <a:endParaRPr lang="es-CO"/>
           </a:p>
@@ -9406,7 +9453,7 @@
           <a:p>
             <a:fld id="{9CF7635E-2D71-42E7-9E6C-FBB85A15A85F}" type="datetimeFigureOut">
               <a:rPr lang="es-CO" smtClean="0"/>
-              <a:t>3/01/2025</a:t>
+              <a:t>13/01/2025</a:t>
             </a:fld>
             <a:endParaRPr lang="es-CO"/>
           </a:p>
@@ -9725,7 +9772,7 @@
           <a:p>
             <a:fld id="{9CF7635E-2D71-42E7-9E6C-FBB85A15A85F}" type="datetimeFigureOut">
               <a:rPr lang="es-CO" smtClean="0"/>
-              <a:t>3/01/2025</a:t>
+              <a:t>13/01/2025</a:t>
             </a:fld>
             <a:endParaRPr lang="es-CO"/>
           </a:p>
@@ -10020,7 +10067,7 @@
           <a:p>
             <a:fld id="{9CF7635E-2D71-42E7-9E6C-FBB85A15A85F}" type="datetimeFigureOut">
               <a:rPr lang="es-CO" smtClean="0"/>
-              <a:t>3/01/2025</a:t>
+              <a:t>13/01/2025</a:t>
             </a:fld>
             <a:endParaRPr lang="es-CO"/>
           </a:p>
@@ -10269,7 +10316,7 @@
           <a:p>
             <a:fld id="{9CF7635E-2D71-42E7-9E6C-FBB85A15A85F}" type="datetimeFigureOut">
               <a:rPr lang="es-CO" smtClean="0"/>
-              <a:t>3/01/2025</a:t>
+              <a:t>13/01/2025</a:t>
             </a:fld>
             <a:endParaRPr lang="es-CO"/>
           </a:p>
@@ -10789,7 +10836,7 @@
           <a:p>
             <a:pPr algn="ctr" eaLnBrk="1" hangingPunct="1"/>
             <a:r>
-              <a:rPr lang="es-CO" altLang="es-CO" sz="3600"/>
+              <a:rPr lang="es-CO" altLang="es-CO" sz="3600" dirty="0"/>
               <a:t>1</a:t>
             </a:r>
           </a:p>
@@ -11366,7 +11413,7 @@
         <p:spPr>
           <a:xfrm>
             <a:off x="4572000" y="1693943"/>
-            <a:ext cx="5111750" cy="5853113"/>
+            <a:ext cx="3688173" cy="3967305"/>
           </a:xfrm>
         </p:spPr>
         <p:txBody>
@@ -11462,7 +11509,7 @@
         <p:spPr>
           <a:xfrm>
             <a:off x="883827" y="2832063"/>
-            <a:ext cx="3008313" cy="4691063"/>
+            <a:ext cx="3008313" cy="1605049"/>
           </a:xfrm>
         </p:spPr>
         <p:txBody>
@@ -11756,9 +11803,10 @@
           <a:p>
             <a:pPr algn="ctr" eaLnBrk="1" hangingPunct="1"/>
             <a:r>
-              <a:rPr lang="es-CO" altLang="es-CO" sz="3600" b="0" dirty="0"/>
+              <a:rPr lang="es-CO" altLang="es-CO" sz="3200" b="0" dirty="0"/>
               <a:t>2</a:t>
             </a:r>
+            <a:endParaRPr lang="es-CO" altLang="es-CO" sz="3600" b="0" dirty="0"/>
           </a:p>
         </p:txBody>
       </p:sp>
@@ -13293,7 +13341,7 @@
           <p:nvPr>
             <p:extLst>
               <p:ext uri="{D42A27DB-BD31-4B8C-83A1-F6EECF244321}">
-                <p14:modId xmlns:p14="http://schemas.microsoft.com/office/powerpoint/2010/main" val="992405557"/>
+                <p14:modId xmlns:p14="http://schemas.microsoft.com/office/powerpoint/2010/main" val="2949396119"/>
               </p:ext>
             </p:extLst>
           </p:nvPr>
@@ -13559,12 +13607,8 @@
                         <a:defRPr/>
                       </a:pPr>
                       <a:r>
-                        <a:rPr lang="es-CO" sz="1000" dirty="0" err="1"/>
-                        <a:t>Intro</a:t>
-                      </a:r>
-                      <a:r>
                         <a:rPr lang="es-CO" sz="1000" dirty="0"/>
-                        <a:t> Matlab</a:t>
+                        <a:t>Introducción a Matlab</a:t>
                       </a:r>
                     </a:p>
                   </a:txBody>
@@ -16691,7 +16735,7 @@
           <p:nvPr>
             <p:extLst>
               <p:ext uri="{D42A27DB-BD31-4B8C-83A1-F6EECF244321}">
-                <p14:modId xmlns:p14="http://schemas.microsoft.com/office/powerpoint/2010/main" val="3894127405"/>
+                <p14:modId xmlns:p14="http://schemas.microsoft.com/office/powerpoint/2010/main" val="3319379854"/>
               </p:ext>
             </p:extLst>
           </p:nvPr>
@@ -17543,7 +17587,15 @@
           <a:p>
             <a:r>
               <a:rPr lang="es-CO" dirty="0"/>
-              <a:t>Se espera una dedicación independiente de al menos 8 horas semanales.</a:t>
+              <a:t>Se espera una dedicación independiente de al </a:t>
+            </a:r>
+            <a:r>
+              <a:rPr lang="es-CO" b="1" dirty="0"/>
+              <a:t>menos 8 horas semanales</a:t>
+            </a:r>
+            <a:r>
+              <a:rPr lang="es-CO" dirty="0"/>
+              <a:t>.</a:t>
             </a:r>
           </a:p>
         </p:txBody>
@@ -19925,14 +19977,6 @@
 </file>
 
 <file path=customXml/item1.xml><?xml version="1.0" encoding="utf-8"?>
-<p:properties xmlns:p="http://schemas.microsoft.com/office/2006/metadata/properties" xmlns:xsi="http://www.w3.org/2001/XMLSchema-instance" xmlns:pc="http://schemas.microsoft.com/office/infopath/2007/PartnerControls">
-  <documentManagement>
-    <_activity xmlns="bdc56f61-abc0-4f7e-bfec-a93ccd1ae886" xsi:nil="true"/>
-  </documentManagement>
-</p:properties>
-</file>
-
-<file path=customXml/item2.xml><?xml version="1.0" encoding="utf-8"?>
 <ct:contentTypeSchema xmlns:ct="http://schemas.microsoft.com/office/2006/metadata/contentType" xmlns:ma="http://schemas.microsoft.com/office/2006/metadata/properties/metaAttributes" ct:_="" ma:_="" ma:contentTypeName="Documento" ma:contentTypeID="0x0101007A62137D465CE64A8C883A4664514BF8" ma:contentTypeVersion="15" ma:contentTypeDescription="Crear nuevo documento." ma:contentTypeScope="" ma:versionID="a1bd1d59f691eb9bca6952b111268275">
   <xsd:schema xmlns:xsd="http://www.w3.org/2001/XMLSchema" xmlns:xs="http://www.w3.org/2001/XMLSchema" xmlns:p="http://schemas.microsoft.com/office/2006/metadata/properties" xmlns:ns3="669280c1-d17e-4d1d-bd7f-b4f14cc6bf1d" xmlns:ns4="bdc56f61-abc0-4f7e-bfec-a93ccd1ae886" targetNamespace="http://schemas.microsoft.com/office/2006/metadata/properties" ma:root="true" ma:fieldsID="d02990a02f19f0f9fc7b999b1809cae4" ns3:_="" ns4:_="">
     <xsd:import namespace="669280c1-d17e-4d1d-bd7f-b4f14cc6bf1d"/>
@@ -20167,6 +20211,14 @@
 </ct:contentTypeSchema>
 </file>
 
+<file path=customXml/item2.xml><?xml version="1.0" encoding="utf-8"?>
+<p:properties xmlns:p="http://schemas.microsoft.com/office/2006/metadata/properties" xmlns:xsi="http://www.w3.org/2001/XMLSchema-instance" xmlns:pc="http://schemas.microsoft.com/office/infopath/2007/PartnerControls">
+  <documentManagement>
+    <_activity xmlns="bdc56f61-abc0-4f7e-bfec-a93ccd1ae886" xsi:nil="true"/>
+  </documentManagement>
+</p:properties>
+</file>
+
 <file path=customXml/item3.xml><?xml version="1.0" encoding="utf-8"?>
 <?mso-contentType ?>
 <FormTemplates xmlns="http://schemas.microsoft.com/sharepoint/v3/contenttype/forms">
@@ -20177,23 +20229,6 @@
 </file>
 
 <file path=customXml/itemProps1.xml><?xml version="1.0" encoding="utf-8"?>
-<ds:datastoreItem xmlns:ds="http://schemas.openxmlformats.org/officeDocument/2006/customXml" ds:itemID="{0825853C-1B27-4995-A583-4D39F900BB7F}">
-  <ds:schemaRefs>
-    <ds:schemaRef ds:uri="http://schemas.microsoft.com/office/2006/documentManagement/types"/>
-    <ds:schemaRef ds:uri="http://purl.org/dc/dcmitype/"/>
-    <ds:schemaRef ds:uri="http://schemas.openxmlformats.org/package/2006/metadata/core-properties"/>
-    <ds:schemaRef ds:uri="669280c1-d17e-4d1d-bd7f-b4f14cc6bf1d"/>
-    <ds:schemaRef ds:uri="http://purl.org/dc/elements/1.1/"/>
-    <ds:schemaRef ds:uri="http://purl.org/dc/terms/"/>
-    <ds:schemaRef ds:uri="http://schemas.microsoft.com/office/infopath/2007/PartnerControls"/>
-    <ds:schemaRef ds:uri="bdc56f61-abc0-4f7e-bfec-a93ccd1ae886"/>
-    <ds:schemaRef ds:uri="http://schemas.microsoft.com/office/2006/metadata/properties"/>
-    <ds:schemaRef ds:uri="http://www.w3.org/XML/1998/namespace"/>
-  </ds:schemaRefs>
-</ds:datastoreItem>
-</file>
-
-<file path=customXml/itemProps2.xml><?xml version="1.0" encoding="utf-8"?>
 <ds:datastoreItem xmlns:ds="http://schemas.openxmlformats.org/officeDocument/2006/customXml" ds:itemID="{025820C3-FD82-4EFC-BF14-EAF1F9613F52}">
   <ds:schemaRefs>
     <ds:schemaRef ds:uri="http://schemas.microsoft.com/office/2006/metadata/contentType"/>
@@ -20212,6 +20247,23 @@
 </ds:datastoreItem>
 </file>
 
+<file path=customXml/itemProps2.xml><?xml version="1.0" encoding="utf-8"?>
+<ds:datastoreItem xmlns:ds="http://schemas.openxmlformats.org/officeDocument/2006/customXml" ds:itemID="{0825853C-1B27-4995-A583-4D39F900BB7F}">
+  <ds:schemaRefs>
+    <ds:schemaRef ds:uri="http://schemas.microsoft.com/office/2006/documentManagement/types"/>
+    <ds:schemaRef ds:uri="http://purl.org/dc/dcmitype/"/>
+    <ds:schemaRef ds:uri="http://schemas.openxmlformats.org/package/2006/metadata/core-properties"/>
+    <ds:schemaRef ds:uri="669280c1-d17e-4d1d-bd7f-b4f14cc6bf1d"/>
+    <ds:schemaRef ds:uri="http://purl.org/dc/elements/1.1/"/>
+    <ds:schemaRef ds:uri="http://purl.org/dc/terms/"/>
+    <ds:schemaRef ds:uri="http://schemas.microsoft.com/office/infopath/2007/PartnerControls"/>
+    <ds:schemaRef ds:uri="bdc56f61-abc0-4f7e-bfec-a93ccd1ae886"/>
+    <ds:schemaRef ds:uri="http://schemas.microsoft.com/office/2006/metadata/properties"/>
+    <ds:schemaRef ds:uri="http://www.w3.org/XML/1998/namespace"/>
+  </ds:schemaRefs>
+</ds:datastoreItem>
+</file>
+
 <file path=customXml/itemProps3.xml><?xml version="1.0" encoding="utf-8"?>
 <ds:datastoreItem xmlns:ds="http://schemas.openxmlformats.org/officeDocument/2006/customXml" ds:itemID="{4E8623C8-32E1-48B0-9F0A-13F2E9582B7E}">
   <ds:schemaRefs>

--- a/Sesión_0/Introducción.pptx
+++ b/Sesión_0/Introducción.pptx
@@ -167,7 +167,7 @@
 <file path=ppt/revisionInfo.xml><?xml version="1.0" encoding="utf-8"?>
 <p1510:revInfo xmlns:a="http://schemas.openxmlformats.org/drawingml/2006/main" xmlns:r="http://schemas.openxmlformats.org/officeDocument/2006/relationships" xmlns:p1510="http://schemas.microsoft.com/office/powerpoint/2015/10/main">
   <p1510:revLst>
-    <p1510:client id="{F051727E-E815-4CBA-87EC-595602D579B3}" v="30" dt="2025-01-14T00:21:09.509"/>
+    <p1510:client id="{F051727E-E815-4CBA-87EC-595602D579B3}" v="33" dt="2025-01-14T17:54:46.064"/>
   </p1510:revLst>
 </p1510:revInfo>
 </file>
@@ -214,7 +214,7 @@
   <pc:docChgLst>
     <pc:chgData name="JHEYSON FABIAN VILLAVISAN BUITRAGO" userId="e5ced5c2-d787-455d-b115-4f08a699b8c8" providerId="ADAL" clId="{F051727E-E815-4CBA-87EC-595602D579B3}"/>
     <pc:docChg chg="custSel modSld">
-      <pc:chgData name="JHEYSON FABIAN VILLAVISAN BUITRAGO" userId="e5ced5c2-d787-455d-b115-4f08a699b8c8" providerId="ADAL" clId="{F051727E-E815-4CBA-87EC-595602D579B3}" dt="2025-01-14T00:21:13.732" v="486" actId="113"/>
+      <pc:chgData name="JHEYSON FABIAN VILLAVISAN BUITRAGO" userId="e5ced5c2-d787-455d-b115-4f08a699b8c8" providerId="ADAL" clId="{F051727E-E815-4CBA-87EC-595602D579B3}" dt="2025-01-14T17:55:02.606" v="514" actId="1076"/>
       <pc:docMkLst>
         <pc:docMk/>
       </pc:docMkLst>
@@ -249,12 +249,28 @@
           </ac:graphicFrameMkLst>
         </pc:graphicFrameChg>
       </pc:sldChg>
-      <pc:sldChg chg="modSp mod">
-        <pc:chgData name="JHEYSON FABIAN VILLAVISAN BUITRAGO" userId="e5ced5c2-d787-455d-b115-4f08a699b8c8" providerId="ADAL" clId="{F051727E-E815-4CBA-87EC-595602D579B3}" dt="2025-01-03T23:58:35.352" v="263" actId="20577"/>
+      <pc:sldChg chg="addSp modSp mod">
+        <pc:chgData name="JHEYSON FABIAN VILLAVISAN BUITRAGO" userId="e5ced5c2-d787-455d-b115-4f08a699b8c8" providerId="ADAL" clId="{F051727E-E815-4CBA-87EC-595602D579B3}" dt="2025-01-14T17:55:02.606" v="514" actId="1076"/>
         <pc:sldMkLst>
           <pc:docMk/>
           <pc:sldMk cId="0" sldId="268"/>
         </pc:sldMkLst>
+        <pc:spChg chg="add mod">
+          <ac:chgData name="JHEYSON FABIAN VILLAVISAN BUITRAGO" userId="e5ced5c2-d787-455d-b115-4f08a699b8c8" providerId="ADAL" clId="{F051727E-E815-4CBA-87EC-595602D579B3}" dt="2025-01-14T17:55:02.606" v="514" actId="1076"/>
+          <ac:spMkLst>
+            <pc:docMk/>
+            <pc:sldMk cId="0" sldId="268"/>
+            <ac:spMk id="3" creationId="{008BB48C-FC05-3615-A776-2D1677A4E9F1}"/>
+          </ac:spMkLst>
+        </pc:spChg>
+        <pc:spChg chg="mod">
+          <ac:chgData name="JHEYSON FABIAN VILLAVISAN BUITRAGO" userId="e5ced5c2-d787-455d-b115-4f08a699b8c8" providerId="ADAL" clId="{F051727E-E815-4CBA-87EC-595602D579B3}" dt="2025-01-14T17:54:53.633" v="510" actId="20577"/>
+          <ac:spMkLst>
+            <pc:docMk/>
+            <pc:sldMk cId="0" sldId="268"/>
+            <ac:spMk id="9" creationId="{DE1C5E17-B258-47EA-B96B-EF9524AC8863}"/>
+          </ac:spMkLst>
+        </pc:spChg>
         <pc:spChg chg="mod">
           <ac:chgData name="JHEYSON FABIAN VILLAVISAN BUITRAGO" userId="e5ced5c2-d787-455d-b115-4f08a699b8c8" providerId="ADAL" clId="{F051727E-E815-4CBA-87EC-595602D579B3}" dt="2025-01-03T23:58:35.352" v="263" actId="20577"/>
           <ac:spMkLst>
@@ -3448,7 +3464,7 @@
               <a:pPr>
                 <a:defRPr/>
               </a:pPr>
-              <a:t>13/01/2025</a:t>
+              <a:t>14/01/2025</a:t>
             </a:fld>
             <a:endParaRPr lang="es-CO"/>
           </a:p>
@@ -3691,7 +3707,7 @@
               <a:pPr>
                 <a:defRPr/>
               </a:pPr>
-              <a:t>13/01/2025</a:t>
+              <a:t>14/01/2025</a:t>
             </a:fld>
             <a:endParaRPr lang="es-CO"/>
           </a:p>
@@ -5933,7 +5949,7 @@
           <a:p>
             <a:fld id="{9CF7635E-2D71-42E7-9E6C-FBB85A15A85F}" type="datetimeFigureOut">
               <a:rPr lang="es-CO" smtClean="0"/>
-              <a:t>13/01/2025</a:t>
+              <a:t>14/01/2025</a:t>
             </a:fld>
             <a:endParaRPr lang="es-CO"/>
           </a:p>
@@ -6199,7 +6215,7 @@
           <a:p>
             <a:fld id="{9CF7635E-2D71-42E7-9E6C-FBB85A15A85F}" type="datetimeFigureOut">
               <a:rPr lang="es-CO" smtClean="0"/>
-              <a:t>13/01/2025</a:t>
+              <a:t>14/01/2025</a:t>
             </a:fld>
             <a:endParaRPr lang="es-CO"/>
           </a:p>
@@ -6415,7 +6431,7 @@
           <a:p>
             <a:fld id="{9CF7635E-2D71-42E7-9E6C-FBB85A15A85F}" type="datetimeFigureOut">
               <a:rPr lang="es-CO" smtClean="0"/>
-              <a:t>13/01/2025</a:t>
+              <a:t>14/01/2025</a:t>
             </a:fld>
             <a:endParaRPr lang="es-CO"/>
           </a:p>
@@ -8044,7 +8060,7 @@
           <a:p>
             <a:fld id="{9CF7635E-2D71-42E7-9E6C-FBB85A15A85F}" type="datetimeFigureOut">
               <a:rPr lang="es-CO" smtClean="0"/>
-              <a:t>13/01/2025</a:t>
+              <a:t>14/01/2025</a:t>
             </a:fld>
             <a:endParaRPr lang="es-CO"/>
           </a:p>
@@ -8491,7 +8507,7 @@
           <a:p>
             <a:fld id="{9CF7635E-2D71-42E7-9E6C-FBB85A15A85F}" type="datetimeFigureOut">
               <a:rPr lang="es-CO" smtClean="0"/>
-              <a:t>13/01/2025</a:t>
+              <a:t>14/01/2025</a:t>
             </a:fld>
             <a:endParaRPr lang="es-CO"/>
           </a:p>
@@ -8765,7 +8781,7 @@
           <a:p>
             <a:fld id="{9CF7635E-2D71-42E7-9E6C-FBB85A15A85F}" type="datetimeFigureOut">
               <a:rPr lang="es-CO" smtClean="0"/>
-              <a:t>13/01/2025</a:t>
+              <a:t>14/01/2025</a:t>
             </a:fld>
             <a:endParaRPr lang="es-CO"/>
           </a:p>
@@ -9186,7 +9202,7 @@
           <a:p>
             <a:fld id="{9CF7635E-2D71-42E7-9E6C-FBB85A15A85F}" type="datetimeFigureOut">
               <a:rPr lang="es-CO" smtClean="0"/>
-              <a:t>13/01/2025</a:t>
+              <a:t>14/01/2025</a:t>
             </a:fld>
             <a:endParaRPr lang="es-CO"/>
           </a:p>
@@ -9334,7 +9350,7 @@
           <a:p>
             <a:fld id="{9CF7635E-2D71-42E7-9E6C-FBB85A15A85F}" type="datetimeFigureOut">
               <a:rPr lang="es-CO" smtClean="0"/>
-              <a:t>13/01/2025</a:t>
+              <a:t>14/01/2025</a:t>
             </a:fld>
             <a:endParaRPr lang="es-CO"/>
           </a:p>
@@ -9453,7 +9469,7 @@
           <a:p>
             <a:fld id="{9CF7635E-2D71-42E7-9E6C-FBB85A15A85F}" type="datetimeFigureOut">
               <a:rPr lang="es-CO" smtClean="0"/>
-              <a:t>13/01/2025</a:t>
+              <a:t>14/01/2025</a:t>
             </a:fld>
             <a:endParaRPr lang="es-CO"/>
           </a:p>
@@ -9772,7 +9788,7 @@
           <a:p>
             <a:fld id="{9CF7635E-2D71-42E7-9E6C-FBB85A15A85F}" type="datetimeFigureOut">
               <a:rPr lang="es-CO" smtClean="0"/>
-              <a:t>13/01/2025</a:t>
+              <a:t>14/01/2025</a:t>
             </a:fld>
             <a:endParaRPr lang="es-CO"/>
           </a:p>
@@ -10067,7 +10083,7 @@
           <a:p>
             <a:fld id="{9CF7635E-2D71-42E7-9E6C-FBB85A15A85F}" type="datetimeFigureOut">
               <a:rPr lang="es-CO" smtClean="0"/>
-              <a:t>13/01/2025</a:t>
+              <a:t>14/01/2025</a:t>
             </a:fld>
             <a:endParaRPr lang="es-CO"/>
           </a:p>
@@ -10316,7 +10332,7 @@
           <a:p>
             <a:fld id="{9CF7635E-2D71-42E7-9E6C-FBB85A15A85F}" type="datetimeFigureOut">
               <a:rPr lang="es-CO" smtClean="0"/>
-              <a:t>13/01/2025</a:t>
+              <a:t>14/01/2025</a:t>
             </a:fld>
             <a:endParaRPr lang="es-CO"/>
           </a:p>
@@ -18646,7 +18662,7 @@
         </p:nvSpPr>
         <p:spPr bwMode="auto">
           <a:xfrm>
-            <a:off x="611188" y="3068638"/>
+            <a:off x="611823" y="2708920"/>
             <a:ext cx="8229600" cy="1143000"/>
           </a:xfrm>
           <a:prstGeom prst="rect">
@@ -18828,7 +18844,7 @@
             </a:pPr>
             <a:r>
               <a:rPr lang="es-CO" altLang="es-CO" b="1" dirty="0"/>
-              <a:t>¿Preguntas?</a:t>
+              <a:t>MATERIAL DEL CURSO</a:t>
             </a:r>
           </a:p>
         </p:txBody>
@@ -19103,6 +19119,47 @@
                 </a:solidFill>
               </a:rPr>
               <a:t> 6065 SISTEMAS DE CONTROL II</a:t>
+            </a:r>
+          </a:p>
+        </p:txBody>
+      </p:sp>
+      <p:sp>
+        <p:nvSpPr>
+          <p:cNvPr id="3" name="CuadroTexto 2">
+            <a:extLst>
+              <a:ext uri="{FF2B5EF4-FFF2-40B4-BE49-F238E27FC236}">
+                <a16:creationId xmlns:a16="http://schemas.microsoft.com/office/drawing/2014/main" id="{008BB48C-FC05-3615-A776-2D1677A4E9F1}"/>
+              </a:ext>
+            </a:extLst>
+          </p:cNvPr>
+          <p:cNvSpPr txBox="1"/>
+          <p:nvPr/>
+        </p:nvSpPr>
+        <p:spPr>
+          <a:xfrm>
+            <a:off x="882002" y="4221088"/>
+            <a:ext cx="7689242" cy="369332"/>
+          </a:xfrm>
+          <a:prstGeom prst="rect">
+            <a:avLst/>
+          </a:prstGeom>
+          <a:noFill/>
+        </p:spPr>
+        <p:txBody>
+          <a:bodyPr wrap="square" rtlCol="0">
+            <a:spAutoFit/>
+          </a:bodyPr>
+          <a:lstStyle/>
+          <a:p>
+            <a:r>
+              <a:rPr lang="es-CO" dirty="0">
+                <a:hlinkClick r:id="rId4"/>
+              </a:rPr>
+              <a:t>https://github.com/F4bian1012/Sistemas-de-Control-II---Ingenier-a-Mecatr-nica</a:t>
+            </a:r>
+            <a:r>
+              <a:rPr lang="es-CO" dirty="0"/>
+              <a:t> </a:t>
             </a:r>
           </a:p>
         </p:txBody>
@@ -19977,6 +20034,23 @@
 </file>
 
 <file path=customXml/item1.xml><?xml version="1.0" encoding="utf-8"?>
+<?mso-contentType ?>
+<FormTemplates xmlns="http://schemas.microsoft.com/sharepoint/v3/contenttype/forms">
+  <Display>DocumentLibraryForm</Display>
+  <Edit>DocumentLibraryForm</Edit>
+  <New>DocumentLibraryForm</New>
+</FormTemplates>
+</file>
+
+<file path=customXml/item2.xml><?xml version="1.0" encoding="utf-8"?>
+<p:properties xmlns:p="http://schemas.microsoft.com/office/2006/metadata/properties" xmlns:xsi="http://www.w3.org/2001/XMLSchema-instance" xmlns:pc="http://schemas.microsoft.com/office/infopath/2007/PartnerControls">
+  <documentManagement>
+    <_activity xmlns="bdc56f61-abc0-4f7e-bfec-a93ccd1ae886" xsi:nil="true"/>
+  </documentManagement>
+</p:properties>
+</file>
+
+<file path=customXml/item3.xml><?xml version="1.0" encoding="utf-8"?>
 <ct:contentTypeSchema xmlns:ct="http://schemas.microsoft.com/office/2006/metadata/contentType" xmlns:ma="http://schemas.microsoft.com/office/2006/metadata/properties/metaAttributes" ct:_="" ma:_="" ma:contentTypeName="Documento" ma:contentTypeID="0x0101007A62137D465CE64A8C883A4664514BF8" ma:contentTypeVersion="15" ma:contentTypeDescription="Crear nuevo documento." ma:contentTypeScope="" ma:versionID="a1bd1d59f691eb9bca6952b111268275">
   <xsd:schema xmlns:xsd="http://www.w3.org/2001/XMLSchema" xmlns:xs="http://www.w3.org/2001/XMLSchema" xmlns:p="http://schemas.microsoft.com/office/2006/metadata/properties" xmlns:ns3="669280c1-d17e-4d1d-bd7f-b4f14cc6bf1d" xmlns:ns4="bdc56f61-abc0-4f7e-bfec-a93ccd1ae886" targetNamespace="http://schemas.microsoft.com/office/2006/metadata/properties" ma:root="true" ma:fieldsID="d02990a02f19f0f9fc7b999b1809cae4" ns3:_="" ns4:_="">
     <xsd:import namespace="669280c1-d17e-4d1d-bd7f-b4f14cc6bf1d"/>
@@ -20211,38 +20285,10 @@
 </ct:contentTypeSchema>
 </file>
 
-<file path=customXml/item2.xml><?xml version="1.0" encoding="utf-8"?>
-<p:properties xmlns:p="http://schemas.microsoft.com/office/2006/metadata/properties" xmlns:xsi="http://www.w3.org/2001/XMLSchema-instance" xmlns:pc="http://schemas.microsoft.com/office/infopath/2007/PartnerControls">
-  <documentManagement>
-    <_activity xmlns="bdc56f61-abc0-4f7e-bfec-a93ccd1ae886" xsi:nil="true"/>
-  </documentManagement>
-</p:properties>
-</file>
-
-<file path=customXml/item3.xml><?xml version="1.0" encoding="utf-8"?>
-<?mso-contentType ?>
-<FormTemplates xmlns="http://schemas.microsoft.com/sharepoint/v3/contenttype/forms">
-  <Display>DocumentLibraryForm</Display>
-  <Edit>DocumentLibraryForm</Edit>
-  <New>DocumentLibraryForm</New>
-</FormTemplates>
-</file>
-
 <file path=customXml/itemProps1.xml><?xml version="1.0" encoding="utf-8"?>
-<ds:datastoreItem xmlns:ds="http://schemas.openxmlformats.org/officeDocument/2006/customXml" ds:itemID="{025820C3-FD82-4EFC-BF14-EAF1F9613F52}">
+<ds:datastoreItem xmlns:ds="http://schemas.openxmlformats.org/officeDocument/2006/customXml" ds:itemID="{4E8623C8-32E1-48B0-9F0A-13F2E9582B7E}">
   <ds:schemaRefs>
-    <ds:schemaRef ds:uri="http://schemas.microsoft.com/office/2006/metadata/contentType"/>
-    <ds:schemaRef ds:uri="http://schemas.microsoft.com/office/2006/metadata/properties/metaAttributes"/>
-    <ds:schemaRef ds:uri="http://www.w3.org/2001/XMLSchema"/>
-    <ds:schemaRef ds:uri="http://schemas.microsoft.com/office/2006/metadata/properties"/>
-    <ds:schemaRef ds:uri="669280c1-d17e-4d1d-bd7f-b4f14cc6bf1d"/>
-    <ds:schemaRef ds:uri="bdc56f61-abc0-4f7e-bfec-a93ccd1ae886"/>
-    <ds:schemaRef ds:uri="http://schemas.microsoft.com/office/2006/documentManagement/types"/>
-    <ds:schemaRef ds:uri="http://schemas.microsoft.com/office/infopath/2007/PartnerControls"/>
-    <ds:schemaRef ds:uri="http://schemas.openxmlformats.org/package/2006/metadata/core-properties"/>
-    <ds:schemaRef ds:uri="http://purl.org/dc/elements/1.1/"/>
-    <ds:schemaRef ds:uri="http://purl.org/dc/terms/"/>
-    <ds:schemaRef ds:uri="http://schemas.microsoft.com/internal/obd"/>
+    <ds:schemaRef ds:uri="http://schemas.microsoft.com/sharepoint/v3/contenttype/forms"/>
   </ds:schemaRefs>
 </ds:datastoreItem>
 </file>
@@ -20265,9 +20311,20 @@
 </file>
 
 <file path=customXml/itemProps3.xml><?xml version="1.0" encoding="utf-8"?>
-<ds:datastoreItem xmlns:ds="http://schemas.openxmlformats.org/officeDocument/2006/customXml" ds:itemID="{4E8623C8-32E1-48B0-9F0A-13F2E9582B7E}">
+<ds:datastoreItem xmlns:ds="http://schemas.openxmlformats.org/officeDocument/2006/customXml" ds:itemID="{025820C3-FD82-4EFC-BF14-EAF1F9613F52}">
   <ds:schemaRefs>
-    <ds:schemaRef ds:uri="http://schemas.microsoft.com/sharepoint/v3/contenttype/forms"/>
+    <ds:schemaRef ds:uri="http://schemas.microsoft.com/office/2006/metadata/contentType"/>
+    <ds:schemaRef ds:uri="http://schemas.microsoft.com/office/2006/metadata/properties/metaAttributes"/>
+    <ds:schemaRef ds:uri="http://www.w3.org/2001/XMLSchema"/>
+    <ds:schemaRef ds:uri="http://schemas.microsoft.com/office/2006/metadata/properties"/>
+    <ds:schemaRef ds:uri="669280c1-d17e-4d1d-bd7f-b4f14cc6bf1d"/>
+    <ds:schemaRef ds:uri="bdc56f61-abc0-4f7e-bfec-a93ccd1ae886"/>
+    <ds:schemaRef ds:uri="http://schemas.microsoft.com/office/2006/documentManagement/types"/>
+    <ds:schemaRef ds:uri="http://schemas.microsoft.com/office/infopath/2007/PartnerControls"/>
+    <ds:schemaRef ds:uri="http://schemas.openxmlformats.org/package/2006/metadata/core-properties"/>
+    <ds:schemaRef ds:uri="http://purl.org/dc/elements/1.1/"/>
+    <ds:schemaRef ds:uri="http://purl.org/dc/terms/"/>
+    <ds:schemaRef ds:uri="http://schemas.microsoft.com/internal/obd"/>
   </ds:schemaRefs>
 </ds:datastoreItem>
 </file>